--- a/presentation/presentation.pptx
+++ b/presentation/presentation.pptx
@@ -122,6 +122,32 @@
     </a:lvl9pPr>
   </p:defaultTextStyle>
   <p:extLst>
+    <p:ext uri="{521415D9-36F7-43E2-AB2F-B90AF26B5E84}">
+      <p14:sectionLst xmlns:p14="http://schemas.microsoft.com/office/powerpoint/2010/main">
+        <p14:section name="Default Section" id="{B8EDF61C-5FAC-4585-BE68-087C0E622E96}">
+          <p14:sldIdLst>
+            <p14:sldId id="257"/>
+            <p14:sldId id="260"/>
+            <p14:sldId id="263"/>
+            <p14:sldId id="286"/>
+            <p14:sldId id="266"/>
+            <p14:sldId id="291"/>
+            <p14:sldId id="265"/>
+            <p14:sldId id="287"/>
+            <p14:sldId id="289"/>
+            <p14:sldId id="290"/>
+            <p14:sldId id="292"/>
+            <p14:sldId id="288"/>
+          </p14:sldIdLst>
+        </p14:section>
+        <p14:section name="Extra Slides" id="{FF42D31E-DF8E-49A0-A889-D28FE5AC1455}">
+          <p14:sldIdLst>
+            <p14:sldId id="293"/>
+            <p14:sldId id="294"/>
+          </p14:sldIdLst>
+        </p14:section>
+      </p14:sectionLst>
+    </p:ext>
     <p:ext uri="{EFAFB233-063F-42B5-8137-9DF3F51BA10A}">
       <p15:sldGuideLst xmlns:p15="http://schemas.microsoft.com/office/powerpoint/2012/main"/>
     </p:ext>
@@ -22113,6 +22139,12 @@
           </a:p>
           <a:p>
             <a:pPr lvl="1"/>
+            <a:endParaRPr lang="en-US" dirty="0">
+              <a:latin typeface="Calibri"/>
+            </a:endParaRPr>
+          </a:p>
+          <a:p>
+            <a:pPr lvl="1"/>
             <a:r>
               <a:rPr lang="en-US" dirty="0">
                 <a:latin typeface="Calibri"/>
@@ -22156,13 +22188,15 @@
               </a:ext>
             </a:extLst>
           </a:blip>
-          <a:srcRect/>
-          <a:stretch/>
+          <a:srcRect r="11862"/>
+          <a:stretch>
+            <a:fillRect/>
+          </a:stretch>
         </p:blipFill>
         <p:spPr>
           <a:xfrm>
-            <a:off x="939789" y="3172074"/>
-            <a:ext cx="7616491" cy="2095459"/>
+            <a:off x="770688" y="3224092"/>
+            <a:ext cx="8216737" cy="2564847"/>
           </a:xfrm>
           <a:prstGeom prst="rect">
             <a:avLst/>
@@ -22187,7 +22221,7 @@
         </p:nvSpPr>
         <p:spPr>
           <a:xfrm>
-            <a:off x="939789" y="5195176"/>
+            <a:off x="4024250" y="2988372"/>
             <a:ext cx="5906173" cy="261609"/>
           </a:xfrm>
           <a:prstGeom prst="rect">
@@ -22231,7 +22265,7 @@
                 <a:uFillTx/>
                 <a:latin typeface="Arial"/>
               </a:rPr>
-              <a:t>Screenshots taken from </a:t>
+              <a:t>Screenshot taken from </a:t>
             </a:r>
             <a:r>
               <a:rPr lang="en-US" sz="1100" b="0" i="0" u="none" strike="noStrike" kern="1200" cap="none" spc="0" baseline="0" dirty="0" err="1">
@@ -23288,8 +23322,17 @@
                   <a:srgbClr val="344A9A"/>
                 </a:solidFill>
               </a:rPr>
-              <a:t>Results</a:t>
-            </a:r>
+              <a:t>Results: </a:t>
+            </a:r>
+            <a:r>
+              <a:rPr lang="en-US" dirty="0"/>
+              <a:t>Improvement on existing features, new features</a:t>
+            </a:r>
+            <a:endParaRPr lang="en-US" b="1" dirty="0">
+              <a:solidFill>
+                <a:srgbClr val="344A9A"/>
+              </a:solidFill>
+            </a:endParaRPr>
           </a:p>
           <a:p>
             <a:pPr marL="342900" lvl="0" indent="-342900">
@@ -23301,9 +23344,12 @@
                   <a:srgbClr val="344A9A"/>
                 </a:solidFill>
               </a:rPr>
-              <a:t>Future Work</a:t>
-            </a:r>
-            <a:endParaRPr lang="en-US" dirty="0"/>
+              <a:t>Conclusion: </a:t>
+            </a:r>
+            <a:r>
+              <a:rPr lang="en-US" dirty="0"/>
+              <a:t>Goals Reached &amp; Future Work</a:t>
+            </a:r>
           </a:p>
         </p:txBody>
       </p:sp>

--- a/presentation/presentation.pptx
+++ b/presentation/presentation.pptx
@@ -6,7 +6,7 @@
     <p:sldMasterId id="2147483674" r:id="rId2"/>
   </p:sldMasterIdLst>
   <p:notesMasterIdLst>
-    <p:notesMasterId r:id="rId17"/>
+    <p:notesMasterId r:id="rId18"/>
   </p:notesMasterIdLst>
   <p:sldIdLst>
     <p:sldId id="257" r:id="rId3"/>
@@ -23,6 +23,7 @@
     <p:sldId id="288" r:id="rId14"/>
     <p:sldId id="293" r:id="rId15"/>
     <p:sldId id="294" r:id="rId16"/>
+    <p:sldId id="295" r:id="rId17"/>
   </p:sldIdLst>
   <p:sldSz cx="12192000" cy="6858000"/>
   <p:notesSz cx="6858000" cy="9144000"/>
@@ -144,6 +145,7 @@
           <p14:sldIdLst>
             <p14:sldId id="293"/>
             <p14:sldId id="294"/>
+            <p14:sldId id="295"/>
           </p14:sldIdLst>
         </p14:section>
       </p14:sectionLst>
@@ -503,7 +505,7 @@
             <a:fld id="{99B41632-069F-48D6-8112-7097209EFB99}" type="datetime1">
               <a:rPr lang="de-DE"/>
               <a:pPr lvl="0"/>
-              <a:t>10.07.2025</a:t>
+              <a:t>12.07.2025</a:t>
             </a:fld>
             <a:endParaRPr lang="de-DE"/>
           </a:p>
@@ -2911,7 +2913,7 @@
             <a:fld id="{CD6543D6-383C-4F0E-965A-E8FC81277722}" type="datetime4">
               <a:rPr lang="de-DE"/>
               <a:pPr lvl="0"/>
-              <a:t>10. Juli 2025</a:t>
+              <a:t>12. Juli 2025</a:t>
             </a:fld>
             <a:endParaRPr lang="de-DE"/>
           </a:p>
@@ -3125,7 +3127,7 @@
             <a:fld id="{4FE2F17A-C21A-478B-88E9-0477DBEC62B8}" type="datetime4">
               <a:rPr lang="de-DE"/>
               <a:pPr lvl="0"/>
-              <a:t>10. Juli 2025</a:t>
+              <a:t>12. Juli 2025</a:t>
             </a:fld>
             <a:endParaRPr lang="de-DE"/>
           </a:p>
@@ -3369,7 +3371,7 @@
             <a:fld id="{16E27B38-1345-4CAE-9188-106B0173E1CC}" type="datetime4">
               <a:rPr lang="de-DE"/>
               <a:pPr lvl="0"/>
-              <a:t>10. Juli 2025</a:t>
+              <a:t>12. Juli 2025</a:t>
             </a:fld>
             <a:endParaRPr lang="de-DE"/>
           </a:p>
@@ -3657,7 +3659,7 @@
             <a:fld id="{FCD3004D-868A-4CBF-B97B-75BC0B8FDA1B}" type="datetime4">
               <a:rPr lang="de-DE"/>
               <a:pPr lvl="0"/>
-              <a:t>10. Juli 2025</a:t>
+              <a:t>12. Juli 2025</a:t>
             </a:fld>
             <a:endParaRPr lang="de-DE"/>
           </a:p>
@@ -3866,7 +3868,7 @@
             <a:fld id="{84601751-AA5B-49FF-AAE1-6963C5B7D9BF}" type="datetime4">
               <a:rPr lang="de-DE"/>
               <a:pPr lvl="0"/>
-              <a:t>10. Juli 2025</a:t>
+              <a:t>12. Juli 2025</a:t>
             </a:fld>
             <a:endParaRPr lang="de-DE"/>
           </a:p>
@@ -4070,7 +4072,7 @@
             <a:fld id="{E8FF77A1-B0AA-4303-BA6B-A020EBC0BF66}" type="datetime4">
               <a:rPr lang="de-DE"/>
               <a:pPr lvl="0"/>
-              <a:t>10. Juli 2025</a:t>
+              <a:t>12. Juli 2025</a:t>
             </a:fld>
             <a:endParaRPr lang="de-DE"/>
           </a:p>
@@ -4353,7 +4355,7 @@
             <a:fld id="{EDB87B34-8F10-4D18-A87D-5F957CCA7471}" type="datetime4">
               <a:rPr lang="de-DE"/>
               <a:pPr lvl="0"/>
-              <a:t>10. Juli 2025</a:t>
+              <a:t>12. Juli 2025</a:t>
             </a:fld>
             <a:endParaRPr lang="de-DE"/>
           </a:p>
@@ -4601,7 +4603,7 @@
             <a:fld id="{40D46405-2165-412A-B5A9-A689289A2722}" type="datetime4">
               <a:rPr lang="de-DE"/>
               <a:pPr lvl="0"/>
-              <a:t>10. Juli 2025</a:t>
+              <a:t>12. Juli 2025</a:t>
             </a:fld>
             <a:endParaRPr lang="de-DE"/>
           </a:p>
@@ -4805,7 +4807,7 @@
             <a:fld id="{A96CC717-5921-48B5-9145-5DBBA813FC80}" type="datetime4">
               <a:rPr lang="de-DE"/>
               <a:pPr lvl="0"/>
-              <a:t>10. Juli 2025</a:t>
+              <a:t>12. Juli 2025</a:t>
             </a:fld>
             <a:endParaRPr lang="de-DE"/>
           </a:p>
@@ -5053,7 +5055,7 @@
             <a:fld id="{B8C4394D-1D5E-4CC1-91F0-9284DCB9DDDB}" type="datetime4">
               <a:rPr lang="de-DE"/>
               <a:pPr lvl="0"/>
-              <a:t>10. Juli 2025</a:t>
+              <a:t>12. Juli 2025</a:t>
             </a:fld>
             <a:endParaRPr lang="de-DE"/>
           </a:p>
@@ -5961,7 +5963,7 @@
             <a:fld id="{6AE3A700-2C46-46F3-8A79-E45631798C00}" type="datetime4">
               <a:rPr lang="de-DE"/>
               <a:pPr lvl="0"/>
-              <a:t>10. Juli 2025</a:t>
+              <a:t>12. Juli 2025</a:t>
             </a:fld>
             <a:endParaRPr lang="de-DE"/>
           </a:p>
@@ -6260,7 +6262,7 @@
             <a:fld id="{3F569A98-3955-400C-BF1D-D7E7E09072C5}" type="datetime4">
               <a:rPr lang="de-DE"/>
               <a:pPr lvl="0"/>
-              <a:t>10. Juli 2025</a:t>
+              <a:t>12. Juli 2025</a:t>
             </a:fld>
             <a:endParaRPr lang="de-DE"/>
           </a:p>
@@ -6731,7 +6733,7 @@
             <a:fld id="{623C9C3C-0C83-49D0-8F9C-6EF0F6F82A1A}" type="datetime4">
               <a:rPr lang="de-DE"/>
               <a:pPr lvl="0"/>
-              <a:t>10. Juli 2025</a:t>
+              <a:t>12. Juli 2025</a:t>
             </a:fld>
             <a:endParaRPr lang="de-DE"/>
           </a:p>
@@ -7205,7 +7207,7 @@
             <a:fld id="{8B57F709-8E32-405E-AD84-DC8083A5C54B}" type="datetime4">
               <a:rPr lang="de-DE"/>
               <a:pPr lvl="0"/>
-              <a:t>10. Juli 2025</a:t>
+              <a:t>12. Juli 2025</a:t>
             </a:fld>
             <a:endParaRPr lang="de-DE"/>
           </a:p>
@@ -7336,7 +7338,7 @@
             <a:fld id="{4E8381F7-B714-43B4-B365-C1A70FFB8FE3}" type="datetime4">
               <a:rPr lang="de-DE"/>
               <a:pPr lvl="0"/>
-              <a:t>10. Juli 2025</a:t>
+              <a:t>12. Juli 2025</a:t>
             </a:fld>
             <a:endParaRPr lang="de-DE"/>
           </a:p>
@@ -7520,7 +7522,7 @@
             <a:fld id="{A0297AD3-829B-4B35-AD11-107AC625D8AF}" type="datetime4">
               <a:rPr lang="de-DE"/>
               <a:pPr lvl="0"/>
-              <a:t>10. Juli 2025</a:t>
+              <a:t>12. Juli 2025</a:t>
             </a:fld>
             <a:endParaRPr lang="de-DE"/>
           </a:p>
@@ -9099,7 +9101,7 @@
             <a:fld id="{094D5377-B346-4830-A292-4BD6E375916B}" type="datetime4">
               <a:rPr lang="de-DE"/>
               <a:pPr lvl="0"/>
-              <a:t>10. Juli 2025</a:t>
+              <a:t>12. Juli 2025</a:t>
             </a:fld>
             <a:endParaRPr lang="de-DE"/>
           </a:p>
@@ -9673,7 +9675,7 @@
             <a:fld id="{5698949A-D1DF-41B2-9889-84E88E55D60F}" type="datetime4">
               <a:rPr lang="de-DE"/>
               <a:pPr lvl="0"/>
-              <a:t>10. Juli 2025</a:t>
+              <a:t>12. Juli 2025</a:t>
             </a:fld>
             <a:endParaRPr lang="de-DE"/>
           </a:p>
@@ -10066,7 +10068,7 @@
             <a:fld id="{8A5A54B7-6719-41BF-8E0A-3D4F08824594}" type="datetime4">
               <a:rPr lang="de-DE"/>
               <a:pPr lvl="0"/>
-              <a:t>10. Juli 2025</a:t>
+              <a:t>12. Juli 2025</a:t>
             </a:fld>
             <a:endParaRPr lang="de-DE"/>
           </a:p>
@@ -10235,7 +10237,7 @@
             <a:fld id="{3A7FBFFB-4C9A-40EA-8116-F21085C3E496}" type="datetime4">
               <a:rPr lang="de-DE"/>
               <a:pPr lvl="0"/>
-              <a:t>10. Juli 2025</a:t>
+              <a:t>12. Juli 2025</a:t>
             </a:fld>
             <a:endParaRPr lang="de-DE"/>
           </a:p>
@@ -10477,7 +10479,7 @@
             <a:fld id="{B3A3DFAF-AC8B-4741-BD5B-148CB659AD13}" type="datetime4">
               <a:rPr lang="de-DE"/>
               <a:pPr lvl="0"/>
-              <a:t>10. Juli 2025</a:t>
+              <a:t>12. Juli 2025</a:t>
             </a:fld>
             <a:endParaRPr lang="de-DE"/>
           </a:p>
@@ -10887,7 +10889,7 @@
             <a:fld id="{0CFB9883-08DF-4530-90E6-CB353220928E}" type="datetime4">
               <a:rPr lang="de-DE"/>
               <a:pPr lvl="0"/>
-              <a:t>10. Juli 2025</a:t>
+              <a:t>12. Juli 2025</a:t>
             </a:fld>
             <a:endParaRPr lang="de-DE"/>
           </a:p>
@@ -11255,7 +11257,7 @@
             <a:fld id="{56B080E7-B989-4EA6-BF19-37307657C6EE}" type="datetime4">
               <a:rPr lang="de-DE"/>
               <a:pPr lvl="0"/>
-              <a:t>10. Juli 2025</a:t>
+              <a:t>12. Juli 2025</a:t>
             </a:fld>
             <a:endParaRPr lang="de-DE"/>
           </a:p>
@@ -11545,7 +11547,7 @@
             <a:fld id="{63649560-F823-49FD-908E-89FF72ED5BF8}" type="datetime4">
               <a:rPr lang="de-DE"/>
               <a:pPr lvl="0"/>
-              <a:t>10. Juli 2025</a:t>
+              <a:t>12. Juli 2025</a:t>
             </a:fld>
             <a:endParaRPr lang="de-DE"/>
           </a:p>
@@ -11787,7 +11789,7 @@
             <a:fld id="{172A3027-64A8-4CCB-BE74-C74EA1F8D594}" type="datetime4">
               <a:rPr lang="de-DE"/>
               <a:pPr lvl="0"/>
-              <a:t>10. Juli 2025</a:t>
+              <a:t>12. Juli 2025</a:t>
             </a:fld>
             <a:endParaRPr lang="de-DE"/>
           </a:p>
@@ -12072,7 +12074,7 @@
             <a:fld id="{2C7F44E5-9FED-4575-9E92-AB612E5DD227}" type="datetime4">
               <a:rPr lang="de-DE"/>
               <a:pPr lvl="0"/>
-              <a:t>10. Juli 2025</a:t>
+              <a:t>12. Juli 2025</a:t>
             </a:fld>
             <a:endParaRPr lang="de-DE"/>
           </a:p>
@@ -12279,7 +12281,7 @@
             <a:fld id="{38C8D9E8-17A5-4ED3-95B7-2AAD57A82B92}" type="datetime4">
               <a:rPr lang="de-DE"/>
               <a:pPr lvl="0"/>
-              <a:t>10. Juli 2025</a:t>
+              <a:t>12. Juli 2025</a:t>
             </a:fld>
             <a:endParaRPr lang="de-DE"/>
           </a:p>
@@ -12626,7 +12628,7 @@
             <a:fld id="{E9BA7A50-0C5E-40A3-BFA8-AE3D1086347F}" type="datetime4">
               <a:rPr lang="de-DE"/>
               <a:pPr lvl="0"/>
-              <a:t>10. Juli 2025</a:t>
+              <a:t>12. Juli 2025</a:t>
             </a:fld>
             <a:endParaRPr lang="de-DE"/>
           </a:p>
@@ -12791,7 +12793,7 @@
             <a:fld id="{0D30BD99-EB4B-41D8-A0CA-98113F2286A4}" type="datetime4">
               <a:rPr lang="de-DE"/>
               <a:pPr lvl="0"/>
-              <a:t>10. Juli 2025</a:t>
+              <a:t>12. Juli 2025</a:t>
             </a:fld>
             <a:endParaRPr lang="de-DE"/>
           </a:p>
@@ -13071,7 +13073,7 @@
             <a:fld id="{5C5EBCD5-3B81-48A7-A5E0-992DC4F7F974}" type="datetime4">
               <a:rPr lang="de-DE"/>
               <a:pPr lvl="0"/>
-              <a:t>10. Juli 2025</a:t>
+              <a:t>12. Juli 2025</a:t>
             </a:fld>
             <a:endParaRPr lang="de-DE"/>
           </a:p>
@@ -13316,7 +13318,7 @@
             <a:fld id="{F15A6E41-D07D-48C2-AC8B-114638175B01}" type="datetime4">
               <a:rPr lang="de-DE"/>
               <a:pPr lvl="0"/>
-              <a:t>10. Juli 2025</a:t>
+              <a:t>12. Juli 2025</a:t>
             </a:fld>
             <a:endParaRPr lang="de-DE"/>
           </a:p>
@@ -13518,7 +13520,7 @@
             <a:fld id="{459F87E8-4CC1-4E4C-ACB4-CECDA872E2F8}" type="datetime4">
               <a:rPr lang="de-DE"/>
               <a:pPr lvl="0"/>
-              <a:t>10. Juli 2025</a:t>
+              <a:t>12. Juli 2025</a:t>
             </a:fld>
             <a:endParaRPr lang="de-DE"/>
           </a:p>
@@ -13763,7 +13765,7 @@
             <a:fld id="{6CCC58C2-ED5A-48D3-BD08-D9CB24906B4B}" type="datetime4">
               <a:rPr lang="de-DE"/>
               <a:pPr lvl="0"/>
-              <a:t>10. Juli 2025</a:t>
+              <a:t>12. Juli 2025</a:t>
             </a:fld>
             <a:endParaRPr lang="de-DE"/>
           </a:p>
@@ -14005,7 +14007,7 @@
             <a:fld id="{73A1FB07-68FB-467D-87F4-06351E49F6B3}" type="datetime4">
               <a:rPr lang="de-DE"/>
               <a:pPr lvl="0"/>
-              <a:t>10. Juli 2025</a:t>
+              <a:t>12. Juli 2025</a:t>
             </a:fld>
             <a:endParaRPr lang="de-DE"/>
           </a:p>
@@ -14286,7 +14288,7 @@
             <a:fld id="{7C8A22F7-493D-4E6D-9018-EFF9AAD139FD}" type="datetime4">
               <a:rPr lang="de-DE"/>
               <a:pPr lvl="0"/>
-              <a:t>10. Juli 2025</a:t>
+              <a:t>12. Juli 2025</a:t>
             </a:fld>
             <a:endParaRPr lang="de-DE"/>
           </a:p>
@@ -14752,7 +14754,7 @@
             <a:fld id="{E035DBEF-51DF-4AD4-8A4F-EFCF07BE0766}" type="datetime4">
               <a:rPr lang="de-DE"/>
               <a:pPr lvl="0"/>
-              <a:t>10. Juli 2025</a:t>
+              <a:t>12. Juli 2025</a:t>
             </a:fld>
             <a:endParaRPr lang="de-DE"/>
           </a:p>
@@ -15219,7 +15221,7 @@
             <a:fld id="{659A9430-FDB3-4899-8A5C-A44797862664}" type="datetime4">
               <a:rPr lang="de-DE"/>
               <a:pPr lvl="0"/>
-              <a:t>10. Juli 2025</a:t>
+              <a:t>12. Juli 2025</a:t>
             </a:fld>
             <a:endParaRPr lang="de-DE"/>
           </a:p>
@@ -15350,7 +15352,7 @@
             <a:fld id="{F87F329E-B2CA-437C-8477-D94886C5C7B3}" type="datetime4">
               <a:rPr lang="de-DE"/>
               <a:pPr lvl="0"/>
-              <a:t>10. Juli 2025</a:t>
+              <a:t>12. Juli 2025</a:t>
             </a:fld>
             <a:endParaRPr lang="de-DE"/>
           </a:p>
@@ -15659,7 +15661,7 @@
             <a:fld id="{57EFC22C-0657-494B-91B8-172AC9DCB06C}" type="datetime4">
               <a:rPr lang="de-DE"/>
               <a:pPr lvl="0"/>
-              <a:t>10. Juli 2025</a:t>
+              <a:t>12. Juli 2025</a:t>
             </a:fld>
             <a:endParaRPr lang="de-DE"/>
           </a:p>
@@ -15838,7 +15840,7 @@
             <a:fld id="{D4A3CB55-43DA-4FC3-87E9-4F87D89EB1EC}" type="datetime4">
               <a:rPr lang="de-DE"/>
               <a:pPr lvl="0"/>
-              <a:t>10. Juli 2025</a:t>
+              <a:t>12. Juli 2025</a:t>
             </a:fld>
             <a:endParaRPr lang="de-DE"/>
           </a:p>
@@ -16330,7 +16332,7 @@
             <a:fld id="{EFAD4C63-C4A8-4426-8B37-6947F614C924}" type="datetime4">
               <a:rPr lang="de-DE"/>
               <a:pPr lvl="0"/>
-              <a:t>10. Juli 2025</a:t>
+              <a:t>12. Juli 2025</a:t>
             </a:fld>
             <a:endParaRPr lang="de-DE"/>
           </a:p>
@@ -16574,7 +16576,7 @@
             <a:fld id="{19B3ED3E-F133-48A9-9F5A-8597003BD4D5}" type="datetime4">
               <a:rPr lang="de-DE"/>
               <a:pPr lvl="0"/>
-              <a:t>10. Juli 2025</a:t>
+              <a:t>12. Juli 2025</a:t>
             </a:fld>
             <a:endParaRPr lang="de-DE"/>
           </a:p>
@@ -16740,7 +16742,7 @@
             <a:fld id="{32E18DED-A704-450B-B8FC-04A924E29780}" type="datetime4">
               <a:rPr lang="de-DE"/>
               <a:pPr lvl="0"/>
-              <a:t>10. Juli 2025</a:t>
+              <a:t>12. Juli 2025</a:t>
             </a:fld>
             <a:endParaRPr lang="de-DE"/>
           </a:p>
@@ -17154,7 +17156,7 @@
             <a:fld id="{D1B03F6D-9048-4D17-B1F3-FC18BB8186E2}" type="datetime4">
               <a:rPr lang="de-DE"/>
               <a:pPr lvl="0"/>
-              <a:t>10. Juli 2025</a:t>
+              <a:t>12. Juli 2025</a:t>
             </a:fld>
             <a:endParaRPr lang="de-DE"/>
           </a:p>
@@ -17630,7 +17632,7 @@
             <a:fld id="{7A0A60FC-1CB8-4631-859C-7C1BE8C674D5}" type="datetime4">
               <a:rPr lang="de-DE"/>
               <a:pPr lvl="0"/>
-              <a:t>10. Juli 2025</a:t>
+              <a:t>12. Juli 2025</a:t>
             </a:fld>
             <a:endParaRPr lang="de-DE"/>
           </a:p>
@@ -18390,7 +18392,7 @@
             <a:fld id="{D0ECAB24-BD29-4ADE-B273-4175E305A902}" type="datetime4">
               <a:rPr lang="de-DE"/>
               <a:pPr lvl="0"/>
-              <a:t>10. Juli 2025</a:t>
+              <a:t>12. Juli 2025</a:t>
             </a:fld>
             <a:endParaRPr lang="de-DE"/>
           </a:p>
@@ -18994,13 +18996,46 @@
               <a:buNone/>
             </a:pPr>
             <a:r>
-              <a:rPr lang="en-US" sz="2400">
+              <a:rPr lang="en-US" sz="2400" dirty="0" err="1">
                 <a:solidFill>
                   <a:srgbClr val="FFFFFF"/>
                 </a:solidFill>
               </a:rPr>
-              <a:t>Bachelorproject for the B. Sc. Informatik at University of Freiburg</a:t>
-            </a:r>
+              <a:t>Bachelorproject</a:t>
+            </a:r>
+            <a:r>
+              <a:rPr lang="en-US" sz="2400" dirty="0">
+                <a:solidFill>
+                  <a:srgbClr val="FFFFFF"/>
+                </a:solidFill>
+              </a:rPr>
+              <a:t> for the B. Sc. Informatik at University of Freiburg</a:t>
+            </a:r>
+          </a:p>
+          <a:p>
+            <a:pPr marL="0" indent="0">
+              <a:buNone/>
+            </a:pPr>
+            <a:r>
+              <a:rPr lang="en-US" sz="2400" dirty="0">
+                <a:solidFill>
+                  <a:srgbClr val="FFFFFF"/>
+                </a:solidFill>
+                <a:latin typeface="Arial" pitchFamily="34"/>
+                <a:cs typeface="Arial" pitchFamily="34"/>
+              </a:rPr>
+              <a:t>Presenter: Malte Pullich</a:t>
+            </a:r>
+          </a:p>
+          <a:p>
+            <a:pPr marL="0" lvl="0" indent="0">
+              <a:buNone/>
+            </a:pPr>
+            <a:endParaRPr lang="en-US" sz="2400" dirty="0">
+              <a:solidFill>
+                <a:srgbClr val="FFFFFF"/>
+              </a:solidFill>
+            </a:endParaRPr>
           </a:p>
         </p:txBody>
       </p:sp>
@@ -19040,7 +19075,7 @@
               <a:buNone/>
             </a:pPr>
             <a:r>
-              <a:rPr lang="en-US">
+              <a:rPr lang="en-US" dirty="0">
                 <a:solidFill>
                   <a:srgbClr val="FFFFFF"/>
                 </a:solidFill>
@@ -19060,7 +19095,7 @@
               </a:spcBef>
               <a:buNone/>
             </a:pPr>
-            <a:endParaRPr lang="en-US">
+            <a:endParaRPr lang="en-US" dirty="0">
               <a:solidFill>
                 <a:srgbClr val="FFFFFF"/>
               </a:solidFill>
@@ -19079,7 +19114,7 @@
               <a:buNone/>
             </a:pPr>
             <a:r>
-              <a:rPr lang="en-US">
+              <a:rPr lang="en-US" dirty="0">
                 <a:solidFill>
                   <a:srgbClr val="FFFFFF"/>
                 </a:solidFill>
@@ -19100,14 +19135,14 @@
               <a:buNone/>
             </a:pPr>
             <a:r>
-              <a:rPr lang="en-US">
+              <a:rPr lang="en-US" dirty="0">
                 <a:solidFill>
                   <a:srgbClr val="FFFFFF"/>
                 </a:solidFill>
                 <a:latin typeface="Arial" pitchFamily="34"/>
                 <a:cs typeface="Arial" pitchFamily="34"/>
               </a:rPr>
-              <a:t>Presenter: Malte Pullich</a:t>
+              <a:t>Adviser: M. Sc. Tobias Faller</a:t>
             </a:r>
           </a:p>
           <a:p>
@@ -19121,28 +19156,7 @@
               <a:buNone/>
             </a:pPr>
             <a:r>
-              <a:rPr lang="en-US">
-                <a:solidFill>
-                  <a:srgbClr val="FFFFFF"/>
-                </a:solidFill>
-                <a:latin typeface="Arial" pitchFamily="34"/>
-                <a:cs typeface="Arial" pitchFamily="34"/>
-              </a:rPr>
-              <a:t>Adviser: M. Sc. Tobias Faller</a:t>
-            </a:r>
-          </a:p>
-          <a:p>
-            <a:pPr marL="0" lvl="0" indent="0">
-              <a:lnSpc>
-                <a:spcPct val="100000"/>
-              </a:lnSpc>
-              <a:spcBef>
-                <a:spcPts val="0"/>
-              </a:spcBef>
-              <a:buNone/>
-            </a:pPr>
-            <a:r>
-              <a:rPr lang="en-US">
+              <a:rPr lang="en-US" dirty="0">
                 <a:solidFill>
                   <a:srgbClr val="FFFFFF"/>
                 </a:solidFill>
@@ -19397,7 +19411,7 @@
                   <a:uFillTx/>
                 </a:defRPr>
               </a:pPr>
-              <a:t>10. Juli 2025</a:t>
+              <a:t>12. Juli 2025</a:t>
             </a:fld>
             <a:endParaRPr lang="de-DE" sz="900" b="0" i="0" u="none" strike="noStrike" kern="1200" cap="none" spc="0" baseline="0">
               <a:solidFill>
@@ -20206,6 +20220,160 @@
           </p:pic>
         </mc:Fallback>
       </mc:AlternateContent>
+      <p:sp>
+        <p:nvSpPr>
+          <p:cNvPr id="6" name="TextBox 10">
+            <a:extLst>
+              <a:ext uri="{FF2B5EF4-FFF2-40B4-BE49-F238E27FC236}">
+                <a16:creationId xmlns:a16="http://schemas.microsoft.com/office/drawing/2014/main" id="{9266D3C0-05A7-AF06-3C95-F29697ACA0A7}"/>
+              </a:ext>
+            </a:extLst>
+          </p:cNvPr>
+          <p:cNvSpPr txBox="1"/>
+          <p:nvPr/>
+        </p:nvSpPr>
+        <p:spPr>
+          <a:xfrm>
+            <a:off x="407981" y="6120807"/>
+            <a:ext cx="5855114" cy="261610"/>
+          </a:xfrm>
+          <a:prstGeom prst="rect">
+            <a:avLst/>
+          </a:prstGeom>
+          <a:noFill/>
+          <a:ln cap="flat">
+            <a:noFill/>
+          </a:ln>
+        </p:spPr>
+        <p:txBody>
+          <a:bodyPr vert="horz" wrap="square" lIns="91440" tIns="45720" rIns="91440" bIns="45720" anchor="t" anchorCtr="0" compatLnSpc="1">
+            <a:spAutoFit/>
+          </a:bodyPr>
+          <a:lstStyle/>
+          <a:p>
+            <a:pPr lvl="0">
+              <a:defRPr sz="1800" b="0" i="0" u="none" strike="noStrike" kern="0" cap="none" spc="0" baseline="0">
+                <a:solidFill>
+                  <a:srgbClr val="000000"/>
+                </a:solidFill>
+                <a:uFillTx/>
+              </a:defRPr>
+            </a:pPr>
+            <a:r>
+              <a:rPr lang="en-US" sz="1100" b="0" i="0" u="none" strike="noStrike" kern="1200" cap="none" spc="0" baseline="0" dirty="0">
+                <a:solidFill>
+                  <a:srgbClr val="344A9A"/>
+                </a:solidFill>
+                <a:uFillTx/>
+                <a:latin typeface="Arial"/>
+              </a:rPr>
+              <a:t>Fig. 10</a:t>
+            </a:r>
+            <a:r>
+              <a:rPr lang="en-US" sz="1100" dirty="0">
+                <a:solidFill>
+                  <a:srgbClr val="344A9A"/>
+                </a:solidFill>
+                <a:latin typeface="Arial"/>
+              </a:rPr>
+              <a:t>: Screenshot of running </a:t>
+            </a:r>
+            <a:r>
+              <a:rPr lang="en-US" sz="1100" dirty="0" err="1">
+                <a:solidFill>
+                  <a:srgbClr val="344A9A"/>
+                </a:solidFill>
+                <a:latin typeface="Arial"/>
+              </a:rPr>
+              <a:t>ReTI</a:t>
+            </a:r>
+            <a:r>
+              <a:rPr lang="en-US" sz="1100" dirty="0">
+                <a:solidFill>
+                  <a:srgbClr val="344A9A"/>
+                </a:solidFill>
+                <a:latin typeface="Arial"/>
+              </a:rPr>
+              <a:t>-Debug session</a:t>
+            </a:r>
+            <a:endParaRPr lang="en-US" sz="1100" b="0" i="0" u="none" strike="noStrike" kern="1200" cap="none" spc="0" baseline="0" dirty="0">
+              <a:solidFill>
+                <a:srgbClr val="344A9A"/>
+              </a:solidFill>
+              <a:uFillTx/>
+              <a:latin typeface="Arial"/>
+            </a:endParaRPr>
+          </a:p>
+        </p:txBody>
+      </p:sp>
+      <p:sp>
+        <p:nvSpPr>
+          <p:cNvPr id="7" name="TextBox 10">
+            <a:extLst>
+              <a:ext uri="{FF2B5EF4-FFF2-40B4-BE49-F238E27FC236}">
+                <a16:creationId xmlns:a16="http://schemas.microsoft.com/office/drawing/2014/main" id="{6207B038-DE1F-E517-A5EC-A207A4C478A4}"/>
+              </a:ext>
+            </a:extLst>
+          </p:cNvPr>
+          <p:cNvSpPr txBox="1"/>
+          <p:nvPr/>
+        </p:nvSpPr>
+        <p:spPr>
+          <a:xfrm>
+            <a:off x="8372838" y="6073233"/>
+            <a:ext cx="5855114" cy="261610"/>
+          </a:xfrm>
+          <a:prstGeom prst="rect">
+            <a:avLst/>
+          </a:prstGeom>
+          <a:noFill/>
+          <a:ln cap="flat">
+            <a:noFill/>
+          </a:ln>
+        </p:spPr>
+        <p:txBody>
+          <a:bodyPr vert="horz" wrap="square" lIns="91440" tIns="45720" rIns="91440" bIns="45720" anchor="t" anchorCtr="0" compatLnSpc="1">
+            <a:spAutoFit/>
+          </a:bodyPr>
+          <a:lstStyle/>
+          <a:p>
+            <a:pPr lvl="0">
+              <a:defRPr sz="1800" b="0" i="0" u="none" strike="noStrike" kern="0" cap="none" spc="0" baseline="0">
+                <a:solidFill>
+                  <a:srgbClr val="000000"/>
+                </a:solidFill>
+                <a:uFillTx/>
+              </a:defRPr>
+            </a:pPr>
+            <a:r>
+              <a:rPr lang="en-US" sz="1100" b="0" i="0" u="none" strike="noStrike" kern="1200" cap="none" spc="0" baseline="0" dirty="0">
+                <a:solidFill>
+                  <a:srgbClr val="344A9A"/>
+                </a:solidFill>
+                <a:uFillTx/>
+                <a:latin typeface="Arial"/>
+              </a:rPr>
+              <a:t>Fig. 3</a:t>
+            </a:r>
+            <a:r>
+              <a:rPr lang="en-US" sz="1100" dirty="0">
+                <a:solidFill>
+                  <a:srgbClr val="344A9A"/>
+                </a:solidFill>
+                <a:latin typeface="Arial"/>
+              </a:rPr>
+              <a:t>: Visual representation of the call stack</a:t>
+            </a:r>
+            <a:endParaRPr lang="en-US" sz="1100" b="0" i="0" u="none" strike="noStrike" kern="1200" cap="none" spc="0" baseline="0" dirty="0">
+              <a:solidFill>
+                <a:srgbClr val="344A9A"/>
+              </a:solidFill>
+              <a:uFillTx/>
+              <a:latin typeface="Arial"/>
+            </a:endParaRPr>
+          </a:p>
+        </p:txBody>
+      </p:sp>
     </p:spTree>
     <p:extLst>
       <p:ext uri="{BB962C8B-B14F-4D97-AF65-F5344CB8AC3E}">
@@ -20565,33 +20733,6 @@
                                           </p:stCondLst>
                                         </p:cTn>
                                         <p:tgtEl>
-                                          <p:spTgt spid="29"/>
-                                        </p:tgtEl>
-                                        <p:attrNameLst>
-                                          <p:attrName>style.visibility</p:attrName>
-                                        </p:attrNameLst>
-                                      </p:cBhvr>
-                                      <p:to>
-                                        <p:strVal val="visible"/>
-                                      </p:to>
-                                    </p:set>
-                                  </p:childTnLst>
-                                </p:cTn>
-                              </p:par>
-                              <p:par>
-                                <p:cTn id="33" presetID="1" presetClass="entr" presetSubtype="0" fill="hold" nodeType="withEffect">
-                                  <p:stCondLst>
-                                    <p:cond delay="0"/>
-                                  </p:stCondLst>
-                                  <p:childTnLst>
-                                    <p:set>
-                                      <p:cBhvr>
-                                        <p:cTn id="34" dur="1" fill="hold">
-                                          <p:stCondLst>
-                                            <p:cond delay="0"/>
-                                          </p:stCondLst>
-                                        </p:cTn>
-                                        <p:tgtEl>
                                           <p:spTgt spid="24"/>
                                         </p:tgtEl>
                                         <p:attrNameLst>
@@ -20612,26 +20753,26 @@
                     </p:cTn>
                   </p:par>
                   <p:par>
-                    <p:cTn id="35" fill="hold">
+                    <p:cTn id="33" fill="hold">
                       <p:stCondLst>
                         <p:cond delay="indefinite"/>
                       </p:stCondLst>
                       <p:childTnLst>
                         <p:par>
-                          <p:cTn id="36" fill="hold">
+                          <p:cTn id="34" fill="hold">
                             <p:stCondLst>
                               <p:cond delay="0"/>
                             </p:stCondLst>
                             <p:childTnLst>
                               <p:par>
-                                <p:cTn id="37" presetID="1" presetClass="entr" presetSubtype="0" fill="hold" nodeType="clickEffect">
+                                <p:cTn id="35" presetID="1" presetClass="entr" presetSubtype="0" fill="hold" nodeType="clickEffect">
                                   <p:stCondLst>
                                     <p:cond delay="0"/>
                                   </p:stCondLst>
                                   <p:childTnLst>
                                     <p:set>
                                       <p:cBhvr>
-                                        <p:cTn id="38" dur="1" fill="hold">
+                                        <p:cTn id="36" dur="1" fill="hold">
                                           <p:stCondLst>
                                             <p:cond delay="0"/>
                                           </p:stCondLst>
@@ -20657,26 +20798,26 @@
                     </p:cTn>
                   </p:par>
                   <p:par>
-                    <p:cTn id="39" fill="hold">
+                    <p:cTn id="37" fill="hold">
                       <p:stCondLst>
                         <p:cond delay="indefinite"/>
                       </p:stCondLst>
                       <p:childTnLst>
                         <p:par>
-                          <p:cTn id="40" fill="hold">
+                          <p:cTn id="38" fill="hold">
                             <p:stCondLst>
                               <p:cond delay="0"/>
                             </p:stCondLst>
                             <p:childTnLst>
                               <p:par>
-                                <p:cTn id="41" presetID="1" presetClass="exit" presetSubtype="0" fill="hold" nodeType="clickEffect">
+                                <p:cTn id="39" presetID="1" presetClass="exit" presetSubtype="0" fill="hold" nodeType="clickEffect">
                                   <p:stCondLst>
                                     <p:cond delay="0"/>
                                   </p:stCondLst>
                                   <p:childTnLst>
                                     <p:set>
                                       <p:cBhvr>
-                                        <p:cTn id="42" dur="1" fill="hold">
+                                        <p:cTn id="40" dur="1" fill="hold">
                                           <p:stCondLst>
                                             <p:cond delay="0"/>
                                           </p:stCondLst>
@@ -20696,14 +20837,14 @@
                                 </p:cTn>
                               </p:par>
                               <p:par>
-                                <p:cTn id="43" presetID="1" presetClass="exit" presetSubtype="0" fill="hold" nodeType="withEffect">
+                                <p:cTn id="41" presetID="1" presetClass="exit" presetSubtype="0" fill="hold" nodeType="withEffect">
                                   <p:stCondLst>
                                     <p:cond delay="0"/>
                                   </p:stCondLst>
                                   <p:childTnLst>
                                     <p:set>
                                       <p:cBhvr>
-                                        <p:cTn id="44" dur="1" fill="hold">
+                                        <p:cTn id="42" dur="1" fill="hold">
                                           <p:stCondLst>
                                             <p:cond delay="0"/>
                                           </p:stCondLst>
@@ -20723,14 +20864,14 @@
                                 </p:cTn>
                               </p:par>
                               <p:par>
-                                <p:cTn id="45" presetID="1" presetClass="entr" presetSubtype="0" fill="hold" nodeType="withEffect">
+                                <p:cTn id="43" presetID="1" presetClass="entr" presetSubtype="0" fill="hold" nodeType="withEffect">
                                   <p:stCondLst>
                                     <p:cond delay="0"/>
                                   </p:stCondLst>
                                   <p:childTnLst>
                                     <p:set>
                                       <p:cBhvr>
-                                        <p:cTn id="46" dur="1" fill="hold">
+                                        <p:cTn id="44" dur="1" fill="hold">
                                           <p:stCondLst>
                                             <p:cond delay="0"/>
                                           </p:stCondLst>
@@ -20756,26 +20897,26 @@
                     </p:cTn>
                   </p:par>
                   <p:par>
-                    <p:cTn id="47" fill="hold">
+                    <p:cTn id="45" fill="hold">
                       <p:stCondLst>
                         <p:cond delay="indefinite"/>
                       </p:stCondLst>
                       <p:childTnLst>
                         <p:par>
-                          <p:cTn id="48" fill="hold">
+                          <p:cTn id="46" fill="hold">
                             <p:stCondLst>
                               <p:cond delay="0"/>
                             </p:stCondLst>
                             <p:childTnLst>
                               <p:par>
-                                <p:cTn id="49" presetID="1" presetClass="entr" presetSubtype="0" fill="hold" nodeType="clickEffect">
+                                <p:cTn id="47" presetID="1" presetClass="entr" presetSubtype="0" fill="hold" nodeType="clickEffect">
                                   <p:stCondLst>
                                     <p:cond delay="0"/>
                                   </p:stCondLst>
                                   <p:childTnLst>
                                     <p:set>
                                       <p:cBhvr>
-                                        <p:cTn id="50" dur="1" fill="hold">
+                                        <p:cTn id="48" dur="1" fill="hold">
                                           <p:stCondLst>
                                             <p:cond delay="0"/>
                                           </p:stCondLst>
@@ -20801,26 +20942,26 @@
                     </p:cTn>
                   </p:par>
                   <p:par>
-                    <p:cTn id="51" fill="hold">
+                    <p:cTn id="49" fill="hold">
                       <p:stCondLst>
                         <p:cond delay="indefinite"/>
                       </p:stCondLst>
                       <p:childTnLst>
                         <p:par>
-                          <p:cTn id="52" fill="hold">
+                          <p:cTn id="50" fill="hold">
                             <p:stCondLst>
                               <p:cond delay="0"/>
                             </p:stCondLst>
                             <p:childTnLst>
                               <p:par>
-                                <p:cTn id="53" presetID="1" presetClass="exit" presetSubtype="0" fill="hold" nodeType="clickEffect">
+                                <p:cTn id="51" presetID="1" presetClass="exit" presetSubtype="0" fill="hold" nodeType="clickEffect">
                                   <p:stCondLst>
                                     <p:cond delay="0"/>
                                   </p:stCondLst>
                                   <p:childTnLst>
                                     <p:set>
                                       <p:cBhvr>
-                                        <p:cTn id="54" dur="1" fill="hold">
+                                        <p:cTn id="52" dur="1" fill="hold">
                                           <p:stCondLst>
                                             <p:cond delay="0"/>
                                           </p:stCondLst>
@@ -20840,14 +20981,14 @@
                                 </p:cTn>
                               </p:par>
                               <p:par>
-                                <p:cTn id="55" presetID="1" presetClass="exit" presetSubtype="0" fill="hold" nodeType="withEffect">
+                                <p:cTn id="53" presetID="1" presetClass="exit" presetSubtype="0" fill="hold" nodeType="withEffect">
                                   <p:stCondLst>
                                     <p:cond delay="0"/>
                                   </p:stCondLst>
                                   <p:childTnLst>
                                     <p:set>
                                       <p:cBhvr>
-                                        <p:cTn id="56" dur="1" fill="hold">
+                                        <p:cTn id="54" dur="1" fill="hold">
                                           <p:stCondLst>
                                             <p:cond delay="0"/>
                                           </p:stCondLst>
@@ -20867,14 +21008,14 @@
                                 </p:cTn>
                               </p:par>
                               <p:par>
-                                <p:cTn id="57" presetID="1" presetClass="entr" presetSubtype="0" fill="hold" nodeType="withEffect">
+                                <p:cTn id="55" presetID="1" presetClass="entr" presetSubtype="0" fill="hold" nodeType="withEffect">
                                   <p:stCondLst>
                                     <p:cond delay="0"/>
                                   </p:stCondLst>
                                   <p:childTnLst>
                                     <p:set>
                                       <p:cBhvr>
-                                        <p:cTn id="58" dur="1" fill="hold">
+                                        <p:cTn id="56" dur="1" fill="hold">
                                           <p:stCondLst>
                                             <p:cond delay="0"/>
                                           </p:stCondLst>
@@ -20894,14 +21035,14 @@
                                 </p:cTn>
                               </p:par>
                               <p:par>
-                                <p:cTn id="59" presetID="1" presetClass="entr" presetSubtype="0" fill="hold" nodeType="withEffect">
+                                <p:cTn id="57" presetID="1" presetClass="entr" presetSubtype="0" fill="hold" nodeType="withEffect">
                                   <p:stCondLst>
                                     <p:cond delay="0"/>
                                   </p:stCondLst>
                                   <p:childTnLst>
                                     <p:set>
                                       <p:cBhvr>
-                                        <p:cTn id="60" dur="1" fill="hold">
+                                        <p:cTn id="58" dur="1" fill="hold">
                                           <p:stCondLst>
                                             <p:cond delay="0"/>
                                           </p:stCondLst>
@@ -20927,26 +21068,26 @@
                     </p:cTn>
                   </p:par>
                   <p:par>
-                    <p:cTn id="61" fill="hold">
+                    <p:cTn id="59" fill="hold">
                       <p:stCondLst>
                         <p:cond delay="indefinite"/>
                       </p:stCondLst>
                       <p:childTnLst>
                         <p:par>
-                          <p:cTn id="62" fill="hold">
+                          <p:cTn id="60" fill="hold">
                             <p:stCondLst>
                               <p:cond delay="0"/>
                             </p:stCondLst>
                             <p:childTnLst>
                               <p:par>
-                                <p:cTn id="63" presetID="1" presetClass="entr" presetSubtype="0" fill="hold" nodeType="clickEffect">
+                                <p:cTn id="61" presetID="1" presetClass="entr" presetSubtype="0" fill="hold" nodeType="clickEffect">
                                   <p:stCondLst>
                                     <p:cond delay="0"/>
                                   </p:stCondLst>
                                   <p:childTnLst>
                                     <p:set>
                                       <p:cBhvr>
-                                        <p:cTn id="64" dur="1" fill="hold">
+                                        <p:cTn id="62" dur="1" fill="hold">
                                           <p:stCondLst>
                                             <p:cond delay="0"/>
                                           </p:stCondLst>
@@ -20972,26 +21113,26 @@
                     </p:cTn>
                   </p:par>
                   <p:par>
-                    <p:cTn id="65" fill="hold">
+                    <p:cTn id="63" fill="hold">
                       <p:stCondLst>
                         <p:cond delay="indefinite"/>
                       </p:stCondLst>
                       <p:childTnLst>
                         <p:par>
-                          <p:cTn id="66" fill="hold">
+                          <p:cTn id="64" fill="hold">
                             <p:stCondLst>
                               <p:cond delay="0"/>
                             </p:stCondLst>
                             <p:childTnLst>
                               <p:par>
-                                <p:cTn id="67" presetID="1" presetClass="exit" presetSubtype="0" fill="hold" nodeType="clickEffect">
+                                <p:cTn id="65" presetID="1" presetClass="exit" presetSubtype="0" fill="hold" nodeType="clickEffect">
                                   <p:stCondLst>
                                     <p:cond delay="0"/>
                                   </p:stCondLst>
                                   <p:childTnLst>
                                     <p:set>
                                       <p:cBhvr>
-                                        <p:cTn id="68" dur="1" fill="hold">
+                                        <p:cTn id="66" dur="1" fill="hold">
                                           <p:stCondLst>
                                             <p:cond delay="0"/>
                                           </p:stCondLst>
@@ -21011,14 +21152,14 @@
                                 </p:cTn>
                               </p:par>
                               <p:par>
-                                <p:cTn id="69" presetID="1" presetClass="exit" presetSubtype="0" fill="hold" nodeType="withEffect">
+                                <p:cTn id="67" presetID="1" presetClass="exit" presetSubtype="0" fill="hold" nodeType="withEffect">
                                   <p:stCondLst>
                                     <p:cond delay="0"/>
                                   </p:stCondLst>
                                   <p:childTnLst>
                                     <p:set>
                                       <p:cBhvr>
-                                        <p:cTn id="70" dur="1" fill="hold">
+                                        <p:cTn id="68" dur="1" fill="hold">
                                           <p:stCondLst>
                                             <p:cond delay="0"/>
                                           </p:stCondLst>
@@ -21038,14 +21179,14 @@
                                 </p:cTn>
                               </p:par>
                               <p:par>
-                                <p:cTn id="71" presetID="1" presetClass="entr" presetSubtype="0" fill="hold" nodeType="withEffect">
+                                <p:cTn id="69" presetID="1" presetClass="entr" presetSubtype="0" fill="hold" nodeType="withEffect">
                                   <p:stCondLst>
                                     <p:cond delay="0"/>
                                   </p:stCondLst>
                                   <p:childTnLst>
                                     <p:set>
                                       <p:cBhvr>
-                                        <p:cTn id="72" dur="1" fill="hold">
+                                        <p:cTn id="70" dur="1" fill="hold">
                                           <p:stCondLst>
                                             <p:cond delay="0"/>
                                           </p:stCondLst>
@@ -21065,14 +21206,14 @@
                                 </p:cTn>
                               </p:par>
                               <p:par>
-                                <p:cTn id="73" presetID="1" presetClass="exit" presetSubtype="0" fill="hold" nodeType="withEffect">
+                                <p:cTn id="71" presetID="1" presetClass="exit" presetSubtype="0" fill="hold" nodeType="withEffect">
                                   <p:stCondLst>
                                     <p:cond delay="0"/>
                                   </p:stCondLst>
                                   <p:childTnLst>
                                     <p:set>
                                       <p:cBhvr>
-                                        <p:cTn id="74" dur="1" fill="hold">
+                                        <p:cTn id="72" dur="1" fill="hold">
                                           <p:stCondLst>
                                             <p:cond delay="0"/>
                                           </p:stCondLst>
@@ -21223,7 +21364,7 @@
                   <a:uFillTx/>
                 </a:defRPr>
               </a:pPr>
-              <a:t>10. Juli 2025</a:t>
+              <a:t>12. Juli 2025</a:t>
             </a:fld>
             <a:endParaRPr lang="de-DE" sz="900" b="0" i="0" u="none" strike="noStrike" kern="1200" cap="none" spc="0" baseline="0">
               <a:solidFill>
@@ -21416,6 +21557,17 @@
                 </a:solidFill>
                 <a:latin typeface="Calibri"/>
               </a:rPr>
+              <a:t>More Feedback in Quiz</a:t>
+            </a:r>
+          </a:p>
+          <a:p>
+            <a:r>
+              <a:rPr lang="en-US" dirty="0">
+                <a:solidFill>
+                  <a:schemeClr val="tx1"/>
+                </a:solidFill>
+                <a:latin typeface="Calibri"/>
+              </a:rPr>
               <a:t>All features (Assembler, Quiz, Emulator, </a:t>
             </a:r>
             <a:r>
@@ -21456,7 +21608,73 @@
                 </a:solidFill>
                 <a:latin typeface="Calibri"/>
               </a:rPr>
-              <a:t>Debugger and Language Server offer useful additions</a:t>
+              <a:t>Debugger and Language Server offer</a:t>
+            </a:r>
+          </a:p>
+          <a:p>
+            <a:pPr lvl="1"/>
+            <a:r>
+              <a:rPr lang="en-US" dirty="0">
+                <a:solidFill>
+                  <a:schemeClr val="tx1"/>
+                </a:solidFill>
+                <a:latin typeface="Calibri"/>
+              </a:rPr>
+              <a:t>Syntax Highlighting</a:t>
+            </a:r>
+          </a:p>
+          <a:p>
+            <a:pPr lvl="1"/>
+            <a:r>
+              <a:rPr lang="en-US" dirty="0">
+                <a:solidFill>
+                  <a:schemeClr val="tx1"/>
+                </a:solidFill>
+                <a:latin typeface="Calibri"/>
+              </a:rPr>
+              <a:t>Realtime Compilation</a:t>
+            </a:r>
+          </a:p>
+          <a:p>
+            <a:pPr lvl="1"/>
+            <a:r>
+              <a:rPr lang="en-US" dirty="0">
+                <a:solidFill>
+                  <a:schemeClr val="tx1"/>
+                </a:solidFill>
+                <a:latin typeface="Calibri"/>
+              </a:rPr>
+              <a:t>Code Completion Suggestions</a:t>
+            </a:r>
+          </a:p>
+          <a:p>
+            <a:pPr lvl="1"/>
+            <a:r>
+              <a:rPr lang="en-US" dirty="0">
+                <a:solidFill>
+                  <a:schemeClr val="tx1"/>
+                </a:solidFill>
+                <a:latin typeface="Calibri"/>
+              </a:rPr>
+              <a:t>Executing Code and Inspecting/Manipulating </a:t>
+            </a:r>
+            <a:r>
+              <a:rPr lang="en-US" dirty="0" err="1">
+                <a:solidFill>
+                  <a:schemeClr val="tx1"/>
+                </a:solidFill>
+                <a:latin typeface="Calibri"/>
+              </a:rPr>
+              <a:t>ReTI</a:t>
+            </a:r>
+            <a:r>
+              <a:rPr lang="en-US" dirty="0">
+                <a:solidFill>
+                  <a:schemeClr val="tx1"/>
+                </a:solidFill>
+                <a:latin typeface="Calibri"/>
+              </a:rPr>
+              <a:t> State</a:t>
             </a:r>
           </a:p>
         </p:txBody>
@@ -21760,6 +21978,179 @@
                       </p:childTnLst>
                     </p:cTn>
                   </p:par>
+                  <p:par>
+                    <p:cTn id="19" fill="hold">
+                      <p:stCondLst>
+                        <p:cond delay="indefinite"/>
+                      </p:stCondLst>
+                      <p:childTnLst>
+                        <p:par>
+                          <p:cTn id="20" fill="hold">
+                            <p:stCondLst>
+                              <p:cond delay="0"/>
+                            </p:stCondLst>
+                            <p:childTnLst>
+                              <p:par>
+                                <p:cTn id="21" presetID="1" presetClass="entr" presetSubtype="0" fill="hold" grpId="0" nodeType="clickEffect">
+                                  <p:stCondLst>
+                                    <p:cond delay="0"/>
+                                  </p:stCondLst>
+                                  <p:childTnLst>
+                                    <p:set>
+                                      <p:cBhvr>
+                                        <p:cTn id="22" dur="1" fill="hold">
+                                          <p:stCondLst>
+                                            <p:cond delay="0"/>
+                                          </p:stCondLst>
+                                        </p:cTn>
+                                        <p:tgtEl>
+                                          <p:spTgt spid="10">
+                                            <p:txEl>
+                                              <p:pRg st="4" end="4"/>
+                                            </p:txEl>
+                                          </p:spTgt>
+                                        </p:tgtEl>
+                                        <p:attrNameLst>
+                                          <p:attrName>style.visibility</p:attrName>
+                                        </p:attrNameLst>
+                                      </p:cBhvr>
+                                      <p:to>
+                                        <p:strVal val="visible"/>
+                                      </p:to>
+                                    </p:set>
+                                  </p:childTnLst>
+                                </p:cTn>
+                              </p:par>
+                              <p:par>
+                                <p:cTn id="23" presetID="1" presetClass="entr" presetSubtype="0" fill="hold" grpId="0" nodeType="withEffect">
+                                  <p:stCondLst>
+                                    <p:cond delay="0"/>
+                                  </p:stCondLst>
+                                  <p:childTnLst>
+                                    <p:set>
+                                      <p:cBhvr>
+                                        <p:cTn id="24" dur="1" fill="hold">
+                                          <p:stCondLst>
+                                            <p:cond delay="0"/>
+                                          </p:stCondLst>
+                                        </p:cTn>
+                                        <p:tgtEl>
+                                          <p:spTgt spid="10">
+                                            <p:txEl>
+                                              <p:pRg st="5" end="5"/>
+                                            </p:txEl>
+                                          </p:spTgt>
+                                        </p:tgtEl>
+                                        <p:attrNameLst>
+                                          <p:attrName>style.visibility</p:attrName>
+                                        </p:attrNameLst>
+                                      </p:cBhvr>
+                                      <p:to>
+                                        <p:strVal val="visible"/>
+                                      </p:to>
+                                    </p:set>
+                                  </p:childTnLst>
+                                </p:cTn>
+                              </p:par>
+                              <p:par>
+                                <p:cTn id="25" presetID="1" presetClass="entr" presetSubtype="0" fill="hold" grpId="0" nodeType="withEffect">
+                                  <p:stCondLst>
+                                    <p:cond delay="0"/>
+                                  </p:stCondLst>
+                                  <p:childTnLst>
+                                    <p:set>
+                                      <p:cBhvr>
+                                        <p:cTn id="26" dur="1" fill="hold">
+                                          <p:stCondLst>
+                                            <p:cond delay="0"/>
+                                          </p:stCondLst>
+                                        </p:cTn>
+                                        <p:tgtEl>
+                                          <p:spTgt spid="10">
+                                            <p:txEl>
+                                              <p:pRg st="6" end="6"/>
+                                            </p:txEl>
+                                          </p:spTgt>
+                                        </p:tgtEl>
+                                        <p:attrNameLst>
+                                          <p:attrName>style.visibility</p:attrName>
+                                        </p:attrNameLst>
+                                      </p:cBhvr>
+                                      <p:to>
+                                        <p:strVal val="visible"/>
+                                      </p:to>
+                                    </p:set>
+                                  </p:childTnLst>
+                                </p:cTn>
+                              </p:par>
+                              <p:par>
+                                <p:cTn id="27" presetID="1" presetClass="entr" presetSubtype="0" fill="hold" grpId="0" nodeType="withEffect">
+                                  <p:stCondLst>
+                                    <p:cond delay="0"/>
+                                  </p:stCondLst>
+                                  <p:childTnLst>
+                                    <p:set>
+                                      <p:cBhvr>
+                                        <p:cTn id="28" dur="1" fill="hold">
+                                          <p:stCondLst>
+                                            <p:cond delay="0"/>
+                                          </p:stCondLst>
+                                        </p:cTn>
+                                        <p:tgtEl>
+                                          <p:spTgt spid="10">
+                                            <p:txEl>
+                                              <p:pRg st="7" end="7"/>
+                                            </p:txEl>
+                                          </p:spTgt>
+                                        </p:tgtEl>
+                                        <p:attrNameLst>
+                                          <p:attrName>style.visibility</p:attrName>
+                                        </p:attrNameLst>
+                                      </p:cBhvr>
+                                      <p:to>
+                                        <p:strVal val="visible"/>
+                                      </p:to>
+                                    </p:set>
+                                  </p:childTnLst>
+                                </p:cTn>
+                              </p:par>
+                              <p:par>
+                                <p:cTn id="29" presetID="1" presetClass="entr" presetSubtype="0" fill="hold" grpId="0" nodeType="withEffect">
+                                  <p:stCondLst>
+                                    <p:cond delay="0"/>
+                                  </p:stCondLst>
+                                  <p:childTnLst>
+                                    <p:set>
+                                      <p:cBhvr>
+                                        <p:cTn id="30" dur="1" fill="hold">
+                                          <p:stCondLst>
+                                            <p:cond delay="0"/>
+                                          </p:stCondLst>
+                                        </p:cTn>
+                                        <p:tgtEl>
+                                          <p:spTgt spid="10">
+                                            <p:txEl>
+                                              <p:pRg st="8" end="8"/>
+                                            </p:txEl>
+                                          </p:spTgt>
+                                        </p:tgtEl>
+                                        <p:attrNameLst>
+                                          <p:attrName>style.visibility</p:attrName>
+                                        </p:attrNameLst>
+                                      </p:cBhvr>
+                                      <p:to>
+                                        <p:strVal val="visible"/>
+                                      </p:to>
+                                    </p:set>
+                                  </p:childTnLst>
+                                </p:cTn>
+                              </p:par>
+                            </p:childTnLst>
+                          </p:cTn>
+                        </p:par>
+                      </p:childTnLst>
+                    </p:cTn>
+                  </p:par>
                 </p:childTnLst>
               </p:cTn>
               <p:prevCondLst>
@@ -21883,7 +22274,7 @@
                   <a:uFillTx/>
                 </a:defRPr>
               </a:pPr>
-              <a:t>10. Juli 2025</a:t>
+              <a:t>12. Juli 2025</a:t>
             </a:fld>
             <a:endParaRPr lang="de-DE" sz="900" b="0" i="0" u="none" strike="noStrike" kern="1200" cap="none" spc="0" baseline="0">
               <a:solidFill>
@@ -22188,15 +22579,15 @@
               </a:ext>
             </a:extLst>
           </a:blip>
-          <a:srcRect r="11862"/>
+          <a:srcRect l="-4" t="218" r="4"/>
           <a:stretch>
             <a:fillRect/>
           </a:stretch>
         </p:blipFill>
         <p:spPr>
           <a:xfrm>
-            <a:off x="770688" y="3224092"/>
-            <a:ext cx="8216737" cy="2564847"/>
+            <a:off x="770689" y="3224092"/>
+            <a:ext cx="7129073" cy="2332203"/>
           </a:xfrm>
           <a:prstGeom prst="rect">
             <a:avLst/>
@@ -22207,146 +22598,6 @@
           </a:ln>
         </p:spPr>
       </p:pic>
-      <p:sp>
-        <p:nvSpPr>
-          <p:cNvPr id="9" name="TextBox 10">
-            <a:extLst>
-              <a:ext uri="{FF2B5EF4-FFF2-40B4-BE49-F238E27FC236}">
-                <a16:creationId xmlns:a16="http://schemas.microsoft.com/office/drawing/2014/main" id="{2DCC860A-EB56-2CE6-B4FF-3ACDFC78309A}"/>
-              </a:ext>
-            </a:extLst>
-          </p:cNvPr>
-          <p:cNvSpPr txBox="1"/>
-          <p:nvPr/>
-        </p:nvSpPr>
-        <p:spPr>
-          <a:xfrm>
-            <a:off x="4024250" y="2988372"/>
-            <a:ext cx="5906173" cy="261609"/>
-          </a:xfrm>
-          <a:prstGeom prst="rect">
-            <a:avLst/>
-          </a:prstGeom>
-          <a:noFill/>
-          <a:ln cap="flat">
-            <a:noFill/>
-          </a:ln>
-        </p:spPr>
-        <p:txBody>
-          <a:bodyPr vert="horz" wrap="square" lIns="91440" tIns="45720" rIns="91440" bIns="45720" anchor="t" anchorCtr="0" compatLnSpc="1">
-            <a:spAutoFit/>
-          </a:bodyPr>
-          <a:lstStyle/>
-          <a:p>
-            <a:pPr marL="0" marR="0" lvl="0" indent="0" algn="l" defTabSz="914400" rtl="0" fontAlgn="auto" hangingPunct="1">
-              <a:lnSpc>
-                <a:spcPct val="100000"/>
-              </a:lnSpc>
-              <a:spcBef>
-                <a:spcPts val="0"/>
-              </a:spcBef>
-              <a:spcAft>
-                <a:spcPts val="0"/>
-              </a:spcAft>
-              <a:buNone/>
-              <a:tabLst/>
-              <a:defRPr sz="1800" b="0" i="0" u="none" strike="noStrike" kern="0" cap="none" spc="0" baseline="0">
-                <a:solidFill>
-                  <a:srgbClr val="000000"/>
-                </a:solidFill>
-                <a:uFillTx/>
-              </a:defRPr>
-            </a:pPr>
-            <a:r>
-              <a:rPr lang="en-US" sz="1100" b="0" i="0" u="none" strike="noStrike" kern="1200" cap="none" spc="0" baseline="0" dirty="0">
-                <a:solidFill>
-                  <a:srgbClr val="344A9A"/>
-                </a:solidFill>
-                <a:uFillTx/>
-                <a:latin typeface="Arial"/>
-              </a:rPr>
-              <a:t>Screenshot taken from </a:t>
-            </a:r>
-            <a:r>
-              <a:rPr lang="en-US" sz="1100" b="0" i="0" u="none" strike="noStrike" kern="1200" cap="none" spc="0" baseline="0" dirty="0" err="1">
-                <a:solidFill>
-                  <a:srgbClr val="344A9A"/>
-                </a:solidFill>
-                <a:uFillTx/>
-                <a:latin typeface="Arial"/>
-              </a:rPr>
-              <a:t>ReTI</a:t>
-            </a:r>
-            <a:r>
-              <a:rPr lang="en-US" sz="1100" b="0" i="0" u="none" strike="noStrike" kern="1200" cap="none" spc="0" baseline="0" dirty="0">
-                <a:solidFill>
-                  <a:srgbClr val="344A9A"/>
-                </a:solidFill>
-                <a:uFillTx/>
-                <a:latin typeface="Arial"/>
-              </a:rPr>
-              <a:t>-Emulator,</a:t>
-            </a:r>
-            <a:r>
-              <a:rPr lang="en-US" sz="1100" b="0" i="0" u="none" strike="noStrike" kern="0" cap="none" spc="0" baseline="0" dirty="0">
-                <a:solidFill>
-                  <a:srgbClr val="344A9A"/>
-                </a:solidFill>
-                <a:uFillTx/>
-                <a:latin typeface="Arial"/>
-              </a:rPr>
-              <a:t> github.com/</a:t>
-            </a:r>
-            <a:r>
-              <a:rPr lang="en-US" sz="1100" b="0" i="0" u="none" strike="noStrike" kern="0" cap="none" spc="0" baseline="0" dirty="0" err="1">
-                <a:solidFill>
-                  <a:srgbClr val="344A9A"/>
-                </a:solidFill>
-                <a:uFillTx/>
-                <a:latin typeface="Arial"/>
-              </a:rPr>
-              <a:t>michel-giehl</a:t>
-            </a:r>
-            <a:r>
-              <a:rPr lang="en-US" sz="1100" b="0" i="0" u="none" strike="noStrike" kern="0" cap="none" spc="0" baseline="0" dirty="0">
-                <a:solidFill>
-                  <a:srgbClr val="344A9A"/>
-                </a:solidFill>
-                <a:uFillTx/>
-                <a:latin typeface="Arial"/>
-              </a:rPr>
-              <a:t>/</a:t>
-            </a:r>
-            <a:r>
-              <a:rPr lang="en-US" sz="1100" b="0" i="0" u="none" strike="noStrike" kern="0" cap="none" spc="0" baseline="0" dirty="0" err="1">
-                <a:solidFill>
-                  <a:srgbClr val="344A9A"/>
-                </a:solidFill>
-                <a:uFillTx/>
-                <a:latin typeface="Arial"/>
-              </a:rPr>
-              <a:t>Reti</a:t>
-            </a:r>
-            <a:r>
-              <a:rPr lang="en-US" sz="1100" b="0" i="0" u="none" strike="noStrike" kern="0" cap="none" spc="0" baseline="0" dirty="0">
-                <a:solidFill>
-                  <a:srgbClr val="344A9A"/>
-                </a:solidFill>
-                <a:uFillTx/>
-                <a:latin typeface="Arial"/>
-              </a:rPr>
-              <a:t>-Emulator</a:t>
-            </a:r>
-            <a:endParaRPr lang="en-US" sz="1100" b="0" i="0" u="none" strike="noStrike" kern="1200" cap="none" spc="0" baseline="0" dirty="0">
-              <a:solidFill>
-                <a:srgbClr val="344A9A"/>
-              </a:solidFill>
-              <a:uFillTx/>
-              <a:latin typeface="Arial"/>
-            </a:endParaRPr>
-          </a:p>
-        </p:txBody>
-      </p:sp>
       <p:sp>
         <p:nvSpPr>
           <p:cNvPr id="10" name="Inhaltsplatzhalter 3">
@@ -22486,6 +22737,92 @@
               </a:rPr>
               <a:t> &amp; Future Work</a:t>
             </a:r>
+          </a:p>
+        </p:txBody>
+      </p:sp>
+      <p:sp>
+        <p:nvSpPr>
+          <p:cNvPr id="2" name="TextBox 10">
+            <a:extLst>
+              <a:ext uri="{FF2B5EF4-FFF2-40B4-BE49-F238E27FC236}">
+                <a16:creationId xmlns:a16="http://schemas.microsoft.com/office/drawing/2014/main" id="{21CCE022-2F90-10D1-7FEF-64F9ABB10512}"/>
+              </a:ext>
+            </a:extLst>
+          </p:cNvPr>
+          <p:cNvSpPr txBox="1"/>
+          <p:nvPr/>
+        </p:nvSpPr>
+        <p:spPr>
+          <a:xfrm>
+            <a:off x="721132" y="5556295"/>
+            <a:ext cx="5855114" cy="261610"/>
+          </a:xfrm>
+          <a:prstGeom prst="rect">
+            <a:avLst/>
+          </a:prstGeom>
+          <a:noFill/>
+          <a:ln cap="flat">
+            <a:noFill/>
+          </a:ln>
+        </p:spPr>
+        <p:txBody>
+          <a:bodyPr vert="horz" wrap="square" lIns="91440" tIns="45720" rIns="91440" bIns="45720" anchor="t" anchorCtr="0" compatLnSpc="1">
+            <a:spAutoFit/>
+          </a:bodyPr>
+          <a:lstStyle/>
+          <a:p>
+            <a:pPr lvl="0">
+              <a:defRPr sz="1800" b="0" i="0" u="none" strike="noStrike" kern="0" cap="none" spc="0" baseline="0">
+                <a:solidFill>
+                  <a:srgbClr val="000000"/>
+                </a:solidFill>
+                <a:uFillTx/>
+              </a:defRPr>
+            </a:pPr>
+            <a:r>
+              <a:rPr lang="en-US" sz="1100" b="0" i="0" u="none" strike="noStrike" kern="1200" cap="none" spc="0" baseline="0" dirty="0">
+                <a:solidFill>
+                  <a:srgbClr val="344A9A"/>
+                </a:solidFill>
+                <a:uFillTx/>
+                <a:latin typeface="Arial"/>
+              </a:rPr>
+              <a:t>Fig. 11</a:t>
+            </a:r>
+            <a:r>
+              <a:rPr lang="en-US" sz="1100" dirty="0">
+                <a:solidFill>
+                  <a:srgbClr val="344A9A"/>
+                </a:solidFill>
+                <a:latin typeface="Arial"/>
+              </a:rPr>
+              <a:t>: Screenshot of </a:t>
+            </a:r>
+            <a:r>
+              <a:rPr lang="en-US" sz="1100" dirty="0" err="1">
+                <a:solidFill>
+                  <a:srgbClr val="344A9A"/>
+                </a:solidFill>
+                <a:latin typeface="Arial"/>
+              </a:rPr>
+              <a:t>ReTI</a:t>
+            </a:r>
+            <a:r>
+              <a:rPr lang="en-US" sz="1100" dirty="0">
+                <a:solidFill>
+                  <a:srgbClr val="344A9A"/>
+                </a:solidFill>
+                <a:latin typeface="Arial"/>
+              </a:rPr>
+              <a:t>-Emulator with Datapath-Visualization [3]</a:t>
+            </a:r>
+            <a:endParaRPr lang="en-US" sz="1100" b="0" i="0" u="none" strike="noStrike" kern="1200" cap="none" spc="0" baseline="0" dirty="0">
+              <a:solidFill>
+                <a:srgbClr val="344A9A"/>
+              </a:solidFill>
+              <a:uFillTx/>
+              <a:latin typeface="Arial"/>
+            </a:endParaRPr>
           </a:p>
         </p:txBody>
       </p:sp>
@@ -22539,7 +22876,7 @@
         <p:spPr>
           <a:xfrm>
             <a:off x="442917" y="365129"/>
-            <a:ext cx="11341102" cy="491721"/>
+            <a:ext cx="11341102" cy="1044049"/>
           </a:xfrm>
         </p:spPr>
         <p:txBody>
@@ -22547,6 +22884,13 @@
           <a:lstStyle/>
           <a:p>
             <a:pPr lvl="0"/>
+            <a:r>
+              <a:rPr lang="de-DE" dirty="0"/>
+              <a:t>Extra:</a:t>
+            </a:r>
+            <a:br>
+              <a:rPr lang="de-DE" dirty="0"/>
+            </a:br>
             <a:r>
               <a:rPr lang="de-DE" dirty="0"/>
               <a:t>Language-Server-Protocol</a:t>
@@ -22640,7 +22984,7 @@
                   <a:uFillTx/>
                 </a:defRPr>
               </a:pPr>
-              <a:t>10. Juli 2025</a:t>
+              <a:t>13. Juli 2025</a:t>
             </a:fld>
             <a:endParaRPr lang="de-DE" sz="900" b="0" i="0" u="none" strike="noStrike" kern="1200" cap="none" spc="0" baseline="0">
               <a:solidFill>
@@ -22825,6 +23169,74 @@
           </a:prstGeom>
         </p:spPr>
       </p:pic>
+      <p:sp>
+        <p:nvSpPr>
+          <p:cNvPr id="6" name="TextBox 10">
+            <a:extLst>
+              <a:ext uri="{FF2B5EF4-FFF2-40B4-BE49-F238E27FC236}">
+                <a16:creationId xmlns:a16="http://schemas.microsoft.com/office/drawing/2014/main" id="{8443D49A-74AE-A57E-77D9-68D8ADDD7F59}"/>
+              </a:ext>
+            </a:extLst>
+          </p:cNvPr>
+          <p:cNvSpPr txBox="1"/>
+          <p:nvPr/>
+        </p:nvSpPr>
+        <p:spPr>
+          <a:xfrm>
+            <a:off x="2227465" y="4966570"/>
+            <a:ext cx="5855114" cy="430887"/>
+          </a:xfrm>
+          <a:prstGeom prst="rect">
+            <a:avLst/>
+          </a:prstGeom>
+          <a:noFill/>
+          <a:ln cap="flat">
+            <a:noFill/>
+          </a:ln>
+        </p:spPr>
+        <p:txBody>
+          <a:bodyPr vert="horz" wrap="square" lIns="91440" tIns="45720" rIns="91440" bIns="45720" anchor="t" anchorCtr="0" compatLnSpc="1">
+            <a:spAutoFit/>
+          </a:bodyPr>
+          <a:lstStyle/>
+          <a:p>
+            <a:pPr lvl="0">
+              <a:defRPr sz="1800" b="0" i="0" u="none" strike="noStrike" kern="0" cap="none" spc="0" baseline="0">
+                <a:solidFill>
+                  <a:srgbClr val="000000"/>
+                </a:solidFill>
+                <a:uFillTx/>
+              </a:defRPr>
+            </a:pPr>
+            <a:r>
+              <a:rPr lang="en-US" sz="1100" b="0" i="0" u="none" strike="noStrike" kern="1200" cap="none" spc="0" baseline="0" dirty="0">
+                <a:solidFill>
+                  <a:srgbClr val="344A9A"/>
+                </a:solidFill>
+                <a:uFillTx/>
+                <a:latin typeface="Arial"/>
+              </a:rPr>
+              <a:t>Fig. 12</a:t>
+            </a:r>
+            <a:r>
+              <a:rPr lang="en-US" sz="1100" dirty="0">
+                <a:solidFill>
+                  <a:srgbClr val="344A9A"/>
+                </a:solidFill>
+                <a:latin typeface="Arial"/>
+              </a:rPr>
+              <a:t>: Example for Communication between Tool and Server in the Language-Server-Protocol [4]</a:t>
+            </a:r>
+            <a:endParaRPr lang="en-US" sz="1100" b="0" i="0" u="none" strike="noStrike" kern="1200" cap="none" spc="0" baseline="0" dirty="0">
+              <a:solidFill>
+                <a:srgbClr val="344A9A"/>
+              </a:solidFill>
+              <a:uFillTx/>
+              <a:latin typeface="Arial"/>
+            </a:endParaRPr>
+          </a:p>
+        </p:txBody>
+      </p:sp>
     </p:spTree>
     <p:extLst>
       <p:ext uri="{BB962C8B-B14F-4D97-AF65-F5344CB8AC3E}">
@@ -22890,6 +23302,13 @@
             <a:pPr lvl="0"/>
             <a:r>
               <a:rPr lang="de-DE" dirty="0"/>
+              <a:t>Extra:</a:t>
+            </a:r>
+            <a:br>
+              <a:rPr lang="de-DE" dirty="0"/>
+            </a:br>
+            <a:r>
+              <a:rPr lang="de-DE" dirty="0"/>
               <a:t>Debug-Adapter-Protocol</a:t>
             </a:r>
             <a:br>
@@ -22981,7 +23400,7 @@
                   <a:uFillTx/>
                 </a:defRPr>
               </a:pPr>
-              <a:t>10. Juli 2025</a:t>
+              <a:t>13. Juli 2025</a:t>
             </a:fld>
             <a:endParaRPr lang="de-DE" sz="900" b="0" i="0" u="none" strike="noStrike" kern="1200" cap="none" spc="0" baseline="0">
               <a:solidFill>
@@ -23166,10 +23585,602 @@
           </a:prstGeom>
         </p:spPr>
       </p:pic>
+      <p:sp>
+        <p:nvSpPr>
+          <p:cNvPr id="9" name="TextBox 10">
+            <a:extLst>
+              <a:ext uri="{FF2B5EF4-FFF2-40B4-BE49-F238E27FC236}">
+                <a16:creationId xmlns:a16="http://schemas.microsoft.com/office/drawing/2014/main" id="{28601F3D-3576-C2A8-BC08-FCD8BD7D6B2F}"/>
+              </a:ext>
+            </a:extLst>
+          </p:cNvPr>
+          <p:cNvSpPr txBox="1"/>
+          <p:nvPr/>
+        </p:nvSpPr>
+        <p:spPr>
+          <a:xfrm>
+            <a:off x="1957750" y="4933032"/>
+            <a:ext cx="5855114" cy="261610"/>
+          </a:xfrm>
+          <a:prstGeom prst="rect">
+            <a:avLst/>
+          </a:prstGeom>
+          <a:noFill/>
+          <a:ln cap="flat">
+            <a:noFill/>
+          </a:ln>
+        </p:spPr>
+        <p:txBody>
+          <a:bodyPr vert="horz" wrap="square" lIns="91440" tIns="45720" rIns="91440" bIns="45720" anchor="t" anchorCtr="0" compatLnSpc="1">
+            <a:spAutoFit/>
+          </a:bodyPr>
+          <a:lstStyle/>
+          <a:p>
+            <a:pPr lvl="0">
+              <a:defRPr sz="1800" b="0" i="0" u="none" strike="noStrike" kern="0" cap="none" spc="0" baseline="0">
+                <a:solidFill>
+                  <a:srgbClr val="000000"/>
+                </a:solidFill>
+                <a:uFillTx/>
+              </a:defRPr>
+            </a:pPr>
+            <a:r>
+              <a:rPr lang="en-US" sz="1100" b="0" i="0" u="none" strike="noStrike" kern="1200" cap="none" spc="0" baseline="0" dirty="0">
+                <a:solidFill>
+                  <a:srgbClr val="344A9A"/>
+                </a:solidFill>
+                <a:uFillTx/>
+                <a:latin typeface="Arial"/>
+              </a:rPr>
+              <a:t>Fig. 13</a:t>
+            </a:r>
+            <a:r>
+              <a:rPr lang="en-US" sz="1100" dirty="0">
+                <a:solidFill>
+                  <a:srgbClr val="344A9A"/>
+                </a:solidFill>
+                <a:latin typeface="Arial"/>
+              </a:rPr>
+              <a:t>: VS Code Debug Architecture [5]</a:t>
+            </a:r>
+            <a:endParaRPr lang="en-US" sz="1100" b="0" i="0" u="none" strike="noStrike" kern="1200" cap="none" spc="0" baseline="0" dirty="0">
+              <a:solidFill>
+                <a:srgbClr val="344A9A"/>
+              </a:solidFill>
+              <a:uFillTx/>
+              <a:latin typeface="Arial"/>
+            </a:endParaRPr>
+          </a:p>
+        </p:txBody>
+      </p:sp>
     </p:spTree>
     <p:extLst>
       <p:ext uri="{BB962C8B-B14F-4D97-AF65-F5344CB8AC3E}">
         <p14:creationId xmlns:p14="http://schemas.microsoft.com/office/powerpoint/2010/main" val="2235594347"/>
+      </p:ext>
+    </p:extLst>
+  </p:cSld>
+  <p:clrMapOvr>
+    <a:masterClrMapping/>
+  </p:clrMapOvr>
+</p:sld>
+</file>
+
+<file path=ppt/slides/slide15.xml><?xml version="1.0" encoding="utf-8"?>
+<p:sld xmlns:a="http://schemas.openxmlformats.org/drawingml/2006/main" xmlns:r="http://schemas.openxmlformats.org/officeDocument/2006/relationships" xmlns:p="http://schemas.openxmlformats.org/presentationml/2006/main">
+  <p:cSld>
+    <p:spTree>
+      <p:nvGrpSpPr>
+        <p:cNvPr id="1" name=""/>
+        <p:cNvGrpSpPr/>
+        <p:nvPr/>
+      </p:nvGrpSpPr>
+      <p:grpSpPr>
+        <a:xfrm>
+          <a:off x="0" y="0"/>
+          <a:ext cx="0" cy="0"/>
+          <a:chOff x="0" y="0"/>
+          <a:chExt cx="0" cy="0"/>
+        </a:xfrm>
+      </p:grpSpPr>
+      <p:sp>
+        <p:nvSpPr>
+          <p:cNvPr id="2" name="Title 1">
+            <a:extLst>
+              <a:ext uri="{FF2B5EF4-FFF2-40B4-BE49-F238E27FC236}">
+                <a16:creationId xmlns:a16="http://schemas.microsoft.com/office/drawing/2014/main" id="{51BA085E-28B8-B581-8B95-48FAEC129143}"/>
+              </a:ext>
+            </a:extLst>
+          </p:cNvPr>
+          <p:cNvSpPr>
+            <a:spLocks noGrp="1"/>
+          </p:cNvSpPr>
+          <p:nvPr>
+            <p:ph type="title"/>
+          </p:nvPr>
+        </p:nvSpPr>
+        <p:spPr/>
+        <p:txBody>
+          <a:bodyPr/>
+          <a:lstStyle/>
+          <a:p>
+            <a:r>
+              <a:rPr lang="de-DE" dirty="0"/>
+              <a:t>References</a:t>
+            </a:r>
+          </a:p>
+        </p:txBody>
+      </p:sp>
+      <p:sp>
+        <p:nvSpPr>
+          <p:cNvPr id="5" name="Text Placeholder 4">
+            <a:extLst>
+              <a:ext uri="{FF2B5EF4-FFF2-40B4-BE49-F238E27FC236}">
+                <a16:creationId xmlns:a16="http://schemas.microsoft.com/office/drawing/2014/main" id="{1AD5F1E3-69A7-DBD3-E8EE-23C5212B2F2F}"/>
+              </a:ext>
+            </a:extLst>
+          </p:cNvPr>
+          <p:cNvSpPr>
+            <a:spLocks noGrp="1"/>
+          </p:cNvSpPr>
+          <p:nvPr>
+            <p:ph type="body" idx="4294967295"/>
+          </p:nvPr>
+        </p:nvSpPr>
+        <p:spPr>
+          <a:xfrm>
+            <a:off x="442907" y="1690688"/>
+            <a:ext cx="11341102" cy="4510086"/>
+          </a:xfrm>
+        </p:spPr>
+        <p:txBody>
+          <a:bodyPr/>
+          <a:lstStyle/>
+          <a:p>
+            <a:pPr marL="0" indent="0">
+              <a:lnSpc>
+                <a:spcPct val="100000"/>
+              </a:lnSpc>
+              <a:spcBef>
+                <a:spcPts val="0"/>
+              </a:spcBef>
+              <a:buNone/>
+              <a:defRPr sz="1800" b="0" i="0" u="none" strike="noStrike" kern="0" cap="none" spc="0" baseline="0">
+                <a:solidFill>
+                  <a:srgbClr val="000000"/>
+                </a:solidFill>
+                <a:uFillTx/>
+              </a:defRPr>
+            </a:pPr>
+            <a:r>
+              <a:rPr lang="en-US" dirty="0">
+                <a:solidFill>
+                  <a:schemeClr val="tx1"/>
+                </a:solidFill>
+              </a:rPr>
+              <a:t>[1]: Screenshots taken of </a:t>
+            </a:r>
+            <a:r>
+              <a:rPr lang="en-US" dirty="0" err="1">
+                <a:solidFill>
+                  <a:schemeClr val="tx1"/>
+                </a:solidFill>
+              </a:rPr>
+              <a:t>Reticode</a:t>
+            </a:r>
+            <a:r>
+              <a:rPr lang="en-US" dirty="0">
+                <a:solidFill>
+                  <a:schemeClr val="tx1"/>
+                </a:solidFill>
+              </a:rPr>
+              <a:t> by Prof. Dr. </a:t>
+            </a:r>
+            <a:r>
+              <a:rPr lang="en-US" kern="0" dirty="0">
+                <a:solidFill>
+                  <a:schemeClr val="tx1"/>
+                </a:solidFill>
+              </a:rPr>
+              <a:t>Armin Biere, https://github.com/arminbiere/reticode</a:t>
+            </a:r>
+            <a:endParaRPr lang="en-US" dirty="0">
+              <a:solidFill>
+                <a:schemeClr val="tx1"/>
+              </a:solidFill>
+            </a:endParaRPr>
+          </a:p>
+          <a:p>
+            <a:pPr marL="0" lvl="0" indent="0">
+              <a:lnSpc>
+                <a:spcPct val="100000"/>
+              </a:lnSpc>
+              <a:spcBef>
+                <a:spcPts val="0"/>
+              </a:spcBef>
+              <a:buNone/>
+              <a:defRPr sz="1800" b="0" i="0" u="none" strike="noStrike" kern="0" cap="none" spc="0" baseline="0">
+                <a:solidFill>
+                  <a:srgbClr val="000000"/>
+                </a:solidFill>
+                <a:uFillTx/>
+              </a:defRPr>
+            </a:pPr>
+            <a:r>
+              <a:rPr lang="en-US" dirty="0">
+                <a:solidFill>
+                  <a:schemeClr val="tx1"/>
+                </a:solidFill>
+              </a:rPr>
+              <a:t>[2]: </a:t>
+            </a:r>
+            <a:r>
+              <a:rPr lang="en-US" dirty="0" err="1">
+                <a:solidFill>
+                  <a:schemeClr val="tx1"/>
+                </a:solidFill>
+              </a:rPr>
+              <a:t>Technische</a:t>
+            </a:r>
+            <a:r>
+              <a:rPr lang="en-US" dirty="0">
+                <a:solidFill>
+                  <a:schemeClr val="tx1"/>
+                </a:solidFill>
+              </a:rPr>
+              <a:t> Informatik – </a:t>
+            </a:r>
+            <a:r>
+              <a:rPr lang="en-US" dirty="0" err="1">
+                <a:solidFill>
+                  <a:schemeClr val="tx1"/>
+                </a:solidFill>
+              </a:rPr>
+              <a:t>Kapitel</a:t>
+            </a:r>
+            <a:r>
+              <a:rPr lang="en-US" dirty="0">
+                <a:solidFill>
+                  <a:schemeClr val="tx1"/>
+                </a:solidFill>
+              </a:rPr>
+              <a:t> 2 – </a:t>
+            </a:r>
+            <a:r>
+              <a:rPr lang="en-US" dirty="0" err="1">
+                <a:solidFill>
+                  <a:schemeClr val="tx1"/>
+                </a:solidFill>
+              </a:rPr>
+              <a:t>Kodierung</a:t>
+            </a:r>
+            <a:r>
+              <a:rPr lang="en-US" dirty="0">
+                <a:solidFill>
+                  <a:schemeClr val="tx1"/>
+                </a:solidFill>
+              </a:rPr>
+              <a:t>, Prof. Dr. Armin Biere, University of Freiburg, SS 2024</a:t>
+            </a:r>
+          </a:p>
+          <a:p>
+            <a:pPr marL="0" lvl="0" indent="0">
+              <a:lnSpc>
+                <a:spcPct val="100000"/>
+              </a:lnSpc>
+              <a:spcBef>
+                <a:spcPts val="0"/>
+              </a:spcBef>
+              <a:buNone/>
+              <a:defRPr sz="1800" b="0" i="0" u="none" strike="noStrike" kern="0" cap="none" spc="0" baseline="0">
+                <a:solidFill>
+                  <a:srgbClr val="000000"/>
+                </a:solidFill>
+                <a:uFillTx/>
+              </a:defRPr>
+            </a:pPr>
+            <a:r>
+              <a:rPr lang="en-US" dirty="0">
+                <a:solidFill>
+                  <a:schemeClr val="tx1"/>
+                </a:solidFill>
+              </a:rPr>
+              <a:t>[3]: Screenshots taken of </a:t>
+            </a:r>
+            <a:r>
+              <a:rPr lang="en-US" dirty="0" err="1">
+                <a:solidFill>
+                  <a:schemeClr val="tx1"/>
+                </a:solidFill>
+              </a:rPr>
+              <a:t>ReTI</a:t>
+            </a:r>
+            <a:r>
+              <a:rPr lang="en-US" dirty="0">
+                <a:solidFill>
+                  <a:schemeClr val="tx1"/>
+                </a:solidFill>
+              </a:rPr>
+              <a:t>-Emulator,</a:t>
+            </a:r>
+            <a:r>
+              <a:rPr lang="en-US" kern="0" dirty="0">
+                <a:solidFill>
+                  <a:schemeClr val="tx1"/>
+                </a:solidFill>
+              </a:rPr>
+              <a:t> github.com/</a:t>
+            </a:r>
+            <a:r>
+              <a:rPr lang="en-US" kern="0" dirty="0" err="1">
+                <a:solidFill>
+                  <a:schemeClr val="tx1"/>
+                </a:solidFill>
+              </a:rPr>
+              <a:t>michel-giehl</a:t>
+            </a:r>
+            <a:r>
+              <a:rPr lang="en-US" kern="0" dirty="0">
+                <a:solidFill>
+                  <a:schemeClr val="tx1"/>
+                </a:solidFill>
+              </a:rPr>
+              <a:t>/</a:t>
+            </a:r>
+            <a:r>
+              <a:rPr lang="en-US" kern="0" dirty="0" err="1">
+                <a:solidFill>
+                  <a:schemeClr val="tx1"/>
+                </a:solidFill>
+              </a:rPr>
+              <a:t>Reti</a:t>
+            </a:r>
+            <a:r>
+              <a:rPr lang="en-US" kern="0" dirty="0">
+                <a:solidFill>
+                  <a:schemeClr val="tx1"/>
+                </a:solidFill>
+              </a:rPr>
+              <a:t>-Emulator</a:t>
+            </a:r>
+          </a:p>
+          <a:p>
+            <a:pPr marL="0" lvl="0" indent="0">
+              <a:lnSpc>
+                <a:spcPct val="100000"/>
+              </a:lnSpc>
+              <a:spcBef>
+                <a:spcPts val="0"/>
+              </a:spcBef>
+              <a:buNone/>
+              <a:defRPr sz="1800" b="0" i="0" u="none" strike="noStrike" kern="0" cap="none" spc="0" baseline="0">
+                <a:solidFill>
+                  <a:srgbClr val="000000"/>
+                </a:solidFill>
+                <a:uFillTx/>
+              </a:defRPr>
+            </a:pPr>
+            <a:r>
+              <a:rPr lang="en-US" kern="0" dirty="0">
+                <a:solidFill>
+                  <a:schemeClr val="tx1"/>
+                </a:solidFill>
+              </a:rPr>
+              <a:t>[4]: </a:t>
+            </a:r>
+            <a:r>
+              <a:rPr lang="de-DE" dirty="0">
+                <a:solidFill>
+                  <a:schemeClr val="tx1"/>
+                </a:solidFill>
+              </a:rPr>
+              <a:t>Microsoft </a:t>
+            </a:r>
+            <a:r>
+              <a:rPr lang="de-DE" i="1" dirty="0">
+                <a:solidFill>
+                  <a:schemeClr val="tx1"/>
+                </a:solidFill>
+              </a:rPr>
+              <a:t>Language Server Protocol - </a:t>
+            </a:r>
+            <a:r>
+              <a:rPr lang="de-DE" i="1" dirty="0" err="1">
+                <a:solidFill>
+                  <a:schemeClr val="tx1"/>
+                </a:solidFill>
+              </a:rPr>
+              <a:t>Sequence</a:t>
+            </a:r>
+            <a:r>
+              <a:rPr lang="de-DE" i="1" dirty="0">
+                <a:solidFill>
+                  <a:schemeClr val="tx1"/>
+                </a:solidFill>
+              </a:rPr>
+              <a:t> </a:t>
+            </a:r>
+            <a:r>
+              <a:rPr lang="de-DE" i="1" dirty="0" err="1">
+                <a:solidFill>
+                  <a:schemeClr val="tx1"/>
+                </a:solidFill>
+              </a:rPr>
+              <a:t>Diagram</a:t>
+            </a:r>
+            <a:r>
+              <a:rPr lang="de-DE" dirty="0">
+                <a:solidFill>
+                  <a:schemeClr val="tx1"/>
+                </a:solidFill>
+              </a:rPr>
+              <a:t>. </a:t>
+            </a:r>
+            <a:r>
+              <a:rPr lang="de-DE" dirty="0" err="1">
+                <a:solidFill>
+                  <a:schemeClr val="tx1"/>
+                </a:solidFill>
+              </a:rPr>
+              <a:t>Retrieved</a:t>
+            </a:r>
+            <a:r>
+              <a:rPr lang="de-DE" dirty="0">
+                <a:solidFill>
+                  <a:schemeClr val="tx1"/>
+                </a:solidFill>
+              </a:rPr>
+              <a:t> 13. </a:t>
+            </a:r>
+            <a:r>
+              <a:rPr lang="de-DE" dirty="0" err="1">
+                <a:solidFill>
+                  <a:schemeClr val="tx1"/>
+                </a:solidFill>
+              </a:rPr>
+              <a:t>July</a:t>
+            </a:r>
+            <a:r>
+              <a:rPr lang="de-DE" dirty="0">
+                <a:solidFill>
+                  <a:schemeClr val="tx1"/>
+                </a:solidFill>
+              </a:rPr>
+              <a:t> 2025, from https://microsoft.github.io/language-server-protocol/overviews/lsp/overview/</a:t>
+            </a:r>
+          </a:p>
+          <a:p>
+            <a:pPr marL="0" lvl="0" indent="0">
+              <a:lnSpc>
+                <a:spcPct val="100000"/>
+              </a:lnSpc>
+              <a:spcBef>
+                <a:spcPts val="0"/>
+              </a:spcBef>
+              <a:buNone/>
+              <a:defRPr sz="1800" b="0" i="0" u="none" strike="noStrike" kern="0" cap="none" spc="0" baseline="0">
+                <a:solidFill>
+                  <a:srgbClr val="000000"/>
+                </a:solidFill>
+                <a:uFillTx/>
+              </a:defRPr>
+            </a:pPr>
+            <a:r>
+              <a:rPr lang="en-US" kern="0" dirty="0">
+                <a:solidFill>
+                  <a:schemeClr val="tx1"/>
+                </a:solidFill>
+              </a:rPr>
+              <a:t>[5]:</a:t>
+            </a:r>
+            <a:r>
+              <a:rPr lang="en-US" dirty="0">
+                <a:solidFill>
+                  <a:schemeClr val="tx1"/>
+                </a:solidFill>
+              </a:rPr>
+              <a:t>Microsoft. </a:t>
+            </a:r>
+            <a:r>
+              <a:rPr lang="en-US" i="1" dirty="0">
+                <a:solidFill>
+                  <a:schemeClr val="tx1"/>
+                </a:solidFill>
+              </a:rPr>
+              <a:t>VS Code Debug Architecture</a:t>
+            </a:r>
+            <a:r>
+              <a:rPr lang="en-US" dirty="0">
+                <a:solidFill>
+                  <a:schemeClr val="tx1"/>
+                </a:solidFill>
+              </a:rPr>
+              <a:t>.</a:t>
+            </a:r>
+            <a:r>
+              <a:rPr lang="de-DE" dirty="0">
+                <a:solidFill>
+                  <a:schemeClr val="tx1"/>
+                </a:solidFill>
+              </a:rPr>
+              <a:t> </a:t>
+            </a:r>
+            <a:r>
+              <a:rPr lang="de-DE" dirty="0" err="1">
+                <a:solidFill>
+                  <a:schemeClr val="tx1"/>
+                </a:solidFill>
+              </a:rPr>
+              <a:t>Retrieved</a:t>
+            </a:r>
+            <a:r>
+              <a:rPr lang="de-DE" dirty="0">
+                <a:solidFill>
+                  <a:schemeClr val="tx1"/>
+                </a:solidFill>
+              </a:rPr>
+              <a:t> 13. </a:t>
+            </a:r>
+            <a:r>
+              <a:rPr lang="de-DE" dirty="0" err="1">
+                <a:solidFill>
+                  <a:schemeClr val="tx1"/>
+                </a:solidFill>
+              </a:rPr>
+              <a:t>July</a:t>
+            </a:r>
+            <a:r>
+              <a:rPr lang="de-DE" dirty="0">
+                <a:solidFill>
+                  <a:schemeClr val="tx1"/>
+                </a:solidFill>
+              </a:rPr>
+              <a:t> 2025</a:t>
+            </a:r>
+            <a:r>
+              <a:rPr lang="en-US" dirty="0">
+                <a:solidFill>
+                  <a:schemeClr val="tx1"/>
+                </a:solidFill>
+              </a:rPr>
+              <a:t>, from https://code.visualstudio.com/api/extension-guides/debugger-extension</a:t>
+            </a:r>
+          </a:p>
+          <a:p>
+            <a:pPr marL="0" lvl="0" indent="0">
+              <a:lnSpc>
+                <a:spcPct val="100000"/>
+              </a:lnSpc>
+              <a:spcBef>
+                <a:spcPts val="0"/>
+              </a:spcBef>
+              <a:buNone/>
+              <a:defRPr sz="1800" b="0" i="0" u="none" strike="noStrike" kern="0" cap="none" spc="0" baseline="0">
+                <a:solidFill>
+                  <a:srgbClr val="000000"/>
+                </a:solidFill>
+                <a:uFillTx/>
+              </a:defRPr>
+            </a:pPr>
+            <a:endParaRPr lang="en-US" dirty="0">
+              <a:solidFill>
+                <a:schemeClr val="tx1"/>
+              </a:solidFill>
+            </a:endParaRPr>
+          </a:p>
+          <a:p>
+            <a:endParaRPr lang="de-DE" dirty="0">
+              <a:solidFill>
+                <a:schemeClr val="tx1"/>
+              </a:solidFill>
+            </a:endParaRPr>
+          </a:p>
+        </p:txBody>
+      </p:sp>
+    </p:spTree>
+    <p:extLst>
+      <p:ext uri="{BB962C8B-B14F-4D97-AF65-F5344CB8AC3E}">
+        <p14:creationId xmlns:p14="http://schemas.microsoft.com/office/powerpoint/2010/main" val="1580695029"/>
       </p:ext>
     </p:extLst>
   </p:cSld>
@@ -23224,13 +24235,13 @@
           <a:p>
             <a:pPr lvl="0"/>
             <a:r>
-              <a:rPr lang="en-US"/>
+              <a:rPr lang="en-US" dirty="0"/>
               <a:t>Agenda</a:t>
             </a:r>
             <a:br>
-              <a:rPr lang="en-US"/>
+              <a:rPr lang="en-US" dirty="0"/>
             </a:br>
-            <a:endParaRPr lang="en-US">
+            <a:endParaRPr lang="en-US" dirty="0">
               <a:solidFill>
                 <a:srgbClr val="000000"/>
               </a:solidFill>
@@ -23274,9 +24285,16 @@
                   <a:srgbClr val="344A9A"/>
                 </a:solidFill>
               </a:rPr>
-              <a:t>Motivation</a:t>
-            </a:r>
-            <a:endParaRPr lang="en-US" dirty="0"/>
+              <a:t>Motivation: </a:t>
+            </a:r>
+            <a:r>
+              <a:rPr lang="en-US" dirty="0">
+                <a:solidFill>
+                  <a:schemeClr val="tx1"/>
+                </a:solidFill>
+              </a:rPr>
+              <a:t>State of the Art and Usage</a:t>
+            </a:r>
           </a:p>
           <a:p>
             <a:pPr marL="342900" lvl="0" indent="-342900">
@@ -23309,7 +24327,15 @@
                   <a:srgbClr val="344A9A"/>
                 </a:solidFill>
               </a:rPr>
-              <a:t>Approach</a:t>
+              <a:t>Approach: </a:t>
+            </a:r>
+            <a:r>
+              <a:rPr lang="en-US" dirty="0">
+                <a:solidFill>
+                  <a:schemeClr val="tx1"/>
+                </a:solidFill>
+              </a:rPr>
+              <a:t>Improving on Interactivity and Adding Features</a:t>
             </a:r>
           </a:p>
           <a:p>
@@ -23326,7 +24352,7 @@
             </a:r>
             <a:r>
               <a:rPr lang="en-US" dirty="0"/>
-              <a:t>Improvement on existing features, new features</a:t>
+              <a:t>Improvement on existing Features, new Features</a:t>
             </a:r>
             <a:endParaRPr lang="en-US" b="1" dirty="0">
               <a:solidFill>
@@ -23431,7 +24457,7 @@
                   <a:uFillTx/>
                 </a:defRPr>
               </a:pPr>
-              <a:t>July 10, 2025</a:t>
+              <a:t>July 12, 2025</a:t>
             </a:fld>
             <a:endParaRPr lang="en-US" sz="900" b="0" i="0" u="none" strike="noStrike" kern="1200" cap="none" spc="0" baseline="0">
               <a:solidFill>
@@ -23722,7 +24748,7 @@
                   <a:uFillTx/>
                 </a:defRPr>
               </a:pPr>
-              <a:t>July 10, 2025</a:t>
+              <a:t>July 12, 2025</a:t>
             </a:fld>
             <a:endParaRPr lang="en-US" sz="900" b="0" i="0" u="none" strike="noStrike" kern="1200" cap="none" spc="0" baseline="0">
               <a:solidFill>
@@ -24047,160 +25073,66 @@
           </a:p>
         </p:txBody>
       </p:sp>
-      <p:pic>
-        <p:nvPicPr>
-          <p:cNvPr id="9" name="Picture 12">
-            <a:extLst>
-              <a:ext uri="{FF2B5EF4-FFF2-40B4-BE49-F238E27FC236}">
-                <a16:creationId xmlns:a16="http://schemas.microsoft.com/office/drawing/2014/main" id="{1CF70631-5046-0DB9-718F-092335BC286D}"/>
-              </a:ext>
-            </a:extLst>
-          </p:cNvPr>
-          <p:cNvPicPr>
-            <a:picLocks noChangeAspect="1"/>
-          </p:cNvPicPr>
-          <p:nvPr/>
-        </p:nvPicPr>
-        <p:blipFill>
-          <a:blip r:embed="rId3"/>
-          <a:stretch>
-            <a:fillRect/>
-          </a:stretch>
-        </p:blipFill>
+      <p:sp>
+        <p:nvSpPr>
+          <p:cNvPr id="14" name="Inhaltsplatzhalter 7">
+            <a:extLst>
+              <a:ext uri="{FF2B5EF4-FFF2-40B4-BE49-F238E27FC236}">
+                <a16:creationId xmlns:a16="http://schemas.microsoft.com/office/drawing/2014/main" id="{A5548CDD-1C38-DD8C-A08A-1337B4C59D3C}"/>
+              </a:ext>
+            </a:extLst>
+          </p:cNvPr>
+          <p:cNvSpPr txBox="1">
+            <a:spLocks noGrp="1"/>
+          </p:cNvSpPr>
+          <p:nvPr>
+            <p:ph type="body" idx="4294967295"/>
+          </p:nvPr>
+        </p:nvSpPr>
         <p:spPr>
           <a:xfrm>
-            <a:off x="392606" y="1102007"/>
-            <a:ext cx="5878247" cy="3760817"/>
+            <a:off x="442917" y="5400691"/>
+            <a:ext cx="11099819" cy="387248"/>
           </a:xfrm>
-          <a:prstGeom prst="rect">
-            <a:avLst/>
-          </a:prstGeom>
-          <a:noFill/>
-          <a:ln cap="flat">
-            <a:noFill/>
-          </a:ln>
         </p:spPr>
-      </p:pic>
-      <p:pic>
-        <p:nvPicPr>
-          <p:cNvPr id="10" name="Picture 16">
-            <a:extLst>
-              <a:ext uri="{FF2B5EF4-FFF2-40B4-BE49-F238E27FC236}">
-                <a16:creationId xmlns:a16="http://schemas.microsoft.com/office/drawing/2014/main" id="{08F7CB3A-88FE-9399-BC42-9D5C23FD3AD0}"/>
-              </a:ext>
-            </a:extLst>
-          </p:cNvPr>
-          <p:cNvPicPr>
-            <a:picLocks noChangeAspect="1"/>
-          </p:cNvPicPr>
+        <p:txBody>
+          <a:bodyPr/>
+          <a:lstStyle/>
+          <a:p>
+            <a:pPr marL="0" lvl="0" indent="0">
+              <a:buNone/>
+            </a:pPr>
+            <a:r>
+              <a:rPr lang="en-US" b="1" dirty="0">
+                <a:solidFill>
+                  <a:srgbClr val="344A9A"/>
+                </a:solidFill>
+              </a:rPr>
+              <a:t>Goal: </a:t>
+            </a:r>
+            <a:r>
+              <a:rPr lang="en-US" dirty="0"/>
+              <a:t>Improve accessibility and responsiveness to provide a better educational experience.</a:t>
+            </a:r>
+          </a:p>
+        </p:txBody>
+      </p:sp>
+      <p:sp>
+        <p:nvSpPr>
+          <p:cNvPr id="15" name="TextBox 10">
+            <a:extLst>
+              <a:ext uri="{FF2B5EF4-FFF2-40B4-BE49-F238E27FC236}">
+                <a16:creationId xmlns:a16="http://schemas.microsoft.com/office/drawing/2014/main" id="{D1C72C52-B0BA-BEA5-D186-2D77C2C03C85}"/>
+              </a:ext>
+            </a:extLst>
+          </p:cNvPr>
+          <p:cNvSpPr txBox="1"/>
           <p:nvPr/>
-        </p:nvPicPr>
-        <p:blipFill>
-          <a:blip r:embed="rId4"/>
-          <a:stretch>
-            <a:fillRect/>
-          </a:stretch>
-        </p:blipFill>
+        </p:nvSpPr>
         <p:spPr>
           <a:xfrm>
-            <a:off x="392606" y="5040648"/>
-            <a:ext cx="11306162" cy="483086"/>
-          </a:xfrm>
-          <a:prstGeom prst="rect">
-            <a:avLst/>
-          </a:prstGeom>
-          <a:noFill/>
-          <a:ln cap="flat">
-            <a:noFill/>
-          </a:ln>
-        </p:spPr>
-      </p:pic>
-      <p:pic>
-        <p:nvPicPr>
-          <p:cNvPr id="11" name="Picture 20">
-            <a:extLst>
-              <a:ext uri="{FF2B5EF4-FFF2-40B4-BE49-F238E27FC236}">
-                <a16:creationId xmlns:a16="http://schemas.microsoft.com/office/drawing/2014/main" id="{DB6C92B8-B1E8-D832-051B-E1066316048E}"/>
-              </a:ext>
-            </a:extLst>
-          </p:cNvPr>
-          <p:cNvPicPr>
-            <a:picLocks noChangeAspect="1"/>
-          </p:cNvPicPr>
-          <p:nvPr/>
-        </p:nvPicPr>
-        <p:blipFill>
-          <a:blip r:embed="rId5"/>
-          <a:srcRect b="41651"/>
-          <a:stretch>
-            <a:fillRect/>
-          </a:stretch>
-        </p:blipFill>
-        <p:spPr>
-          <a:xfrm>
-            <a:off x="6553203" y="1105655"/>
-            <a:ext cx="5145575" cy="2920721"/>
-          </a:xfrm>
-          <a:prstGeom prst="rect">
-            <a:avLst/>
-          </a:prstGeom>
-          <a:noFill/>
-          <a:ln cap="flat">
-            <a:noFill/>
-          </a:ln>
-        </p:spPr>
-      </p:pic>
-      <p:pic>
-        <p:nvPicPr>
-          <p:cNvPr id="12" name="Picture 22">
-            <a:extLst>
-              <a:ext uri="{FF2B5EF4-FFF2-40B4-BE49-F238E27FC236}">
-                <a16:creationId xmlns:a16="http://schemas.microsoft.com/office/drawing/2014/main" id="{78AA8449-3CD4-E3A7-E87C-4FE6725E6B20}"/>
-              </a:ext>
-            </a:extLst>
-          </p:cNvPr>
-          <p:cNvPicPr>
-            <a:picLocks noChangeAspect="1"/>
-          </p:cNvPicPr>
-          <p:nvPr/>
-        </p:nvPicPr>
-        <p:blipFill>
-          <a:blip r:embed="rId6"/>
-          <a:srcRect b="47877"/>
-          <a:stretch>
-            <a:fillRect/>
-          </a:stretch>
-        </p:blipFill>
-        <p:spPr>
-          <a:xfrm>
-            <a:off x="6553203" y="4118923"/>
-            <a:ext cx="5145575" cy="743900"/>
-          </a:xfrm>
-          <a:prstGeom prst="rect">
-            <a:avLst/>
-          </a:prstGeom>
-          <a:noFill/>
-          <a:ln cap="flat">
-            <a:noFill/>
-          </a:ln>
-        </p:spPr>
-      </p:pic>
-      <p:sp>
-        <p:nvSpPr>
-          <p:cNvPr id="13" name="TextBox 10">
-            <a:extLst>
-              <a:ext uri="{FF2B5EF4-FFF2-40B4-BE49-F238E27FC236}">
-                <a16:creationId xmlns:a16="http://schemas.microsoft.com/office/drawing/2014/main" id="{4D02042D-AB77-8976-917C-BB7A95A9D4DF}"/>
-              </a:ext>
-            </a:extLst>
-          </p:cNvPr>
-          <p:cNvSpPr txBox="1"/>
-          <p:nvPr/>
-        </p:nvSpPr>
-        <p:spPr>
-          <a:xfrm>
-            <a:off x="326321" y="5523734"/>
-            <a:ext cx="11306162" cy="261609"/>
+            <a:off x="442917" y="5031436"/>
+            <a:ext cx="6188200" cy="261610"/>
           </a:xfrm>
           <a:prstGeom prst="rect">
             <a:avLst/>
@@ -24236,79 +25168,93 @@
               </a:defRPr>
             </a:pPr>
             <a:r>
-              <a:rPr lang="en-US" sz="1100" b="0" i="0" u="none" strike="noStrike" kern="1200" cap="none" spc="0" baseline="0">
+              <a:rPr lang="en-US" sz="1100" b="0" i="0" u="none" strike="noStrike" kern="1200" cap="none" spc="0" baseline="0" dirty="0">
                 <a:solidFill>
                   <a:srgbClr val="344A9A"/>
                 </a:solidFill>
                 <a:uFillTx/>
                 <a:latin typeface="Arial"/>
               </a:rPr>
-              <a:t>Screenshots taken from reticode by Prof. Dr. </a:t>
-            </a:r>
-            <a:r>
-              <a:rPr lang="en-US" sz="1100" b="0" i="0" u="none" strike="noStrike" kern="0" cap="none" spc="0" baseline="0">
+              <a:t>Fig. 1: Screenshot of running an example </a:t>
+            </a:r>
+            <a:r>
+              <a:rPr lang="en-US" sz="1100" b="0" i="0" u="none" strike="noStrike" kern="1200" cap="none" spc="0" baseline="0" dirty="0" err="1">
                 <a:solidFill>
                   <a:srgbClr val="344A9A"/>
                 </a:solidFill>
                 <a:uFillTx/>
                 <a:latin typeface="Arial"/>
               </a:rPr>
-              <a:t>Armin Biere, https://github.com/arminbiere/reticode</a:t>
-            </a:r>
-            <a:endParaRPr lang="en-US" sz="1100" b="0" i="0" u="none" strike="noStrike" kern="1200" cap="none" spc="0" baseline="0">
-              <a:solidFill>
-                <a:srgbClr val="344A9A"/>
-              </a:solidFill>
-              <a:uFillTx/>
-              <a:latin typeface="Arial"/>
-            </a:endParaRPr>
-          </a:p>
-        </p:txBody>
-      </p:sp>
-      <p:sp>
-        <p:nvSpPr>
-          <p:cNvPr id="14" name="Inhaltsplatzhalter 7">
-            <a:extLst>
-              <a:ext uri="{FF2B5EF4-FFF2-40B4-BE49-F238E27FC236}">
-                <a16:creationId xmlns:a16="http://schemas.microsoft.com/office/drawing/2014/main" id="{A5548CDD-1C38-DD8C-A08A-1337B4C59D3C}"/>
-              </a:ext>
-            </a:extLst>
-          </p:cNvPr>
-          <p:cNvSpPr txBox="1">
-            <a:spLocks noGrp="1"/>
-          </p:cNvSpPr>
-          <p:nvPr>
-            <p:ph type="body" idx="4294967295"/>
-          </p:nvPr>
-        </p:nvSpPr>
+              <a:t>ReTI</a:t>
+            </a:r>
+            <a:r>
+              <a:rPr lang="en-US" sz="1100" b="0" i="0" u="none" strike="noStrike" kern="1200" cap="none" spc="0" baseline="0" dirty="0">
+                <a:solidFill>
+                  <a:srgbClr val="344A9A"/>
+                </a:solidFill>
+                <a:uFillTx/>
+                <a:latin typeface="Arial"/>
+              </a:rPr>
+              <a:t>-Program with Emulator by Prof. Dr.  </a:t>
+            </a:r>
+            <a:r>
+              <a:rPr lang="en-US" sz="1100" dirty="0">
+                <a:solidFill>
+                  <a:srgbClr val="344A9A"/>
+                </a:solidFill>
+                <a:latin typeface="Arial"/>
+              </a:rPr>
+              <a:t>Biere </a:t>
+            </a:r>
+            <a:r>
+              <a:rPr lang="en-US" sz="1100" b="0" i="0" u="none" strike="noStrike" kern="1200" cap="none" spc="0" baseline="0" dirty="0">
+                <a:solidFill>
+                  <a:srgbClr val="344A9A"/>
+                </a:solidFill>
+                <a:uFillTx/>
+                <a:latin typeface="Arial"/>
+              </a:rPr>
+              <a:t>[1]</a:t>
+            </a:r>
+          </a:p>
+        </p:txBody>
+      </p:sp>
+      <p:pic>
+        <p:nvPicPr>
+          <p:cNvPr id="18" name="Picture 17">
+            <a:extLst>
+              <a:ext uri="{FF2B5EF4-FFF2-40B4-BE49-F238E27FC236}">
+                <a16:creationId xmlns:a16="http://schemas.microsoft.com/office/drawing/2014/main" id="{FEE79DDD-F484-A1D9-A5F0-4D3F870D4522}"/>
+              </a:ext>
+            </a:extLst>
+          </p:cNvPr>
+          <p:cNvPicPr>
+            <a:picLocks noChangeAspect="1"/>
+          </p:cNvPicPr>
+          <p:nvPr/>
+        </p:nvPicPr>
+        <p:blipFill>
+          <a:blip r:embed="rId3">
+            <a:extLst>
+              <a:ext uri="{28A0092B-C50C-407E-A947-70E740481C1C}">
+                <a14:useLocalDpi xmlns:a14="http://schemas.microsoft.com/office/drawing/2010/main" val="0"/>
+              </a:ext>
+            </a:extLst>
+          </a:blip>
+          <a:stretch>
+            <a:fillRect/>
+          </a:stretch>
+        </p:blipFill>
         <p:spPr>
           <a:xfrm>
-            <a:off x="442917" y="5887172"/>
-            <a:ext cx="11099819" cy="387248"/>
+            <a:off x="442917" y="1128050"/>
+            <a:ext cx="10738483" cy="3881788"/>
           </a:xfrm>
+          <a:prstGeom prst="rect">
+            <a:avLst/>
+          </a:prstGeom>
         </p:spPr>
-        <p:txBody>
-          <a:bodyPr/>
-          <a:lstStyle/>
-          <a:p>
-            <a:pPr marL="0" lvl="0" indent="0">
-              <a:buNone/>
-            </a:pPr>
-            <a:r>
-              <a:rPr lang="en-US" b="1" dirty="0">
-                <a:solidFill>
-                  <a:srgbClr val="344A9A"/>
-                </a:solidFill>
-              </a:rPr>
-              <a:t>Goal: </a:t>
-            </a:r>
-            <a:r>
-              <a:rPr lang="en-US" dirty="0"/>
-              <a:t>Improve accessibility and responsiveness to provide a better educational experience.</a:t>
-            </a:r>
-          </a:p>
-        </p:txBody>
-      </p:sp>
+      </p:pic>
     </p:spTree>
   </p:cSld>
   <p:clrMapOvr>
@@ -24412,7 +25358,7 @@
                   <a:uFillTx/>
                 </a:defRPr>
               </a:pPr>
-              <a:t>July 10, 2025</a:t>
+              <a:t>July 12, 2025</a:t>
             </a:fld>
             <a:endParaRPr lang="en-US" sz="900" b="0" i="0" u="none" strike="noStrike" kern="1200" cap="none" spc="0" baseline="0">
               <a:solidFill>
@@ -24577,8 +25523,8 @@
         </p:blipFill>
         <p:spPr>
           <a:xfrm>
-            <a:off x="6096003" y="1568470"/>
-            <a:ext cx="5508007" cy="3428241"/>
+            <a:off x="4112979" y="1606858"/>
+            <a:ext cx="5855114" cy="3644284"/>
           </a:xfrm>
           <a:prstGeom prst="rect">
             <a:avLst/>
@@ -24603,8 +25549,147 @@
         </p:nvSpPr>
         <p:spPr>
           <a:xfrm>
-            <a:off x="6096003" y="4978514"/>
-            <a:ext cx="5208340" cy="430883"/>
+            <a:off x="4112979" y="5251146"/>
+            <a:ext cx="5855114" cy="261610"/>
+          </a:xfrm>
+          <a:prstGeom prst="rect">
+            <a:avLst/>
+          </a:prstGeom>
+          <a:noFill/>
+          <a:ln cap="flat">
+            <a:noFill/>
+          </a:ln>
+        </p:spPr>
+        <p:txBody>
+          <a:bodyPr vert="horz" wrap="square" lIns="91440" tIns="45720" rIns="91440" bIns="45720" anchor="t" anchorCtr="0" compatLnSpc="1">
+            <a:spAutoFit/>
+          </a:bodyPr>
+          <a:lstStyle/>
+          <a:p>
+            <a:pPr lvl="0">
+              <a:defRPr sz="1800" b="0" i="0" u="none" strike="noStrike" kern="0" cap="none" spc="0" baseline="0">
+                <a:solidFill>
+                  <a:srgbClr val="000000"/>
+                </a:solidFill>
+                <a:uFillTx/>
+              </a:defRPr>
+            </a:pPr>
+            <a:r>
+              <a:rPr lang="en-US" sz="1100" b="0" i="0" u="none" strike="noStrike" kern="1200" cap="none" spc="0" baseline="0" dirty="0">
+                <a:solidFill>
+                  <a:srgbClr val="344A9A"/>
+                </a:solidFill>
+                <a:uFillTx/>
+                <a:latin typeface="Arial"/>
+              </a:rPr>
+              <a:t>Fig 3</a:t>
+            </a:r>
+            <a:r>
+              <a:rPr lang="en-US" sz="1100" dirty="0">
+                <a:solidFill>
+                  <a:srgbClr val="344A9A"/>
+                </a:solidFill>
+                <a:latin typeface="Arial"/>
+              </a:rPr>
+              <a:t>: </a:t>
+            </a:r>
+            <a:r>
+              <a:rPr lang="en-US" sz="1100" dirty="0" err="1">
+                <a:solidFill>
+                  <a:srgbClr val="344A9A"/>
+                </a:solidFill>
+                <a:latin typeface="Arial"/>
+              </a:rPr>
+              <a:t>ReTI</a:t>
+            </a:r>
+            <a:r>
+              <a:rPr lang="en-US" sz="1100" dirty="0">
+                <a:solidFill>
+                  <a:srgbClr val="344A9A"/>
+                </a:solidFill>
+                <a:latin typeface="Arial"/>
+              </a:rPr>
+              <a:t> </a:t>
+            </a:r>
+            <a:r>
+              <a:rPr lang="en-US" sz="1100" b="0" i="0" u="none" strike="noStrike" kern="1200" cap="none" spc="0" baseline="0" dirty="0">
+                <a:solidFill>
+                  <a:srgbClr val="344A9A"/>
+                </a:solidFill>
+                <a:uFillTx/>
+                <a:latin typeface="Arial"/>
+              </a:rPr>
+              <a:t>architecture </a:t>
+            </a:r>
+            <a:r>
+              <a:rPr lang="en-US" sz="1100" dirty="0">
+                <a:solidFill>
+                  <a:srgbClr val="344A9A"/>
+                </a:solidFill>
+              </a:rPr>
+              <a:t>[2]</a:t>
+            </a:r>
+            <a:endParaRPr lang="en-US" sz="1100" b="0" i="0" u="none" strike="noStrike" kern="1200" cap="none" spc="0" baseline="0" dirty="0">
+              <a:solidFill>
+                <a:srgbClr val="344A9A"/>
+              </a:solidFill>
+              <a:uFillTx/>
+              <a:latin typeface="Arial"/>
+            </a:endParaRPr>
+          </a:p>
+        </p:txBody>
+      </p:sp>
+      <p:pic>
+        <p:nvPicPr>
+          <p:cNvPr id="7" name="Picture 9">
+            <a:extLst>
+              <a:ext uri="{FF2B5EF4-FFF2-40B4-BE49-F238E27FC236}">
+                <a16:creationId xmlns:a16="http://schemas.microsoft.com/office/drawing/2014/main" id="{D61DA702-66A8-0B6B-6AE0-83CEAC797D36}"/>
+              </a:ext>
+            </a:extLst>
+          </p:cNvPr>
+          <p:cNvPicPr>
+            <a:picLocks noChangeAspect="1"/>
+          </p:cNvPicPr>
+          <p:nvPr/>
+        </p:nvPicPr>
+        <p:blipFill>
+          <a:blip r:embed="rId4"/>
+          <a:srcRect t="44639" r="77800" b="4607"/>
+          <a:stretch>
+            <a:fillRect/>
+          </a:stretch>
+        </p:blipFill>
+        <p:spPr>
+          <a:xfrm>
+            <a:off x="1282824" y="1758538"/>
+            <a:ext cx="1882165" cy="3340923"/>
+          </a:xfrm>
+          <a:prstGeom prst="rect">
+            <a:avLst/>
+          </a:prstGeom>
+          <a:noFill/>
+          <a:ln cap="flat">
+            <a:noFill/>
+          </a:ln>
+        </p:spPr>
+      </p:pic>
+      <p:sp>
+        <p:nvSpPr>
+          <p:cNvPr id="8" name="TextBox 10">
+            <a:extLst>
+              <a:ext uri="{FF2B5EF4-FFF2-40B4-BE49-F238E27FC236}">
+                <a16:creationId xmlns:a16="http://schemas.microsoft.com/office/drawing/2014/main" id="{FC4812B1-907C-6185-B019-9F5279579CFB}"/>
+              </a:ext>
+            </a:extLst>
+          </p:cNvPr>
+          <p:cNvSpPr txBox="1"/>
+          <p:nvPr/>
+        </p:nvSpPr>
+        <p:spPr>
+          <a:xfrm>
+            <a:off x="600907" y="5251142"/>
+            <a:ext cx="3245998" cy="430887"/>
           </a:xfrm>
           <a:prstGeom prst="rect">
             <a:avLst/>
@@ -24640,142 +25725,34 @@
               </a:defRPr>
             </a:pPr>
             <a:r>
-              <a:rPr lang="en-US" sz="1100" b="0" i="0" u="none" strike="noStrike" kern="1200" cap="none" spc="0" baseline="0">
+              <a:rPr lang="en-US" sz="1100" b="0" i="0" u="none" strike="noStrike" kern="1200" cap="none" spc="0" baseline="0" dirty="0">
                 <a:solidFill>
                   <a:srgbClr val="344A9A"/>
                 </a:solidFill>
                 <a:uFillTx/>
                 <a:latin typeface="Arial"/>
               </a:rPr>
-              <a:t>Source: Technische Informatik – Kapitel 2 – Kodierung, </a:t>
-            </a:r>
-          </a:p>
-          <a:p>
-            <a:pPr marL="0" marR="0" lvl="0" indent="0" algn="l" defTabSz="914400" rtl="0" fontAlgn="auto" hangingPunct="1">
-              <a:lnSpc>
-                <a:spcPct val="100000"/>
-              </a:lnSpc>
-              <a:spcBef>
-                <a:spcPts val="0"/>
-              </a:spcBef>
-              <a:spcAft>
-                <a:spcPts val="0"/>
-              </a:spcAft>
-              <a:buNone/>
-              <a:tabLst/>
-              <a:defRPr sz="1800" b="0" i="0" u="none" strike="noStrike" kern="0" cap="none" spc="0" baseline="0">
-                <a:solidFill>
-                  <a:srgbClr val="000000"/>
-                </a:solidFill>
-                <a:uFillTx/>
-              </a:defRPr>
-            </a:pPr>
-            <a:r>
-              <a:rPr lang="en-US" sz="1100" b="0" i="0" u="none" strike="noStrike" kern="1200" cap="none" spc="0" baseline="0">
+              <a:t>Fig: 2 Excerpt of a </a:t>
+            </a:r>
+            <a:r>
+              <a:rPr lang="en-US" sz="1100" b="0" i="0" u="none" strike="noStrike" kern="1200" cap="none" spc="0" baseline="0" dirty="0" err="1">
                 <a:solidFill>
                   <a:srgbClr val="344A9A"/>
                 </a:solidFill>
                 <a:uFillTx/>
                 <a:latin typeface="Arial"/>
               </a:rPr>
-              <a:t>Prof. Dr. Armin Biere, University of Freiburg, SS 2024</a:t>
-            </a:r>
-          </a:p>
-        </p:txBody>
-      </p:sp>
-      <p:pic>
-        <p:nvPicPr>
-          <p:cNvPr id="7" name="Picture 9">
-            <a:extLst>
-              <a:ext uri="{FF2B5EF4-FFF2-40B4-BE49-F238E27FC236}">
-                <a16:creationId xmlns:a16="http://schemas.microsoft.com/office/drawing/2014/main" id="{D61DA702-66A8-0B6B-6AE0-83CEAC797D36}"/>
-              </a:ext>
-            </a:extLst>
-          </p:cNvPr>
-          <p:cNvPicPr>
-            <a:picLocks noChangeAspect="1"/>
-          </p:cNvPicPr>
-          <p:nvPr/>
-        </p:nvPicPr>
-        <p:blipFill>
-          <a:blip r:embed="rId4"/>
-          <a:stretch>
-            <a:fillRect/>
-          </a:stretch>
-        </p:blipFill>
-        <p:spPr>
-          <a:xfrm>
-            <a:off x="585462" y="1316324"/>
-            <a:ext cx="5092732" cy="3954176"/>
-          </a:xfrm>
-          <a:prstGeom prst="rect">
-            <a:avLst/>
-          </a:prstGeom>
-          <a:noFill/>
-          <a:ln cap="flat">
-            <a:noFill/>
-          </a:ln>
-        </p:spPr>
-      </p:pic>
-      <p:sp>
-        <p:nvSpPr>
-          <p:cNvPr id="8" name="TextBox 10">
-            <a:extLst>
-              <a:ext uri="{FF2B5EF4-FFF2-40B4-BE49-F238E27FC236}">
-                <a16:creationId xmlns:a16="http://schemas.microsoft.com/office/drawing/2014/main" id="{FC4812B1-907C-6185-B019-9F5279579CFB}"/>
-              </a:ext>
-            </a:extLst>
-          </p:cNvPr>
-          <p:cNvSpPr txBox="1"/>
-          <p:nvPr/>
-        </p:nvSpPr>
-        <p:spPr>
-          <a:xfrm>
-            <a:off x="585462" y="5270501"/>
-            <a:ext cx="5208340" cy="261609"/>
-          </a:xfrm>
-          <a:prstGeom prst="rect">
-            <a:avLst/>
-          </a:prstGeom>
-          <a:noFill/>
-          <a:ln cap="flat">
-            <a:noFill/>
-          </a:ln>
-        </p:spPr>
-        <p:txBody>
-          <a:bodyPr vert="horz" wrap="square" lIns="91440" tIns="45720" rIns="91440" bIns="45720" anchor="t" anchorCtr="0" compatLnSpc="1">
-            <a:spAutoFit/>
-          </a:bodyPr>
-          <a:lstStyle/>
-          <a:p>
-            <a:pPr marL="0" marR="0" lvl="0" indent="0" algn="l" defTabSz="914400" rtl="0" fontAlgn="auto" hangingPunct="1">
-              <a:lnSpc>
-                <a:spcPct val="100000"/>
-              </a:lnSpc>
-              <a:spcBef>
-                <a:spcPts val="0"/>
-              </a:spcBef>
-              <a:spcAft>
-                <a:spcPts val="0"/>
-              </a:spcAft>
-              <a:buNone/>
-              <a:tabLst/>
-              <a:defRPr sz="1800" b="0" i="0" u="none" strike="noStrike" kern="0" cap="none" spc="0" baseline="0">
-                <a:solidFill>
-                  <a:srgbClr val="000000"/>
-                </a:solidFill>
-                <a:uFillTx/>
-              </a:defRPr>
-            </a:pPr>
-            <a:r>
-              <a:rPr lang="en-US" sz="1100" b="0" i="0" u="none" strike="noStrike" kern="1200" cap="none" spc="0" baseline="0">
+              <a:t>ReTI</a:t>
+            </a:r>
+            <a:r>
+              <a:rPr lang="en-US" sz="1100" b="0" i="0" u="none" strike="noStrike" kern="1200" cap="none" spc="0" baseline="0" dirty="0">
                 <a:solidFill>
                   <a:srgbClr val="344A9A"/>
                 </a:solidFill>
                 <a:uFillTx/>
                 <a:latin typeface="Arial"/>
               </a:rPr>
-              <a:t>ReTI example program that calculates the Fibonacci number of 5</a:t>
+              <a:t> example program that calculates the Fibonacci number of 5</a:t>
             </a:r>
           </a:p>
         </p:txBody>
@@ -24923,7 +25900,7 @@
                 <a:latin typeface="Arial" pitchFamily="34"/>
                 <a:cs typeface="Arial" pitchFamily="34"/>
               </a:rPr>
-              <a:t>Improving current features:</a:t>
+              <a:t>Build upon current features:</a:t>
             </a:r>
           </a:p>
         </p:txBody>
@@ -25048,7 +26025,7 @@
                   <a:uFillTx/>
                 </a:defRPr>
               </a:pPr>
-              <a:t>10. Juli 2025</a:t>
+              <a:t>13. Juli 2025</a:t>
             </a:fld>
             <a:endParaRPr lang="de-DE" sz="900" b="0" i="0" u="none" strike="noStrike" kern="1200" cap="none" spc="0" baseline="0">
               <a:solidFill>
@@ -25208,7 +26185,7 @@
         </p:nvSpPr>
         <p:spPr>
           <a:xfrm>
-            <a:off x="442907" y="2528892"/>
+            <a:off x="443584" y="2364432"/>
             <a:ext cx="5399998" cy="3671882"/>
           </a:xfrm>
         </p:spPr>
@@ -25228,11 +26205,46 @@
               </a:rPr>
               <a:t>Quiz: </a:t>
             </a:r>
+          </a:p>
+          <a:p>
             <a:r>
               <a:rPr lang="en-US" dirty="0">
                 <a:latin typeface="Calibri"/>
               </a:rPr>
-              <a:t>Implement as a Website</a:t>
+              <a:t>Rebuild a Website for the Quiz</a:t>
+            </a:r>
+          </a:p>
+          <a:p>
+            <a:r>
+              <a:rPr lang="en-US" dirty="0">
+                <a:solidFill>
+                  <a:schemeClr val="tx1"/>
+                </a:solidFill>
+                <a:latin typeface="Calibri"/>
+              </a:rPr>
+              <a:t>Add Explanation to Result for each Question</a:t>
+            </a:r>
+          </a:p>
+          <a:p>
+            <a:pPr marL="0" lvl="0" indent="0">
+              <a:buNone/>
+            </a:pPr>
+            <a:r>
+              <a:rPr lang="en-US" b="1" dirty="0">
+                <a:solidFill>
+                  <a:srgbClr val="344A9A"/>
+                </a:solidFill>
+                <a:latin typeface="Calibri"/>
+              </a:rPr>
+              <a:t>Implement as VS Code Extension: </a:t>
+            </a:r>
+          </a:p>
+          <a:p>
+            <a:r>
+              <a:rPr lang="en-US" dirty="0">
+                <a:latin typeface="Calibri"/>
+              </a:rPr>
+              <a:t>VS Code Extension API</a:t>
             </a:r>
             <a:endParaRPr lang="en-US" b="1" dirty="0">
               <a:solidFill>
@@ -25242,20 +26254,6 @@
             </a:endParaRPr>
           </a:p>
           <a:p>
-            <a:pPr marL="0" lvl="0" indent="0">
-              <a:buNone/>
-            </a:pPr>
-            <a:r>
-              <a:rPr lang="en-US" b="1" dirty="0">
-                <a:solidFill>
-                  <a:srgbClr val="344A9A"/>
-                </a:solidFill>
-                <a:latin typeface="Calibri"/>
-              </a:rPr>
-              <a:t>Implement as VS Code Extension: </a:t>
-            </a:r>
-          </a:p>
-          <a:p>
             <a:pPr lvl="0"/>
             <a:r>
               <a:rPr lang="en-US" dirty="0">
@@ -25305,15 +26303,6 @@
                 <a:latin typeface="Calibri"/>
               </a:rPr>
               <a:t>Integrate Emulator, Assembler, Disassembler</a:t>
-            </a:r>
-          </a:p>
-          <a:p>
-            <a:pPr lvl="0"/>
-            <a:r>
-              <a:rPr lang="en-US" dirty="0">
-                <a:latin typeface="Calibri"/>
-              </a:rPr>
-              <a:t>VS Code Extension API</a:t>
             </a:r>
           </a:p>
         </p:txBody>
@@ -25344,7 +26333,9 @@
           <a:bodyPr/>
           <a:lstStyle/>
           <a:p>
-            <a:pPr lvl="0"/>
+            <a:pPr marL="0" lvl="0" indent="0">
+              <a:buNone/>
+            </a:pPr>
             <a:r>
               <a:rPr lang="en-US" b="1" dirty="0">
                 <a:solidFill>
@@ -25392,7 +26383,9 @@
             </a:r>
           </a:p>
           <a:p>
-            <a:pPr lvl="0"/>
+            <a:pPr marL="0" lvl="0" indent="0">
+              <a:buNone/>
+            </a:pPr>
             <a:r>
               <a:rPr lang="en-US" b="1" dirty="0">
                 <a:solidFill>
@@ -25424,7 +26417,51 @@
                 </a:solidFill>
                 <a:latin typeface="Calibri"/>
               </a:rPr>
-              <a:t>Microsoft Language-Server-Plan</a:t>
+              <a:t>Microsoft Language-Server-Protocol</a:t>
+            </a:r>
+          </a:p>
+        </p:txBody>
+      </p:sp>
+      <p:sp>
+        <p:nvSpPr>
+          <p:cNvPr id="10" name="Inhaltsplatzhalter 7">
+            <a:extLst>
+              <a:ext uri="{FF2B5EF4-FFF2-40B4-BE49-F238E27FC236}">
+                <a16:creationId xmlns:a16="http://schemas.microsoft.com/office/drawing/2014/main" id="{44C44E7E-541C-6F3A-5C70-5ACB9F621516}"/>
+              </a:ext>
+            </a:extLst>
+          </p:cNvPr>
+          <p:cNvSpPr txBox="1">
+            <a:spLocks noGrp="1"/>
+          </p:cNvSpPr>
+          <p:nvPr>
+            <p:ph type="body" idx="4294967295"/>
+          </p:nvPr>
+        </p:nvSpPr>
+        <p:spPr>
+          <a:xfrm>
+            <a:off x="442907" y="1363223"/>
+            <a:ext cx="11099819" cy="387248"/>
+          </a:xfrm>
+        </p:spPr>
+        <p:txBody>
+          <a:bodyPr/>
+          <a:lstStyle/>
+          <a:p>
+            <a:pPr marL="0" lvl="0" indent="0">
+              <a:buNone/>
+            </a:pPr>
+            <a:r>
+              <a:rPr lang="en-US" b="1" dirty="0">
+                <a:solidFill>
+                  <a:srgbClr val="344A9A"/>
+                </a:solidFill>
+              </a:rPr>
+              <a:t>Goal: </a:t>
+            </a:r>
+            <a:r>
+              <a:rPr lang="en-US" dirty="0"/>
+              <a:t>Improve accessibility and responsiveness to provide a better educational experience.</a:t>
             </a:r>
           </a:p>
         </p:txBody>
@@ -25762,9 +26799,9 @@
                                           </p:stCondLst>
                                         </p:cTn>
                                         <p:tgtEl>
-                                          <p:spTgt spid="4">
+                                          <p:spTgt spid="8">
                                             <p:txEl>
-                                              <p:pRg st="0" end="0"/>
+                                              <p:pRg st="6" end="6"/>
                                             </p:txEl>
                                           </p:spTgt>
                                         </p:tgtEl>
@@ -25811,102 +26848,9 @@
                                           </p:stCondLst>
                                         </p:cTn>
                                         <p:tgtEl>
-                                          <p:spTgt spid="9">
+                                          <p:spTgt spid="8">
                                             <p:txEl>
-                                              <p:pRg st="0" end="0"/>
-                                            </p:txEl>
-                                          </p:spTgt>
-                                        </p:tgtEl>
-                                        <p:attrNameLst>
-                                          <p:attrName>style.visibility</p:attrName>
-                                        </p:attrNameLst>
-                                      </p:cBhvr>
-                                      <p:to>
-                                        <p:strVal val="visible"/>
-                                      </p:to>
-                                    </p:set>
-                                  </p:childTnLst>
-                                </p:cTn>
-                              </p:par>
-                              <p:par>
-                                <p:cTn id="35" presetID="1" presetClass="entr" presetSubtype="0" fill="hold" grpId="0" nodeType="withEffect">
-                                  <p:stCondLst>
-                                    <p:cond delay="0"/>
-                                  </p:stCondLst>
-                                  <p:childTnLst>
-                                    <p:set>
-                                      <p:cBhvr>
-                                        <p:cTn id="36" dur="1" fill="hold">
-                                          <p:stCondLst>
-                                            <p:cond delay="0"/>
-                                          </p:stCondLst>
-                                        </p:cTn>
-                                        <p:tgtEl>
-                                          <p:spTgt spid="9">
-                                            <p:txEl>
-                                              <p:pRg st="1" end="1"/>
-                                            </p:txEl>
-                                          </p:spTgt>
-                                        </p:tgtEl>
-                                        <p:attrNameLst>
-                                          <p:attrName>style.visibility</p:attrName>
-                                        </p:attrNameLst>
-                                      </p:cBhvr>
-                                      <p:to>
-                                        <p:strVal val="visible"/>
-                                      </p:to>
-                                    </p:set>
-                                  </p:childTnLst>
-                                </p:cTn>
-                              </p:par>
-                              <p:par>
-                                <p:cTn id="37" presetID="1" presetClass="entr" presetSubtype="0" fill="hold" grpId="0" nodeType="withEffect">
-                                  <p:stCondLst>
-                                    <p:cond delay="0"/>
-                                  </p:stCondLst>
-                                  <p:childTnLst>
-                                    <p:set>
-                                      <p:cBhvr>
-                                        <p:cTn id="38" dur="1" fill="hold">
-                                          <p:stCondLst>
-                                            <p:cond delay="0"/>
-                                          </p:stCondLst>
-                                        </p:cTn>
-                                        <p:tgtEl>
-                                          <p:spTgt spid="9">
-                                            <p:txEl>
-                                              <p:pRg st="2" end="2"/>
-                                            </p:txEl>
-                                          </p:spTgt>
-                                        </p:tgtEl>
-                                        <p:attrNameLst>
-                                          <p:attrName>style.visibility</p:attrName>
-                                        </p:attrNameLst>
-                                      </p:cBhvr>
-                                      <p:to>
-                                        <p:strVal val="visible"/>
-                                      </p:to>
-                                    </p:set>
-                                  </p:childTnLst>
-                                </p:cTn>
-                              </p:par>
-                              <p:par>
-                                <p:cTn id="39" presetID="1" presetClass="entr" presetSubtype="0" fill="hold" grpId="0" nodeType="withEffect">
-                                  <p:stCondLst>
-                                    <p:cond delay="0"/>
-                                  </p:stCondLst>
-                                  <p:childTnLst>
-                                    <p:set>
-                                      <p:cBhvr>
-                                        <p:cTn id="40" dur="1" fill="hold">
-                                          <p:stCondLst>
-                                            <p:cond delay="0"/>
-                                          </p:stCondLst>
-                                        </p:cTn>
-                                        <p:tgtEl>
-                                          <p:spTgt spid="9">
-                                            <p:txEl>
-                                              <p:pRg st="3" end="3"/>
+                                              <p:pRg st="7" end="7"/>
                                             </p:txEl>
                                           </p:spTgt>
                                         </p:tgtEl>
@@ -25928,19 +26872,99 @@
                     </p:cTn>
                   </p:par>
                   <p:par>
-                    <p:cTn id="41" fill="hold">
+                    <p:cTn id="35" fill="hold">
                       <p:stCondLst>
                         <p:cond delay="indefinite"/>
                       </p:stCondLst>
                       <p:childTnLst>
                         <p:par>
-                          <p:cTn id="42" fill="hold">
+                          <p:cTn id="36" fill="hold">
                             <p:stCondLst>
                               <p:cond delay="0"/>
                             </p:stCondLst>
                             <p:childTnLst>
                               <p:par>
-                                <p:cTn id="43" presetID="1" presetClass="entr" presetSubtype="0" fill="hold" grpId="0" nodeType="clickEffect">
+                                <p:cTn id="37" presetID="1" presetClass="entr" presetSubtype="0" fill="hold" grpId="0" nodeType="clickEffect">
+                                  <p:stCondLst>
+                                    <p:cond delay="0"/>
+                                  </p:stCondLst>
+                                  <p:childTnLst>
+                                    <p:set>
+                                      <p:cBhvr>
+                                        <p:cTn id="38" dur="1" fill="hold">
+                                          <p:stCondLst>
+                                            <p:cond delay="0"/>
+                                          </p:stCondLst>
+                                        </p:cTn>
+                                        <p:tgtEl>
+                                          <p:spTgt spid="4">
+                                            <p:txEl>
+                                              <p:pRg st="0" end="0"/>
+                                            </p:txEl>
+                                          </p:spTgt>
+                                        </p:tgtEl>
+                                        <p:attrNameLst>
+                                          <p:attrName>style.visibility</p:attrName>
+                                        </p:attrNameLst>
+                                      </p:cBhvr>
+                                      <p:to>
+                                        <p:strVal val="visible"/>
+                                      </p:to>
+                                    </p:set>
+                                  </p:childTnLst>
+                                </p:cTn>
+                              </p:par>
+                            </p:childTnLst>
+                          </p:cTn>
+                        </p:par>
+                      </p:childTnLst>
+                    </p:cTn>
+                  </p:par>
+                  <p:par>
+                    <p:cTn id="39" fill="hold">
+                      <p:stCondLst>
+                        <p:cond delay="indefinite"/>
+                      </p:stCondLst>
+                      <p:childTnLst>
+                        <p:par>
+                          <p:cTn id="40" fill="hold">
+                            <p:stCondLst>
+                              <p:cond delay="0"/>
+                            </p:stCondLst>
+                            <p:childTnLst>
+                              <p:par>
+                                <p:cTn id="41" presetID="1" presetClass="entr" presetSubtype="0" fill="hold" grpId="0" nodeType="clickEffect">
+                                  <p:stCondLst>
+                                    <p:cond delay="0"/>
+                                  </p:stCondLst>
+                                  <p:childTnLst>
+                                    <p:set>
+                                      <p:cBhvr>
+                                        <p:cTn id="42" dur="1" fill="hold">
+                                          <p:stCondLst>
+                                            <p:cond delay="0"/>
+                                          </p:stCondLst>
+                                        </p:cTn>
+                                        <p:tgtEl>
+                                          <p:spTgt spid="9">
+                                            <p:txEl>
+                                              <p:pRg st="0" end="0"/>
+                                            </p:txEl>
+                                          </p:spTgt>
+                                        </p:tgtEl>
+                                        <p:attrNameLst>
+                                          <p:attrName>style.visibility</p:attrName>
+                                        </p:attrNameLst>
+                                      </p:cBhvr>
+                                      <p:to>
+                                        <p:strVal val="visible"/>
+                                      </p:to>
+                                    </p:set>
+                                  </p:childTnLst>
+                                </p:cTn>
+                              </p:par>
+                              <p:par>
+                                <p:cTn id="43" presetID="1" presetClass="entr" presetSubtype="0" fill="hold" grpId="0" nodeType="withEffect">
                                   <p:stCondLst>
                                     <p:cond delay="0"/>
                                   </p:stCondLst>
@@ -25955,7 +26979,7 @@
                                         <p:tgtEl>
                                           <p:spTgt spid="9">
                                             <p:txEl>
-                                              <p:pRg st="4" end="4"/>
+                                              <p:pRg st="1" end="1"/>
                                             </p:txEl>
                                           </p:spTgt>
                                         </p:tgtEl>
@@ -25986,7 +27010,7 @@
                                         <p:tgtEl>
                                           <p:spTgt spid="9">
                                             <p:txEl>
-                                              <p:pRg st="5" end="5"/>
+                                              <p:pRg st="2" end="2"/>
                                             </p:txEl>
                                           </p:spTgt>
                                         </p:tgtEl>
@@ -26010,6 +27034,117 @@
                                     <p:set>
                                       <p:cBhvr>
                                         <p:cTn id="48" dur="1" fill="hold">
+                                          <p:stCondLst>
+                                            <p:cond delay="0"/>
+                                          </p:stCondLst>
+                                        </p:cTn>
+                                        <p:tgtEl>
+                                          <p:spTgt spid="9">
+                                            <p:txEl>
+                                              <p:pRg st="3" end="3"/>
+                                            </p:txEl>
+                                          </p:spTgt>
+                                        </p:tgtEl>
+                                        <p:attrNameLst>
+                                          <p:attrName>style.visibility</p:attrName>
+                                        </p:attrNameLst>
+                                      </p:cBhvr>
+                                      <p:to>
+                                        <p:strVal val="visible"/>
+                                      </p:to>
+                                    </p:set>
+                                  </p:childTnLst>
+                                </p:cTn>
+                              </p:par>
+                            </p:childTnLst>
+                          </p:cTn>
+                        </p:par>
+                      </p:childTnLst>
+                    </p:cTn>
+                  </p:par>
+                  <p:par>
+                    <p:cTn id="49" fill="hold">
+                      <p:stCondLst>
+                        <p:cond delay="indefinite"/>
+                      </p:stCondLst>
+                      <p:childTnLst>
+                        <p:par>
+                          <p:cTn id="50" fill="hold">
+                            <p:stCondLst>
+                              <p:cond delay="0"/>
+                            </p:stCondLst>
+                            <p:childTnLst>
+                              <p:par>
+                                <p:cTn id="51" presetID="1" presetClass="entr" presetSubtype="0" fill="hold" grpId="0" nodeType="clickEffect">
+                                  <p:stCondLst>
+                                    <p:cond delay="0"/>
+                                  </p:stCondLst>
+                                  <p:childTnLst>
+                                    <p:set>
+                                      <p:cBhvr>
+                                        <p:cTn id="52" dur="1" fill="hold">
+                                          <p:stCondLst>
+                                            <p:cond delay="0"/>
+                                          </p:stCondLst>
+                                        </p:cTn>
+                                        <p:tgtEl>
+                                          <p:spTgt spid="9">
+                                            <p:txEl>
+                                              <p:pRg st="4" end="4"/>
+                                            </p:txEl>
+                                          </p:spTgt>
+                                        </p:tgtEl>
+                                        <p:attrNameLst>
+                                          <p:attrName>style.visibility</p:attrName>
+                                        </p:attrNameLst>
+                                      </p:cBhvr>
+                                      <p:to>
+                                        <p:strVal val="visible"/>
+                                      </p:to>
+                                    </p:set>
+                                  </p:childTnLst>
+                                </p:cTn>
+                              </p:par>
+                              <p:par>
+                                <p:cTn id="53" presetID="1" presetClass="entr" presetSubtype="0" fill="hold" grpId="0" nodeType="withEffect">
+                                  <p:stCondLst>
+                                    <p:cond delay="0"/>
+                                  </p:stCondLst>
+                                  <p:childTnLst>
+                                    <p:set>
+                                      <p:cBhvr>
+                                        <p:cTn id="54" dur="1" fill="hold">
+                                          <p:stCondLst>
+                                            <p:cond delay="0"/>
+                                          </p:stCondLst>
+                                        </p:cTn>
+                                        <p:tgtEl>
+                                          <p:spTgt spid="9">
+                                            <p:txEl>
+                                              <p:pRg st="5" end="5"/>
+                                            </p:txEl>
+                                          </p:spTgt>
+                                        </p:tgtEl>
+                                        <p:attrNameLst>
+                                          <p:attrName>style.visibility</p:attrName>
+                                        </p:attrNameLst>
+                                      </p:cBhvr>
+                                      <p:to>
+                                        <p:strVal val="visible"/>
+                                      </p:to>
+                                    </p:set>
+                                  </p:childTnLst>
+                                </p:cTn>
+                              </p:par>
+                              <p:par>
+                                <p:cTn id="55" presetID="1" presetClass="entr" presetSubtype="0" fill="hold" grpId="0" nodeType="withEffect">
+                                  <p:stCondLst>
+                                    <p:cond delay="0"/>
+                                  </p:stCondLst>
+                                  <p:childTnLst>
+                                    <p:set>
+                                      <p:cBhvr>
+                                        <p:cTn id="56" dur="1" fill="hold">
                                           <p:stCondLst>
                                             <p:cond delay="0"/>
                                           </p:stCondLst>
@@ -26121,12 +27256,20 @@
               <a:rPr lang="de-DE" dirty="0"/>
             </a:br>
             <a:r>
+              <a:rPr lang="de-DE" dirty="0">
+                <a:solidFill>
+                  <a:srgbClr val="000000"/>
+                </a:solidFill>
+              </a:rPr>
+              <a:t>Integration </a:t>
+            </a:r>
+            <a:r>
               <a:rPr lang="de-DE" dirty="0" err="1">
                 <a:solidFill>
                   <a:srgbClr val="000000"/>
                 </a:solidFill>
               </a:rPr>
-              <a:t>Improvement</a:t>
+              <a:t>of</a:t>
             </a:r>
             <a:r>
               <a:rPr lang="de-DE" dirty="0">
@@ -26134,23 +27277,7 @@
                   <a:srgbClr val="000000"/>
                 </a:solidFill>
               </a:rPr>
-              <a:t> on </a:t>
-            </a:r>
-            <a:r>
-              <a:rPr lang="de-DE" dirty="0" err="1">
-                <a:solidFill>
-                  <a:srgbClr val="000000"/>
-                </a:solidFill>
-              </a:rPr>
-              <a:t>Existing</a:t>
-            </a:r>
-            <a:r>
-              <a:rPr lang="de-DE" dirty="0">
-                <a:solidFill>
-                  <a:srgbClr val="000000"/>
-                </a:solidFill>
-              </a:rPr>
-              <a:t> Features</a:t>
+              <a:t> Old Features</a:t>
             </a:r>
           </a:p>
         </p:txBody>
@@ -26233,7 +27360,7 @@
                   <a:uFillTx/>
                 </a:defRPr>
               </a:pPr>
-              <a:t>10. Juli 2025</a:t>
+              <a:t>12. Juli 2025</a:t>
             </a:fld>
             <a:endParaRPr lang="de-DE" sz="900" b="0" i="0" u="none" strike="noStrike" kern="1200" cap="none" spc="0" baseline="0">
               <a:solidFill>
@@ -26384,10 +27511,10 @@
       </p:sp>
       <p:pic>
         <p:nvPicPr>
-          <p:cNvPr id="8" name="Picture 14">
-            <a:extLst>
-              <a:ext uri="{FF2B5EF4-FFF2-40B4-BE49-F238E27FC236}">
-                <a16:creationId xmlns:a16="http://schemas.microsoft.com/office/drawing/2014/main" id="{90EF720E-DA46-0E49-8C31-A349692CC015}"/>
+          <p:cNvPr id="12" name="Picture 11">
+            <a:extLst>
+              <a:ext uri="{FF2B5EF4-FFF2-40B4-BE49-F238E27FC236}">
+                <a16:creationId xmlns:a16="http://schemas.microsoft.com/office/drawing/2014/main" id="{8CE50BAE-EAB2-1F24-604D-E5A278151641}"/>
               </a:ext>
             </a:extLst>
           </p:cNvPr>
@@ -26398,14 +27525,37 @@
         </p:nvPicPr>
         <p:blipFill>
           <a:blip r:embed="rId3"/>
+          <a:srcRect t="3099" r="64841" b="38595"/>
           <a:stretch>
             <a:fillRect/>
           </a:stretch>
         </p:blipFill>
         <p:spPr>
           <a:xfrm>
-            <a:off x="942536" y="1400134"/>
-            <a:ext cx="3331839" cy="964482"/>
+            <a:off x="9603790" y="1353377"/>
+            <a:ext cx="1942485" cy="4557649"/>
+          </a:xfrm>
+          <a:prstGeom prst="rect">
+            <a:avLst/>
+          </a:prstGeom>
+        </p:spPr>
+      </p:pic>
+      <p:sp>
+        <p:nvSpPr>
+          <p:cNvPr id="6" name="TextBox 10">
+            <a:extLst>
+              <a:ext uri="{FF2B5EF4-FFF2-40B4-BE49-F238E27FC236}">
+                <a16:creationId xmlns:a16="http://schemas.microsoft.com/office/drawing/2014/main" id="{D85BED69-06FE-61F3-5DD8-77FB324D8771}"/>
+              </a:ext>
+            </a:extLst>
+          </p:cNvPr>
+          <p:cNvSpPr txBox="1"/>
+          <p:nvPr/>
+        </p:nvSpPr>
+        <p:spPr>
+          <a:xfrm>
+            <a:off x="9590392" y="5911027"/>
+            <a:ext cx="3213101" cy="261610"/>
           </a:xfrm>
           <a:prstGeom prst="rect">
             <a:avLst/>
@@ -26415,13 +27565,55 @@
             <a:noFill/>
           </a:ln>
         </p:spPr>
-      </p:pic>
+        <p:txBody>
+          <a:bodyPr vert="horz" wrap="square" lIns="91440" tIns="45720" rIns="91440" bIns="45720" anchor="t" anchorCtr="0" compatLnSpc="1">
+            <a:spAutoFit/>
+          </a:bodyPr>
+          <a:lstStyle/>
+          <a:p>
+            <a:pPr lvl="0">
+              <a:defRPr sz="1800" b="0" i="0" u="none" strike="noStrike" kern="0" cap="none" spc="0" baseline="0">
+                <a:solidFill>
+                  <a:srgbClr val="000000"/>
+                </a:solidFill>
+                <a:uFillTx/>
+              </a:defRPr>
+            </a:pPr>
+            <a:r>
+              <a:rPr lang="en-US" sz="1100" b="0" i="0" u="none" strike="noStrike" kern="1200" cap="none" spc="0" baseline="0" dirty="0">
+                <a:solidFill>
+                  <a:srgbClr val="344A9A"/>
+                </a:solidFill>
+                <a:uFillTx/>
+                <a:latin typeface="Arial"/>
+              </a:rPr>
+              <a:t>Fig 3</a:t>
+            </a:r>
+            <a:r>
+              <a:rPr lang="en-US" sz="1100" dirty="0">
+                <a:solidFill>
+                  <a:srgbClr val="344A9A"/>
+                </a:solidFill>
+                <a:latin typeface="Arial"/>
+              </a:rPr>
+              <a:t>: Output of Emulation in VS Code</a:t>
+            </a:r>
+            <a:endParaRPr lang="en-US" sz="1100" b="0" i="0" u="none" strike="noStrike" kern="1200" cap="none" spc="0" baseline="0" dirty="0">
+              <a:solidFill>
+                <a:srgbClr val="344A9A"/>
+              </a:solidFill>
+              <a:uFillTx/>
+              <a:latin typeface="Arial"/>
+            </a:endParaRPr>
+          </a:p>
+        </p:txBody>
+      </p:sp>
       <p:pic>
         <p:nvPicPr>
-          <p:cNvPr id="9" name="Picture 16">
-            <a:extLst>
-              <a:ext uri="{FF2B5EF4-FFF2-40B4-BE49-F238E27FC236}">
-                <a16:creationId xmlns:a16="http://schemas.microsoft.com/office/drawing/2014/main" id="{6957997F-3366-3795-3842-D80C9658295C}"/>
+          <p:cNvPr id="11" name="Picture 10">
+            <a:extLst>
+              <a:ext uri="{FF2B5EF4-FFF2-40B4-BE49-F238E27FC236}">
+                <a16:creationId xmlns:a16="http://schemas.microsoft.com/office/drawing/2014/main" id="{1CF84FAA-3C84-184A-8A90-765EC3C663D5}"/>
               </a:ext>
             </a:extLst>
           </p:cNvPr>
@@ -26432,15 +27624,36 @@
         </p:nvPicPr>
         <p:blipFill>
           <a:blip r:embed="rId4"/>
-          <a:srcRect b="41667"/>
           <a:stretch>
             <a:fillRect/>
           </a:stretch>
         </p:blipFill>
         <p:spPr>
           <a:xfrm>
-            <a:off x="942536" y="2453267"/>
-            <a:ext cx="3346374" cy="1731782"/>
+            <a:off x="4530434" y="1401183"/>
+            <a:ext cx="4822214" cy="4509844"/>
+          </a:xfrm>
+          <a:prstGeom prst="rect">
+            <a:avLst/>
+          </a:prstGeom>
+        </p:spPr>
+      </p:pic>
+      <p:sp>
+        <p:nvSpPr>
+          <p:cNvPr id="15" name="TextBox 10">
+            <a:extLst>
+              <a:ext uri="{FF2B5EF4-FFF2-40B4-BE49-F238E27FC236}">
+                <a16:creationId xmlns:a16="http://schemas.microsoft.com/office/drawing/2014/main" id="{58920E90-80FD-C1C7-44D7-3A57D77C5CEF}"/>
+              </a:ext>
+            </a:extLst>
+          </p:cNvPr>
+          <p:cNvSpPr txBox="1"/>
+          <p:nvPr/>
+        </p:nvSpPr>
+        <p:spPr>
+          <a:xfrm>
+            <a:off x="4707114" y="5911027"/>
+            <a:ext cx="4546030" cy="261610"/>
           </a:xfrm>
           <a:prstGeom prst="rect">
             <a:avLst/>
@@ -26450,13 +27663,118 @@
             <a:noFill/>
           </a:ln>
         </p:spPr>
-      </p:pic>
+        <p:txBody>
+          <a:bodyPr vert="horz" wrap="square" lIns="91440" tIns="45720" rIns="91440" bIns="45720" anchor="t" anchorCtr="0" compatLnSpc="1">
+            <a:spAutoFit/>
+          </a:bodyPr>
+          <a:lstStyle/>
+          <a:p>
+            <a:pPr lvl="0">
+              <a:defRPr sz="1800" b="0" i="0" u="none" strike="noStrike" kern="0" cap="none" spc="0" baseline="0">
+                <a:solidFill>
+                  <a:srgbClr val="000000"/>
+                </a:solidFill>
+                <a:uFillTx/>
+              </a:defRPr>
+            </a:pPr>
+            <a:r>
+              <a:rPr lang="en-US" sz="1100" b="0" i="0" u="none" strike="noStrike" kern="1200" cap="none" spc="0" baseline="0" dirty="0">
+                <a:solidFill>
+                  <a:srgbClr val="344A9A"/>
+                </a:solidFill>
+                <a:uFillTx/>
+                <a:latin typeface="Arial"/>
+              </a:rPr>
+              <a:t>Fig 5</a:t>
+            </a:r>
+            <a:r>
+              <a:rPr lang="en-US" sz="1100" dirty="0">
+                <a:solidFill>
+                  <a:srgbClr val="344A9A"/>
+                </a:solidFill>
+                <a:latin typeface="Arial"/>
+              </a:rPr>
+              <a:t>: Example Usage of the </a:t>
+            </a:r>
+            <a:r>
+              <a:rPr lang="en-US" sz="1100" dirty="0" err="1">
+                <a:solidFill>
+                  <a:srgbClr val="344A9A"/>
+                </a:solidFill>
+                <a:latin typeface="Arial"/>
+              </a:rPr>
+              <a:t>ReTI</a:t>
+            </a:r>
+            <a:r>
+              <a:rPr lang="en-US" sz="1100" dirty="0">
+                <a:solidFill>
+                  <a:srgbClr val="344A9A"/>
+                </a:solidFill>
+                <a:latin typeface="Arial"/>
+              </a:rPr>
+              <a:t> Emulation in VS Code</a:t>
+            </a:r>
+            <a:endParaRPr lang="en-US" sz="1100" b="0" i="0" u="none" strike="noStrike" kern="1200" cap="none" spc="0" baseline="0" dirty="0">
+              <a:solidFill>
+                <a:srgbClr val="344A9A"/>
+              </a:solidFill>
+              <a:uFillTx/>
+              <a:latin typeface="Arial"/>
+            </a:endParaRPr>
+          </a:p>
+        </p:txBody>
+      </p:sp>
+      <p:sp>
+        <p:nvSpPr>
+          <p:cNvPr id="16" name="AutoShape 2">
+            <a:extLst>
+              <a:ext uri="{FF2B5EF4-FFF2-40B4-BE49-F238E27FC236}">
+                <a16:creationId xmlns:a16="http://schemas.microsoft.com/office/drawing/2014/main" id="{579D35BE-C7C2-48B9-51A1-746CDF0CB207}"/>
+              </a:ext>
+            </a:extLst>
+          </p:cNvPr>
+          <p:cNvSpPr>
+            <a:spLocks noChangeAspect="1" noChangeArrowheads="1"/>
+          </p:cNvSpPr>
+          <p:nvPr/>
+        </p:nvSpPr>
+        <p:spPr bwMode="auto">
+          <a:xfrm>
+            <a:off x="5943600" y="3276600"/>
+            <a:ext cx="304800" cy="304800"/>
+          </a:xfrm>
+          <a:prstGeom prst="rect">
+            <a:avLst/>
+          </a:prstGeom>
+          <a:noFill/>
+          <a:extLst>
+            <a:ext uri="{909E8E84-426E-40DD-AFC4-6F175D3DCCD1}">
+              <a14:hiddenFill xmlns:a14="http://schemas.microsoft.com/office/drawing/2010/main">
+                <a:solidFill>
+                  <a:srgbClr val="FFFFFF"/>
+                </a:solidFill>
+              </a14:hiddenFill>
+            </a:ext>
+          </a:extLst>
+        </p:spPr>
+        <p:txBody>
+          <a:bodyPr vert="horz" wrap="square" lIns="91440" tIns="45720" rIns="91440" bIns="45720" numCol="1" anchor="t" anchorCtr="0" compatLnSpc="1">
+            <a:prstTxWarp prst="textNoShape">
+              <a:avLst/>
+            </a:prstTxWarp>
+          </a:bodyPr>
+          <a:lstStyle/>
+          <a:p>
+            <a:endParaRPr lang="de-DE"/>
+          </a:p>
+        </p:txBody>
+      </p:sp>
       <p:pic>
         <p:nvPicPr>
-          <p:cNvPr id="10" name="Picture 18">
-            <a:extLst>
-              <a:ext uri="{FF2B5EF4-FFF2-40B4-BE49-F238E27FC236}">
-                <a16:creationId xmlns:a16="http://schemas.microsoft.com/office/drawing/2014/main" id="{BE6972AE-1B97-1882-12FD-998D19E1D92D}"/>
+          <p:cNvPr id="18" name="Picture 17">
+            <a:extLst>
+              <a:ext uri="{FF2B5EF4-FFF2-40B4-BE49-F238E27FC236}">
+                <a16:creationId xmlns:a16="http://schemas.microsoft.com/office/drawing/2014/main" id="{C5A3634D-6153-489F-AE89-CBE56B20FE9F}"/>
               </a:ext>
             </a:extLst>
           </p:cNvPr>
@@ -26466,15 +27784,79 @@
           <p:nvPr/>
         </p:nvPicPr>
         <p:blipFill>
-          <a:blip r:embed="rId5"/>
+          <a:blip r:embed="rId5">
+            <a:extLst>
+              <a:ext uri="{28A0092B-C50C-407E-A947-70E740481C1C}">
+                <a14:useLocalDpi xmlns:a14="http://schemas.microsoft.com/office/drawing/2010/main" val="0"/>
+              </a:ext>
+            </a:extLst>
+          </a:blip>
           <a:stretch>
             <a:fillRect/>
           </a:stretch>
         </p:blipFill>
         <p:spPr>
           <a:xfrm>
-            <a:off x="942536" y="4325581"/>
-            <a:ext cx="3346374" cy="1705237"/>
+            <a:off x="451103" y="1824163"/>
+            <a:ext cx="3841587" cy="1958118"/>
+          </a:xfrm>
+          <a:prstGeom prst="rect">
+            <a:avLst/>
+          </a:prstGeom>
+        </p:spPr>
+      </p:pic>
+      <p:pic>
+        <p:nvPicPr>
+          <p:cNvPr id="20" name="Picture 19">
+            <a:extLst>
+              <a:ext uri="{FF2B5EF4-FFF2-40B4-BE49-F238E27FC236}">
+                <a16:creationId xmlns:a16="http://schemas.microsoft.com/office/drawing/2014/main" id="{3DCB60FC-AF94-635F-054D-12335155728C}"/>
+              </a:ext>
+            </a:extLst>
+          </p:cNvPr>
+          <p:cNvPicPr>
+            <a:picLocks noChangeAspect="1"/>
+          </p:cNvPicPr>
+          <p:nvPr/>
+        </p:nvPicPr>
+        <p:blipFill>
+          <a:blip r:embed="rId6">
+            <a:extLst>
+              <a:ext uri="{28A0092B-C50C-407E-A947-70E740481C1C}">
+                <a14:useLocalDpi xmlns:a14="http://schemas.microsoft.com/office/drawing/2010/main" val="0"/>
+              </a:ext>
+            </a:extLst>
+          </a:blip>
+          <a:stretch>
+            <a:fillRect/>
+          </a:stretch>
+        </p:blipFill>
+        <p:spPr>
+          <a:xfrm>
+            <a:off x="451103" y="4640001"/>
+            <a:ext cx="3841587" cy="750132"/>
+          </a:xfrm>
+          <a:prstGeom prst="rect">
+            <a:avLst/>
+          </a:prstGeom>
+        </p:spPr>
+      </p:pic>
+      <p:sp>
+        <p:nvSpPr>
+          <p:cNvPr id="21" name="TextBox 10">
+            <a:extLst>
+              <a:ext uri="{FF2B5EF4-FFF2-40B4-BE49-F238E27FC236}">
+                <a16:creationId xmlns:a16="http://schemas.microsoft.com/office/drawing/2014/main" id="{2CF71616-0059-956A-5C1C-BDF4D4CE9376}"/>
+              </a:ext>
+            </a:extLst>
+          </p:cNvPr>
+          <p:cNvSpPr txBox="1"/>
+          <p:nvPr/>
+        </p:nvSpPr>
+        <p:spPr>
+          <a:xfrm>
+            <a:off x="451103" y="3845631"/>
+            <a:ext cx="4546030" cy="261610"/>
           </a:xfrm>
           <a:prstGeom prst="rect">
             <a:avLst/>
@@ -26484,38 +27866,153 @@
             <a:noFill/>
           </a:ln>
         </p:spPr>
-      </p:pic>
-      <p:pic>
-        <p:nvPicPr>
-          <p:cNvPr id="12" name="Picture 11">
-            <a:extLst>
-              <a:ext uri="{FF2B5EF4-FFF2-40B4-BE49-F238E27FC236}">
-                <a16:creationId xmlns:a16="http://schemas.microsoft.com/office/drawing/2014/main" id="{8CE50BAE-EAB2-1F24-604D-E5A278151641}"/>
-              </a:ext>
-            </a:extLst>
-          </p:cNvPr>
-          <p:cNvPicPr>
-            <a:picLocks noChangeAspect="1"/>
-          </p:cNvPicPr>
+        <p:txBody>
+          <a:bodyPr vert="horz" wrap="square" lIns="91440" tIns="45720" rIns="91440" bIns="45720" anchor="t" anchorCtr="0" compatLnSpc="1">
+            <a:spAutoFit/>
+          </a:bodyPr>
+          <a:lstStyle/>
+          <a:p>
+            <a:pPr lvl="0">
+              <a:defRPr sz="1800" b="0" i="0" u="none" strike="noStrike" kern="0" cap="none" spc="0" baseline="0">
+                <a:solidFill>
+                  <a:srgbClr val="000000"/>
+                </a:solidFill>
+                <a:uFillTx/>
+              </a:defRPr>
+            </a:pPr>
+            <a:r>
+              <a:rPr lang="en-US" sz="1100" b="0" i="0" u="none" strike="noStrike" kern="1200" cap="none" spc="0" baseline="0" dirty="0">
+                <a:solidFill>
+                  <a:srgbClr val="344A9A"/>
+                </a:solidFill>
+                <a:uFillTx/>
+                <a:latin typeface="Arial"/>
+              </a:rPr>
+              <a:t>Fig 3</a:t>
+            </a:r>
+            <a:r>
+              <a:rPr lang="en-US" sz="1100" dirty="0">
+                <a:solidFill>
+                  <a:srgbClr val="344A9A"/>
+                </a:solidFill>
+                <a:latin typeface="Arial"/>
+              </a:rPr>
+              <a:t>: Example Usage of the </a:t>
+            </a:r>
+            <a:r>
+              <a:rPr lang="en-US" sz="1100" dirty="0" err="1">
+                <a:solidFill>
+                  <a:srgbClr val="344A9A"/>
+                </a:solidFill>
+                <a:latin typeface="Arial"/>
+              </a:rPr>
+              <a:t>ReTI</a:t>
+            </a:r>
+            <a:r>
+              <a:rPr lang="en-US" sz="1100" dirty="0">
+                <a:solidFill>
+                  <a:srgbClr val="344A9A"/>
+                </a:solidFill>
+                <a:latin typeface="Arial"/>
+              </a:rPr>
+              <a:t> Emulation by Prof. Dr. Biere [1]</a:t>
+            </a:r>
+            <a:endParaRPr lang="en-US" sz="1100" b="0" i="0" u="none" strike="noStrike" kern="1200" cap="none" spc="0" baseline="0" dirty="0">
+              <a:solidFill>
+                <a:srgbClr val="344A9A"/>
+              </a:solidFill>
+              <a:uFillTx/>
+              <a:latin typeface="Arial"/>
+            </a:endParaRPr>
+          </a:p>
+        </p:txBody>
+      </p:sp>
+      <p:sp>
+        <p:nvSpPr>
+          <p:cNvPr id="22" name="TextBox 10">
+            <a:extLst>
+              <a:ext uri="{FF2B5EF4-FFF2-40B4-BE49-F238E27FC236}">
+                <a16:creationId xmlns:a16="http://schemas.microsoft.com/office/drawing/2014/main" id="{AD732C0B-7FA2-A0AF-C5A8-AF95037DA4DB}"/>
+              </a:ext>
+            </a:extLst>
+          </p:cNvPr>
+          <p:cNvSpPr txBox="1"/>
           <p:nvPr/>
-        </p:nvPicPr>
-        <p:blipFill>
-          <a:blip r:embed="rId6"/>
-          <a:srcRect b="18876"/>
-          <a:stretch>
-            <a:fillRect/>
-          </a:stretch>
-        </p:blipFill>
+        </p:nvSpPr>
         <p:spPr>
           <a:xfrm>
-            <a:off x="5147682" y="1400134"/>
-            <a:ext cx="4097111" cy="4702429"/>
+            <a:off x="427849" y="5440690"/>
+            <a:ext cx="3841587" cy="261610"/>
           </a:xfrm>
           <a:prstGeom prst="rect">
             <a:avLst/>
           </a:prstGeom>
+          <a:noFill/>
+          <a:ln cap="flat">
+            <a:noFill/>
+          </a:ln>
         </p:spPr>
-      </p:pic>
+        <p:txBody>
+          <a:bodyPr vert="horz" wrap="square" lIns="91440" tIns="45720" rIns="91440" bIns="45720" anchor="t" anchorCtr="0" compatLnSpc="1">
+            <a:spAutoFit/>
+          </a:bodyPr>
+          <a:lstStyle/>
+          <a:p>
+            <a:pPr lvl="0">
+              <a:defRPr sz="1800" b="0" i="0" u="none" strike="noStrike" kern="0" cap="none" spc="0" baseline="0">
+                <a:solidFill>
+                  <a:srgbClr val="000000"/>
+                </a:solidFill>
+                <a:uFillTx/>
+              </a:defRPr>
+            </a:pPr>
+            <a:r>
+              <a:rPr lang="en-US" sz="1100" b="0" i="0" u="none" strike="noStrike" kern="1200" cap="none" spc="0" baseline="0" dirty="0">
+                <a:solidFill>
+                  <a:srgbClr val="344A9A"/>
+                </a:solidFill>
+                <a:uFillTx/>
+                <a:latin typeface="Arial"/>
+              </a:rPr>
+              <a:t>Fig 4</a:t>
+            </a:r>
+            <a:r>
+              <a:rPr lang="en-US" sz="1100" dirty="0">
+                <a:solidFill>
+                  <a:srgbClr val="344A9A"/>
+                </a:solidFill>
+                <a:latin typeface="Arial"/>
+              </a:rPr>
+              <a:t>: Output of the </a:t>
+            </a:r>
+            <a:r>
+              <a:rPr lang="en-US" sz="1100" dirty="0" err="1">
+                <a:solidFill>
+                  <a:srgbClr val="344A9A"/>
+                </a:solidFill>
+                <a:latin typeface="Arial"/>
+              </a:rPr>
+              <a:t>ReTI</a:t>
+            </a:r>
+            <a:r>
+              <a:rPr lang="en-US" sz="1100" dirty="0">
+                <a:solidFill>
+                  <a:srgbClr val="344A9A"/>
+                </a:solidFill>
+                <a:latin typeface="Arial"/>
+              </a:rPr>
+              <a:t> Emulation by Prof. Dr. Biere [1]</a:t>
+            </a:r>
+            <a:endParaRPr lang="en-US" sz="1100" b="0" i="0" u="none" strike="noStrike" kern="1200" cap="none" spc="0" baseline="0" dirty="0">
+              <a:solidFill>
+                <a:srgbClr val="344A9A"/>
+              </a:solidFill>
+              <a:uFillTx/>
+              <a:latin typeface="Arial"/>
+            </a:endParaRPr>
+          </a:p>
+        </p:txBody>
+      </p:sp>
     </p:spTree>
     <p:extLst>
       <p:ext uri="{BB962C8B-B14F-4D97-AF65-F5344CB8AC3E}">
@@ -26576,12 +28073,20 @@
               <a:rPr lang="de-DE" dirty="0"/>
             </a:br>
             <a:r>
+              <a:rPr lang="de-DE" dirty="0">
+                <a:solidFill>
+                  <a:srgbClr val="000000"/>
+                </a:solidFill>
+              </a:rPr>
+              <a:t>Integration </a:t>
+            </a:r>
+            <a:r>
               <a:rPr lang="de-DE" dirty="0" err="1">
                 <a:solidFill>
                   <a:srgbClr val="000000"/>
                 </a:solidFill>
               </a:rPr>
-              <a:t>Improvement</a:t>
+              <a:t>of</a:t>
             </a:r>
             <a:r>
               <a:rPr lang="de-DE" dirty="0">
@@ -26589,23 +28094,7 @@
                   <a:srgbClr val="000000"/>
                 </a:solidFill>
               </a:rPr>
-              <a:t> on </a:t>
-            </a:r>
-            <a:r>
-              <a:rPr lang="de-DE" dirty="0" err="1">
-                <a:solidFill>
-                  <a:srgbClr val="000000"/>
-                </a:solidFill>
-              </a:rPr>
-              <a:t>Existing</a:t>
-            </a:r>
-            <a:r>
-              <a:rPr lang="de-DE" dirty="0">
-                <a:solidFill>
-                  <a:srgbClr val="000000"/>
-                </a:solidFill>
-              </a:rPr>
-              <a:t> Features - Quiz</a:t>
+              <a:t> Old Features - Quiz</a:t>
             </a:r>
           </a:p>
         </p:txBody>
@@ -26688,7 +28177,7 @@
                   <a:uFillTx/>
                 </a:defRPr>
               </a:pPr>
-              <a:t>10. Juli 2025</a:t>
+              <a:t>12. Juli 2025</a:t>
             </a:fld>
             <a:endParaRPr lang="de-DE" sz="900" b="0" i="0" u="none" strike="noStrike" kern="1200" cap="none" spc="0" baseline="0">
               <a:solidFill>
@@ -26752,7 +28241,7 @@
               </a:defRPr>
             </a:pPr>
             <a:r>
-              <a:rPr lang="en-US" sz="900" b="0" i="0" u="none" strike="noStrike" kern="1200" cap="none" spc="0" baseline="0">
+              <a:rPr lang="en-US" sz="900" b="0" i="0" u="none" strike="noStrike" kern="1200" cap="none" spc="0" baseline="0" dirty="0">
                 <a:solidFill>
                   <a:srgbClr val="4472C4"/>
                 </a:solidFill>
@@ -26760,7 +28249,29 @@
                 <a:latin typeface="Arial" pitchFamily="34"/>
                 <a:cs typeface="Arial" pitchFamily="34"/>
               </a:rPr>
-              <a:t>Albert-Ludwigs-Universität Freiburg | Development of an Educational Tool for ReTI as a VS Code Extension |</a:t>
+              <a:t>Albert-Ludwigs-Universität Freiburg | Development of an Educational Tool for </a:t>
+            </a:r>
+            <a:r>
+              <a:rPr lang="en-US" sz="900" b="0" i="0" u="none" strike="noStrike" kern="1200" cap="none" spc="0" baseline="0" dirty="0" err="1">
+                <a:solidFill>
+                  <a:srgbClr val="4472C4"/>
+                </a:solidFill>
+                <a:uFillTx/>
+                <a:latin typeface="Arial" pitchFamily="34"/>
+                <a:cs typeface="Arial" pitchFamily="34"/>
+              </a:rPr>
+              <a:t>ReTI</a:t>
+            </a:r>
+            <a:r>
+              <a:rPr lang="en-US" sz="900" b="0" i="0" u="none" strike="noStrike" kern="1200" cap="none" spc="0" baseline="0" dirty="0">
+                <a:solidFill>
+                  <a:srgbClr val="4472C4"/>
+                </a:solidFill>
+                <a:uFillTx/>
+                <a:latin typeface="Arial" pitchFamily="34"/>
+                <a:cs typeface="Arial" pitchFamily="34"/>
+              </a:rPr>
+              <a:t> as a VS Code Extension |</a:t>
             </a:r>
           </a:p>
         </p:txBody>
@@ -26837,12 +28348,98 @@
           </a:p>
         </p:txBody>
       </p:sp>
+      <p:sp>
+        <p:nvSpPr>
+          <p:cNvPr id="6" name="TextBox 10">
+            <a:extLst>
+              <a:ext uri="{FF2B5EF4-FFF2-40B4-BE49-F238E27FC236}">
+                <a16:creationId xmlns:a16="http://schemas.microsoft.com/office/drawing/2014/main" id="{18D23B13-B854-FFFA-2319-A34C7EF9EC84}"/>
+              </a:ext>
+            </a:extLst>
+          </p:cNvPr>
+          <p:cNvSpPr txBox="1"/>
+          <p:nvPr/>
+        </p:nvSpPr>
+        <p:spPr>
+          <a:xfrm>
+            <a:off x="6243416" y="6081991"/>
+            <a:ext cx="5855114" cy="261610"/>
+          </a:xfrm>
+          <a:prstGeom prst="rect">
+            <a:avLst/>
+          </a:prstGeom>
+          <a:noFill/>
+          <a:ln cap="flat">
+            <a:noFill/>
+          </a:ln>
+        </p:spPr>
+        <p:txBody>
+          <a:bodyPr vert="horz" wrap="square" lIns="91440" tIns="45720" rIns="91440" bIns="45720" anchor="t" anchorCtr="0" compatLnSpc="1">
+            <a:spAutoFit/>
+          </a:bodyPr>
+          <a:lstStyle/>
+          <a:p>
+            <a:pPr lvl="0">
+              <a:defRPr sz="1800" b="0" i="0" u="none" strike="noStrike" kern="0" cap="none" spc="0" baseline="0">
+                <a:solidFill>
+                  <a:srgbClr val="000000"/>
+                </a:solidFill>
+                <a:uFillTx/>
+              </a:defRPr>
+            </a:pPr>
+            <a:r>
+              <a:rPr lang="en-US" sz="1100" b="0" i="0" u="none" strike="noStrike" kern="1200" cap="none" spc="0" baseline="0" dirty="0">
+                <a:solidFill>
+                  <a:srgbClr val="344A9A"/>
+                </a:solidFill>
+                <a:uFillTx/>
+                <a:latin typeface="Arial"/>
+              </a:rPr>
+              <a:t>Fig 7</a:t>
+            </a:r>
+            <a:r>
+              <a:rPr lang="en-US" sz="1100" dirty="0">
+                <a:solidFill>
+                  <a:srgbClr val="344A9A"/>
+                </a:solidFill>
+                <a:latin typeface="Arial"/>
+              </a:rPr>
+              <a:t>: Screenshot of the new </a:t>
+            </a:r>
+            <a:r>
+              <a:rPr lang="en-US" sz="1100" dirty="0" err="1">
+                <a:solidFill>
+                  <a:srgbClr val="344A9A"/>
+                </a:solidFill>
+                <a:latin typeface="Arial"/>
+              </a:rPr>
+              <a:t>ReTI</a:t>
+            </a:r>
+            <a:r>
+              <a:rPr lang="en-US" sz="1100" dirty="0">
+                <a:solidFill>
+                  <a:srgbClr val="344A9A"/>
+                </a:solidFill>
+                <a:latin typeface="Arial"/>
+              </a:rPr>
+              <a:t> Quiz opened in VS Code</a:t>
+            </a:r>
+            <a:endParaRPr lang="en-US" sz="1100" b="0" i="0" u="none" strike="noStrike" kern="1200" cap="none" spc="0" baseline="0" dirty="0">
+              <a:solidFill>
+                <a:srgbClr val="344A9A"/>
+              </a:solidFill>
+              <a:uFillTx/>
+              <a:latin typeface="Arial"/>
+            </a:endParaRPr>
+          </a:p>
+        </p:txBody>
+      </p:sp>
       <p:pic>
         <p:nvPicPr>
-          <p:cNvPr id="11" name="Picture 10">
-            <a:extLst>
-              <a:ext uri="{FF2B5EF4-FFF2-40B4-BE49-F238E27FC236}">
-                <a16:creationId xmlns:a16="http://schemas.microsoft.com/office/drawing/2014/main" id="{7C7D2E18-BB86-3882-6A02-EFCB53337109}"/>
+          <p:cNvPr id="7" name="Picture 12">
+            <a:extLst>
+              <a:ext uri="{FF2B5EF4-FFF2-40B4-BE49-F238E27FC236}">
+                <a16:creationId xmlns:a16="http://schemas.microsoft.com/office/drawing/2014/main" id="{B0599250-D1E0-3F31-0CFF-212EB935B6AE}"/>
               </a:ext>
             </a:extLst>
           </p:cNvPr>
@@ -26859,25 +28456,117 @@
               </a:ext>
             </a:extLst>
           </a:blip>
-          <a:srcRect/>
-          <a:stretch/>
+          <a:srcRect t="5895"/>
+          <a:stretch>
+            <a:fillRect/>
+          </a:stretch>
         </p:blipFill>
         <p:spPr>
           <a:xfrm>
-            <a:off x="442917" y="1350610"/>
-            <a:ext cx="10009616" cy="4894095"/>
+            <a:off x="442917" y="2096931"/>
+            <a:ext cx="5417166" cy="3208429"/>
           </a:xfrm>
           <a:prstGeom prst="rect">
             <a:avLst/>
           </a:prstGeom>
+          <a:noFill/>
+          <a:ln cap="flat">
+            <a:noFill/>
+          </a:ln>
         </p:spPr>
       </p:pic>
+      <p:sp>
+        <p:nvSpPr>
+          <p:cNvPr id="8" name="TextBox 10">
+            <a:extLst>
+              <a:ext uri="{FF2B5EF4-FFF2-40B4-BE49-F238E27FC236}">
+                <a16:creationId xmlns:a16="http://schemas.microsoft.com/office/drawing/2014/main" id="{9575790D-CED6-9464-571E-03162498DB9F}"/>
+              </a:ext>
+            </a:extLst>
+          </p:cNvPr>
+          <p:cNvSpPr txBox="1"/>
+          <p:nvPr/>
+        </p:nvSpPr>
+        <p:spPr>
+          <a:xfrm>
+            <a:off x="442917" y="5416785"/>
+            <a:ext cx="5855114" cy="261610"/>
+          </a:xfrm>
+          <a:prstGeom prst="rect">
+            <a:avLst/>
+          </a:prstGeom>
+          <a:noFill/>
+          <a:ln cap="flat">
+            <a:noFill/>
+          </a:ln>
+        </p:spPr>
+        <p:txBody>
+          <a:bodyPr vert="horz" wrap="square" lIns="91440" tIns="45720" rIns="91440" bIns="45720" anchor="t" anchorCtr="0" compatLnSpc="1">
+            <a:spAutoFit/>
+          </a:bodyPr>
+          <a:lstStyle/>
+          <a:p>
+            <a:pPr lvl="0">
+              <a:defRPr sz="1800" b="0" i="0" u="none" strike="noStrike" kern="0" cap="none" spc="0" baseline="0">
+                <a:solidFill>
+                  <a:srgbClr val="000000"/>
+                </a:solidFill>
+                <a:uFillTx/>
+              </a:defRPr>
+            </a:pPr>
+            <a:r>
+              <a:rPr lang="en-US" sz="1100" b="0" i="0" u="none" strike="noStrike" kern="1200" cap="none" spc="0" baseline="0" dirty="0">
+                <a:solidFill>
+                  <a:srgbClr val="344A9A"/>
+                </a:solidFill>
+                <a:uFillTx/>
+                <a:latin typeface="Arial"/>
+              </a:rPr>
+              <a:t>Fig 6</a:t>
+            </a:r>
+            <a:r>
+              <a:rPr lang="en-US" sz="1100" dirty="0">
+                <a:solidFill>
+                  <a:srgbClr val="344A9A"/>
+                </a:solidFill>
+                <a:latin typeface="Arial"/>
+              </a:rPr>
+              <a:t>: Screenshot of the old </a:t>
+            </a:r>
+            <a:r>
+              <a:rPr lang="en-US" sz="1100" dirty="0" err="1">
+                <a:solidFill>
+                  <a:srgbClr val="344A9A"/>
+                </a:solidFill>
+                <a:latin typeface="Arial"/>
+              </a:rPr>
+              <a:t>ReTI</a:t>
+            </a:r>
+            <a:r>
+              <a:rPr lang="en-US" sz="1100" dirty="0">
+                <a:solidFill>
+                  <a:srgbClr val="344A9A"/>
+                </a:solidFill>
+                <a:latin typeface="Arial"/>
+              </a:rPr>
+              <a:t> Quiz opened in Terminal</a:t>
+            </a:r>
+            <a:endParaRPr lang="en-US" sz="1100" b="0" i="0" u="none" strike="noStrike" kern="1200" cap="none" spc="0" baseline="0" dirty="0">
+              <a:solidFill>
+                <a:srgbClr val="344A9A"/>
+              </a:solidFill>
+              <a:uFillTx/>
+              <a:latin typeface="Arial"/>
+            </a:endParaRPr>
+          </a:p>
+        </p:txBody>
+      </p:sp>
       <p:pic>
         <p:nvPicPr>
-          <p:cNvPr id="22" name="Picture 21">
-            <a:extLst>
-              <a:ext uri="{FF2B5EF4-FFF2-40B4-BE49-F238E27FC236}">
-                <a16:creationId xmlns:a16="http://schemas.microsoft.com/office/drawing/2014/main" id="{D49167DC-D5B2-DB99-020B-E83FB73430E4}"/>
+          <p:cNvPr id="10" name="Picture 9">
+            <a:extLst>
+              <a:ext uri="{FF2B5EF4-FFF2-40B4-BE49-F238E27FC236}">
+                <a16:creationId xmlns:a16="http://schemas.microsoft.com/office/drawing/2014/main" id="{08182031-9130-8B54-9EE9-603944F0E870}"/>
               </a:ext>
             </a:extLst>
           </p:cNvPr>
@@ -26899,43 +28588,8 @@
         </p:blipFill>
         <p:spPr>
           <a:xfrm>
-            <a:off x="442917" y="1356149"/>
-            <a:ext cx="10009616" cy="4883016"/>
-          </a:xfrm>
-          <a:prstGeom prst="rect">
-            <a:avLst/>
-          </a:prstGeom>
-        </p:spPr>
-      </p:pic>
-      <p:pic>
-        <p:nvPicPr>
-          <p:cNvPr id="23" name="Picture 22">
-            <a:extLst>
-              <a:ext uri="{FF2B5EF4-FFF2-40B4-BE49-F238E27FC236}">
-                <a16:creationId xmlns:a16="http://schemas.microsoft.com/office/drawing/2014/main" id="{9A258EC8-D12F-4B54-7CEB-CEF7E7A913EA}"/>
-              </a:ext>
-            </a:extLst>
-          </p:cNvPr>
-          <p:cNvPicPr>
-            <a:picLocks noChangeAspect="1"/>
-          </p:cNvPicPr>
-          <p:nvPr/>
-        </p:nvPicPr>
-        <p:blipFill>
-          <a:blip r:embed="rId5">
-            <a:extLst>
-              <a:ext uri="{28A0092B-C50C-407E-A947-70E740481C1C}">
-                <a14:useLocalDpi xmlns:a14="http://schemas.microsoft.com/office/drawing/2010/main" val="0"/>
-              </a:ext>
-            </a:extLst>
-          </a:blip>
-          <a:srcRect/>
-          <a:stretch/>
-        </p:blipFill>
-        <p:spPr>
-          <a:xfrm>
-            <a:off x="447962" y="1361260"/>
-            <a:ext cx="10004571" cy="4888984"/>
+            <a:off x="6331919" y="1320302"/>
+            <a:ext cx="3946249" cy="4761689"/>
           </a:xfrm>
           <a:prstGeom prst="rect">
             <a:avLst/>
@@ -26947,198 +28601,6 @@
   <p:clrMapOvr>
     <a:masterClrMapping/>
   </p:clrMapOvr>
-  <p:timing>
-    <p:tnLst>
-      <p:par>
-        <p:cTn id="1" dur="indefinite" restart="never" nodeType="tmRoot">
-          <p:childTnLst>
-            <p:seq concurrent="1" nextAc="seek">
-              <p:cTn id="2" dur="indefinite" nodeType="mainSeq">
-                <p:childTnLst>
-                  <p:par>
-                    <p:cTn id="3" fill="hold">
-                      <p:stCondLst>
-                        <p:cond delay="indefinite"/>
-                      </p:stCondLst>
-                      <p:childTnLst>
-                        <p:par>
-                          <p:cTn id="4" fill="hold">
-                            <p:stCondLst>
-                              <p:cond delay="0"/>
-                            </p:stCondLst>
-                            <p:childTnLst>
-                              <p:par>
-                                <p:cTn id="5" presetID="1" presetClass="entr" presetSubtype="0" fill="hold" nodeType="clickEffect">
-                                  <p:stCondLst>
-                                    <p:cond delay="0"/>
-                                  </p:stCondLst>
-                                  <p:childTnLst>
-                                    <p:set>
-                                      <p:cBhvr>
-                                        <p:cTn id="6" dur="1" fill="hold">
-                                          <p:stCondLst>
-                                            <p:cond delay="0"/>
-                                          </p:stCondLst>
-                                        </p:cTn>
-                                        <p:tgtEl>
-                                          <p:spTgt spid="22"/>
-                                        </p:tgtEl>
-                                        <p:attrNameLst>
-                                          <p:attrName>style.visibility</p:attrName>
-                                        </p:attrNameLst>
-                                      </p:cBhvr>
-                                      <p:to>
-                                        <p:strVal val="visible"/>
-                                      </p:to>
-                                    </p:set>
-                                  </p:childTnLst>
-                                </p:cTn>
-                              </p:par>
-                            </p:childTnLst>
-                          </p:cTn>
-                        </p:par>
-                      </p:childTnLst>
-                    </p:cTn>
-                  </p:par>
-                  <p:par>
-                    <p:cTn id="7" fill="hold">
-                      <p:stCondLst>
-                        <p:cond delay="indefinite"/>
-                      </p:stCondLst>
-                      <p:childTnLst>
-                        <p:par>
-                          <p:cTn id="8" fill="hold">
-                            <p:stCondLst>
-                              <p:cond delay="0"/>
-                            </p:stCondLst>
-                            <p:childTnLst>
-                              <p:par>
-                                <p:cTn id="9" presetID="1" presetClass="entr" presetSubtype="0" fill="hold" nodeType="clickEffect">
-                                  <p:stCondLst>
-                                    <p:cond delay="0"/>
-                                  </p:stCondLst>
-                                  <p:childTnLst>
-                                    <p:set>
-                                      <p:cBhvr>
-                                        <p:cTn id="10" dur="1" fill="hold">
-                                          <p:stCondLst>
-                                            <p:cond delay="0"/>
-                                          </p:stCondLst>
-                                        </p:cTn>
-                                        <p:tgtEl>
-                                          <p:spTgt spid="23"/>
-                                        </p:tgtEl>
-                                        <p:attrNameLst>
-                                          <p:attrName>style.visibility</p:attrName>
-                                        </p:attrNameLst>
-                                      </p:cBhvr>
-                                      <p:to>
-                                        <p:strVal val="visible"/>
-                                      </p:to>
-                                    </p:set>
-                                  </p:childTnLst>
-                                </p:cTn>
-                              </p:par>
-                            </p:childTnLst>
-                          </p:cTn>
-                        </p:par>
-                      </p:childTnLst>
-                    </p:cTn>
-                  </p:par>
-                  <p:par>
-                    <p:cTn id="11" fill="hold">
-                      <p:stCondLst>
-                        <p:cond delay="indefinite"/>
-                      </p:stCondLst>
-                      <p:childTnLst>
-                        <p:par>
-                          <p:cTn id="12" fill="hold">
-                            <p:stCondLst>
-                              <p:cond delay="0"/>
-                            </p:stCondLst>
-                            <p:childTnLst>
-                              <p:par>
-                                <p:cTn id="13" presetID="1" presetClass="exit" presetSubtype="0" fill="hold" nodeType="clickEffect">
-                                  <p:stCondLst>
-                                    <p:cond delay="0"/>
-                                  </p:stCondLst>
-                                  <p:childTnLst>
-                                    <p:set>
-                                      <p:cBhvr>
-                                        <p:cTn id="14" dur="1" fill="hold">
-                                          <p:stCondLst>
-                                            <p:cond delay="0"/>
-                                          </p:stCondLst>
-                                        </p:cTn>
-                                        <p:tgtEl>
-                                          <p:spTgt spid="22"/>
-                                        </p:tgtEl>
-                                        <p:attrNameLst>
-                                          <p:attrName>style.visibility</p:attrName>
-                                        </p:attrNameLst>
-                                      </p:cBhvr>
-                                      <p:to>
-                                        <p:strVal val="hidden"/>
-                                      </p:to>
-                                    </p:set>
-                                  </p:childTnLst>
-                                </p:cTn>
-                              </p:par>
-                              <p:par>
-                                <p:cTn id="15" presetID="1" presetClass="exit" presetSubtype="0" fill="hold" nodeType="withEffect">
-                                  <p:stCondLst>
-                                    <p:cond delay="0"/>
-                                  </p:stCondLst>
-                                  <p:childTnLst>
-                                    <p:set>
-                                      <p:cBhvr>
-                                        <p:cTn id="16" dur="1" fill="hold">
-                                          <p:stCondLst>
-                                            <p:cond delay="0"/>
-                                          </p:stCondLst>
-                                        </p:cTn>
-                                        <p:tgtEl>
-                                          <p:spTgt spid="23"/>
-                                        </p:tgtEl>
-                                        <p:attrNameLst>
-                                          <p:attrName>style.visibility</p:attrName>
-                                        </p:attrNameLst>
-                                      </p:cBhvr>
-                                      <p:to>
-                                        <p:strVal val="hidden"/>
-                                      </p:to>
-                                    </p:set>
-                                  </p:childTnLst>
-                                </p:cTn>
-                              </p:par>
-                            </p:childTnLst>
-                          </p:cTn>
-                        </p:par>
-                      </p:childTnLst>
-                    </p:cTn>
-                  </p:par>
-                </p:childTnLst>
-              </p:cTn>
-              <p:prevCondLst>
-                <p:cond evt="onPrev" delay="0">
-                  <p:tgtEl>
-                    <p:sldTgt/>
-                  </p:tgtEl>
-                </p:cond>
-              </p:prevCondLst>
-              <p:nextCondLst>
-                <p:cond evt="onNext" delay="0">
-                  <p:tgtEl>
-                    <p:sldTgt/>
-                  </p:tgtEl>
-                </p:cond>
-              </p:nextCondLst>
-            </p:seq>
-          </p:childTnLst>
-        </p:cTn>
-      </p:par>
-    </p:tnLst>
-  </p:timing>
 </p:sld>
 </file>
 
@@ -27277,7 +28739,7 @@
                   <a:uFillTx/>
                 </a:defRPr>
               </a:pPr>
-              <a:t>10. Juli 2025</a:t>
+              <a:t>12. Juli 2025</a:t>
             </a:fld>
             <a:endParaRPr lang="de-DE" sz="900" b="0" i="0" u="none" strike="noStrike" kern="1200" cap="none" spc="0" baseline="0">
               <a:solidFill>
@@ -27495,6 +28957,180 @@
           </a:ln>
         </p:spPr>
       </p:pic>
+      <p:sp>
+        <p:nvSpPr>
+          <p:cNvPr id="7" name="TextBox 10">
+            <a:extLst>
+              <a:ext uri="{FF2B5EF4-FFF2-40B4-BE49-F238E27FC236}">
+                <a16:creationId xmlns:a16="http://schemas.microsoft.com/office/drawing/2014/main" id="{D4362271-66EC-400C-BBF3-47E8733E84DD}"/>
+              </a:ext>
+            </a:extLst>
+          </p:cNvPr>
+          <p:cNvSpPr txBox="1"/>
+          <p:nvPr/>
+        </p:nvSpPr>
+        <p:spPr>
+          <a:xfrm>
+            <a:off x="442917" y="5994358"/>
+            <a:ext cx="5855114" cy="261610"/>
+          </a:xfrm>
+          <a:prstGeom prst="rect">
+            <a:avLst/>
+          </a:prstGeom>
+          <a:noFill/>
+          <a:ln cap="flat">
+            <a:noFill/>
+          </a:ln>
+        </p:spPr>
+        <p:txBody>
+          <a:bodyPr vert="horz" wrap="square" lIns="91440" tIns="45720" rIns="91440" bIns="45720" anchor="t" anchorCtr="0" compatLnSpc="1">
+            <a:spAutoFit/>
+          </a:bodyPr>
+          <a:lstStyle/>
+          <a:p>
+            <a:pPr lvl="0">
+              <a:defRPr sz="1800" b="0" i="0" u="none" strike="noStrike" kern="0" cap="none" spc="0" baseline="0">
+                <a:solidFill>
+                  <a:srgbClr val="000000"/>
+                </a:solidFill>
+                <a:uFillTx/>
+              </a:defRPr>
+            </a:pPr>
+            <a:r>
+              <a:rPr lang="en-US" sz="1100" b="0" i="0" u="none" strike="noStrike" kern="1200" cap="none" spc="0" baseline="0" dirty="0">
+                <a:solidFill>
+                  <a:srgbClr val="344A9A"/>
+                </a:solidFill>
+                <a:uFillTx/>
+                <a:latin typeface="Arial"/>
+              </a:rPr>
+              <a:t>Fig 8</a:t>
+            </a:r>
+            <a:r>
+              <a:rPr lang="en-US" sz="1100" dirty="0">
+                <a:solidFill>
+                  <a:srgbClr val="344A9A"/>
+                </a:solidFill>
+                <a:latin typeface="Arial"/>
+              </a:rPr>
+              <a:t>: Screenshot from VS Code highlighting LSP Features</a:t>
+            </a:r>
+            <a:endParaRPr lang="en-US" sz="1100" b="0" i="0" u="none" strike="noStrike" kern="1200" cap="none" spc="0" baseline="0" dirty="0">
+              <a:solidFill>
+                <a:srgbClr val="344A9A"/>
+              </a:solidFill>
+              <a:uFillTx/>
+              <a:latin typeface="Arial"/>
+            </a:endParaRPr>
+          </a:p>
+        </p:txBody>
+      </p:sp>
+      <p:sp>
+        <p:nvSpPr>
+          <p:cNvPr id="9" name="TextBox 8">
+            <a:extLst>
+              <a:ext uri="{FF2B5EF4-FFF2-40B4-BE49-F238E27FC236}">
+                <a16:creationId xmlns:a16="http://schemas.microsoft.com/office/drawing/2014/main" id="{9B6EDD58-0FD4-7AB4-B7B4-03AD161087C3}"/>
+              </a:ext>
+            </a:extLst>
+          </p:cNvPr>
+          <p:cNvSpPr txBox="1"/>
+          <p:nvPr/>
+        </p:nvSpPr>
+        <p:spPr>
+          <a:xfrm>
+            <a:off x="8016658" y="1573554"/>
+            <a:ext cx="3526076" cy="1754326"/>
+          </a:xfrm>
+          <a:prstGeom prst="rect">
+            <a:avLst/>
+          </a:prstGeom>
+          <a:noFill/>
+        </p:spPr>
+        <p:txBody>
+          <a:bodyPr wrap="square" rtlCol="0">
+            <a:spAutoFit/>
+          </a:bodyPr>
+          <a:lstStyle/>
+          <a:p>
+            <a:r>
+              <a:rPr lang="de-DE" b="1" dirty="0">
+                <a:solidFill>
+                  <a:srgbClr val="344A9A"/>
+                </a:solidFill>
+              </a:rPr>
+              <a:t>Features:</a:t>
+            </a:r>
+          </a:p>
+          <a:p>
+            <a:pPr marL="285750" indent="-285750">
+              <a:buFont typeface="Arial" panose="020B0604020202020204" pitchFamily="34" charset="0"/>
+              <a:buChar char="•"/>
+            </a:pPr>
+            <a:r>
+              <a:rPr lang="de-DE" dirty="0"/>
+              <a:t>Syntax </a:t>
+            </a:r>
+            <a:r>
+              <a:rPr lang="de-DE" dirty="0" err="1"/>
+              <a:t>Highlighting</a:t>
+            </a:r>
+            <a:endParaRPr lang="de-DE" dirty="0"/>
+          </a:p>
+          <a:p>
+            <a:pPr marL="285750" indent="-285750">
+              <a:buFont typeface="Arial" panose="020B0604020202020204" pitchFamily="34" charset="0"/>
+              <a:buChar char="•"/>
+            </a:pPr>
+            <a:r>
+              <a:rPr lang="de-DE" dirty="0"/>
+              <a:t>Tooltips</a:t>
+            </a:r>
+          </a:p>
+          <a:p>
+            <a:pPr marL="285750" indent="-285750">
+              <a:buFont typeface="Arial" panose="020B0604020202020204" pitchFamily="34" charset="0"/>
+              <a:buChar char="•"/>
+            </a:pPr>
+            <a:r>
+              <a:rPr lang="de-DE" dirty="0"/>
+              <a:t>Realtime </a:t>
+            </a:r>
+            <a:r>
+              <a:rPr lang="de-DE" dirty="0" err="1"/>
+              <a:t>compilation</a:t>
+            </a:r>
+            <a:r>
+              <a:rPr lang="de-DE" dirty="0"/>
+              <a:t> and </a:t>
+            </a:r>
+            <a:r>
+              <a:rPr lang="de-DE" dirty="0" err="1"/>
+              <a:t>checking</a:t>
+            </a:r>
+            <a:endParaRPr lang="de-DE" dirty="0"/>
+          </a:p>
+          <a:p>
+            <a:pPr marL="285750" indent="-285750">
+              <a:buFont typeface="Arial" panose="020B0604020202020204" pitchFamily="34" charset="0"/>
+              <a:buChar char="•"/>
+            </a:pPr>
+            <a:r>
+              <a:rPr lang="de-DE" dirty="0" err="1"/>
+              <a:t>Autocomplete</a:t>
+            </a:r>
+            <a:r>
+              <a:rPr lang="de-DE" dirty="0"/>
+              <a:t> </a:t>
+            </a:r>
+            <a:r>
+              <a:rPr lang="de-DE" dirty="0" err="1"/>
+              <a:t>suggestions</a:t>
+            </a:r>
+            <a:endParaRPr lang="de-DE" dirty="0"/>
+          </a:p>
+        </p:txBody>
+      </p:sp>
     </p:spTree>
   </p:cSld>
   <p:clrMapOvr>
@@ -27644,7 +29280,7 @@
                   <a:uFillTx/>
                 </a:defRPr>
               </a:pPr>
-              <a:t>10. Juli 2025</a:t>
+              <a:t>12. Juli 2025</a:t>
             </a:fld>
             <a:endParaRPr lang="de-DE" sz="900" b="0" i="0" u="none" strike="noStrike" kern="1200" cap="none" spc="0" baseline="0">
               <a:solidFill>
@@ -27850,14 +29486,206 @@
         </p:blipFill>
         <p:spPr>
           <a:xfrm>
-            <a:off x="407981" y="1236018"/>
-            <a:ext cx="8697595" cy="5114925"/>
+            <a:off x="442917" y="1404303"/>
+            <a:ext cx="7454743" cy="4384023"/>
           </a:xfrm>
           <a:prstGeom prst="rect">
             <a:avLst/>
           </a:prstGeom>
         </p:spPr>
       </p:pic>
+      <p:sp>
+        <p:nvSpPr>
+          <p:cNvPr id="6" name="TextBox 10">
+            <a:extLst>
+              <a:ext uri="{FF2B5EF4-FFF2-40B4-BE49-F238E27FC236}">
+                <a16:creationId xmlns:a16="http://schemas.microsoft.com/office/drawing/2014/main" id="{ADC83F5A-B730-71E3-4869-665254AB712C}"/>
+              </a:ext>
+            </a:extLst>
+          </p:cNvPr>
+          <p:cNvSpPr txBox="1"/>
+          <p:nvPr/>
+        </p:nvSpPr>
+        <p:spPr>
+          <a:xfrm>
+            <a:off x="442917" y="5863553"/>
+            <a:ext cx="5855114" cy="261610"/>
+          </a:xfrm>
+          <a:prstGeom prst="rect">
+            <a:avLst/>
+          </a:prstGeom>
+          <a:noFill/>
+          <a:ln cap="flat">
+            <a:noFill/>
+          </a:ln>
+        </p:spPr>
+        <p:txBody>
+          <a:bodyPr vert="horz" wrap="square" lIns="91440" tIns="45720" rIns="91440" bIns="45720" anchor="t" anchorCtr="0" compatLnSpc="1">
+            <a:spAutoFit/>
+          </a:bodyPr>
+          <a:lstStyle/>
+          <a:p>
+            <a:pPr lvl="0">
+              <a:defRPr sz="1800" b="0" i="0" u="none" strike="noStrike" kern="0" cap="none" spc="0" baseline="0">
+                <a:solidFill>
+                  <a:srgbClr val="000000"/>
+                </a:solidFill>
+                <a:uFillTx/>
+              </a:defRPr>
+            </a:pPr>
+            <a:r>
+              <a:rPr lang="en-US" sz="1100" b="0" i="0" u="none" strike="noStrike" kern="1200" cap="none" spc="0" baseline="0" dirty="0">
+                <a:solidFill>
+                  <a:srgbClr val="344A9A"/>
+                </a:solidFill>
+                <a:uFillTx/>
+                <a:latin typeface="Arial"/>
+              </a:rPr>
+              <a:t>Fig 9</a:t>
+            </a:r>
+            <a:r>
+              <a:rPr lang="en-US" sz="1100" dirty="0">
+                <a:solidFill>
+                  <a:srgbClr val="344A9A"/>
+                </a:solidFill>
+                <a:latin typeface="Arial"/>
+              </a:rPr>
+              <a:t>: Screenshot of running </a:t>
+            </a:r>
+            <a:r>
+              <a:rPr lang="en-US" sz="1100" dirty="0" err="1">
+                <a:solidFill>
+                  <a:srgbClr val="344A9A"/>
+                </a:solidFill>
+                <a:latin typeface="Arial"/>
+              </a:rPr>
+              <a:t>ReTI</a:t>
+            </a:r>
+            <a:r>
+              <a:rPr lang="en-US" sz="1100" dirty="0">
+                <a:solidFill>
+                  <a:srgbClr val="344A9A"/>
+                </a:solidFill>
+                <a:latin typeface="Arial"/>
+              </a:rPr>
+              <a:t>-Debug session</a:t>
+            </a:r>
+            <a:endParaRPr lang="en-US" sz="1100" b="0" i="0" u="none" strike="noStrike" kern="1200" cap="none" spc="0" baseline="0" dirty="0">
+              <a:solidFill>
+                <a:srgbClr val="344A9A"/>
+              </a:solidFill>
+              <a:uFillTx/>
+              <a:latin typeface="Arial"/>
+            </a:endParaRPr>
+          </a:p>
+        </p:txBody>
+      </p:sp>
+      <p:sp>
+        <p:nvSpPr>
+          <p:cNvPr id="7" name="TextBox 6">
+            <a:extLst>
+              <a:ext uri="{FF2B5EF4-FFF2-40B4-BE49-F238E27FC236}">
+                <a16:creationId xmlns:a16="http://schemas.microsoft.com/office/drawing/2014/main" id="{9E903AC3-E4B1-346A-4AC5-4D97C3135DBB}"/>
+              </a:ext>
+            </a:extLst>
+          </p:cNvPr>
+          <p:cNvSpPr txBox="1"/>
+          <p:nvPr/>
+        </p:nvSpPr>
+        <p:spPr>
+          <a:xfrm>
+            <a:off x="7747347" y="1573554"/>
+            <a:ext cx="4036661" cy="1477328"/>
+          </a:xfrm>
+          <a:prstGeom prst="rect">
+            <a:avLst/>
+          </a:prstGeom>
+          <a:noFill/>
+        </p:spPr>
+        <p:txBody>
+          <a:bodyPr wrap="square" rtlCol="0">
+            <a:spAutoFit/>
+          </a:bodyPr>
+          <a:lstStyle/>
+          <a:p>
+            <a:r>
+              <a:rPr lang="de-DE" b="1" dirty="0">
+                <a:solidFill>
+                  <a:srgbClr val="344A9A"/>
+                </a:solidFill>
+              </a:rPr>
+              <a:t>Features:</a:t>
+            </a:r>
+          </a:p>
+          <a:p>
+            <a:pPr marL="285750" indent="-285750">
+              <a:buFont typeface="Arial" panose="020B0604020202020204" pitchFamily="34" charset="0"/>
+              <a:buChar char="•"/>
+            </a:pPr>
+            <a:r>
+              <a:rPr lang="de-DE" dirty="0"/>
+              <a:t>Reading and </a:t>
+            </a:r>
+            <a:r>
+              <a:rPr lang="de-DE" dirty="0" err="1"/>
+              <a:t>writing</a:t>
+            </a:r>
+            <a:r>
+              <a:rPr lang="de-DE" dirty="0"/>
+              <a:t> </a:t>
+            </a:r>
+            <a:r>
+              <a:rPr lang="de-DE" dirty="0" err="1"/>
+              <a:t>register</a:t>
+            </a:r>
+            <a:r>
+              <a:rPr lang="de-DE" dirty="0"/>
+              <a:t> </a:t>
+            </a:r>
+            <a:r>
+              <a:rPr lang="de-DE" dirty="0" err="1"/>
+              <a:t>values</a:t>
+            </a:r>
+            <a:endParaRPr lang="de-DE" dirty="0"/>
+          </a:p>
+          <a:p>
+            <a:pPr marL="285750" indent="-285750">
+              <a:buFont typeface="Arial" panose="020B0604020202020204" pitchFamily="34" charset="0"/>
+              <a:buChar char="•"/>
+            </a:pPr>
+            <a:r>
+              <a:rPr lang="de-DE" dirty="0"/>
+              <a:t>Reading </a:t>
+            </a:r>
+            <a:r>
+              <a:rPr lang="de-DE" dirty="0" err="1"/>
+              <a:t>memory</a:t>
+            </a:r>
+            <a:endParaRPr lang="de-DE" dirty="0"/>
+          </a:p>
+          <a:p>
+            <a:pPr marL="285750" indent="-285750">
+              <a:buFont typeface="Arial" panose="020B0604020202020204" pitchFamily="34" charset="0"/>
+              <a:buChar char="•"/>
+            </a:pPr>
+            <a:r>
+              <a:rPr lang="de-DE" dirty="0"/>
+              <a:t>Breakpoints</a:t>
+            </a:r>
+          </a:p>
+          <a:p>
+            <a:pPr marL="285750" indent="-285750">
+              <a:buFont typeface="Arial" panose="020B0604020202020204" pitchFamily="34" charset="0"/>
+              <a:buChar char="•"/>
+            </a:pPr>
+            <a:r>
+              <a:rPr lang="de-DE" dirty="0" err="1"/>
+              <a:t>Stepping</a:t>
+            </a:r>
+            <a:endParaRPr lang="de-DE" dirty="0"/>
+          </a:p>
+        </p:txBody>
+      </p:sp>
     </p:spTree>
     <p:extLst>
       <p:ext uri="{BB962C8B-B14F-4D97-AF65-F5344CB8AC3E}">

--- a/presentation/presentation.pptx
+++ b/presentation/presentation.pptx
@@ -505,7 +505,7 @@
             <a:fld id="{99B41632-069F-48D6-8112-7097209EFB99}" type="datetime1">
               <a:rPr lang="de-DE"/>
               <a:pPr lvl="0"/>
-              <a:t>12.07.2025</a:t>
+              <a:t>13.07.2025</a:t>
             </a:fld>
             <a:endParaRPr lang="de-DE"/>
           </a:p>
@@ -2913,7 +2913,7 @@
             <a:fld id="{CD6543D6-383C-4F0E-965A-E8FC81277722}" type="datetime4">
               <a:rPr lang="de-DE"/>
               <a:pPr lvl="0"/>
-              <a:t>12. Juli 2025</a:t>
+              <a:t>13. Juli 2025</a:t>
             </a:fld>
             <a:endParaRPr lang="de-DE"/>
           </a:p>
@@ -3127,7 +3127,7 @@
             <a:fld id="{4FE2F17A-C21A-478B-88E9-0477DBEC62B8}" type="datetime4">
               <a:rPr lang="de-DE"/>
               <a:pPr lvl="0"/>
-              <a:t>12. Juli 2025</a:t>
+              <a:t>13. Juli 2025</a:t>
             </a:fld>
             <a:endParaRPr lang="de-DE"/>
           </a:p>
@@ -3371,7 +3371,7 @@
             <a:fld id="{16E27B38-1345-4CAE-9188-106B0173E1CC}" type="datetime4">
               <a:rPr lang="de-DE"/>
               <a:pPr lvl="0"/>
-              <a:t>12. Juli 2025</a:t>
+              <a:t>13. Juli 2025</a:t>
             </a:fld>
             <a:endParaRPr lang="de-DE"/>
           </a:p>
@@ -3659,7 +3659,7 @@
             <a:fld id="{FCD3004D-868A-4CBF-B97B-75BC0B8FDA1B}" type="datetime4">
               <a:rPr lang="de-DE"/>
               <a:pPr lvl="0"/>
-              <a:t>12. Juli 2025</a:t>
+              <a:t>13. Juli 2025</a:t>
             </a:fld>
             <a:endParaRPr lang="de-DE"/>
           </a:p>
@@ -3868,7 +3868,7 @@
             <a:fld id="{84601751-AA5B-49FF-AAE1-6963C5B7D9BF}" type="datetime4">
               <a:rPr lang="de-DE"/>
               <a:pPr lvl="0"/>
-              <a:t>12. Juli 2025</a:t>
+              <a:t>13. Juli 2025</a:t>
             </a:fld>
             <a:endParaRPr lang="de-DE"/>
           </a:p>
@@ -4072,7 +4072,7 @@
             <a:fld id="{E8FF77A1-B0AA-4303-BA6B-A020EBC0BF66}" type="datetime4">
               <a:rPr lang="de-DE"/>
               <a:pPr lvl="0"/>
-              <a:t>12. Juli 2025</a:t>
+              <a:t>13. Juli 2025</a:t>
             </a:fld>
             <a:endParaRPr lang="de-DE"/>
           </a:p>
@@ -4355,7 +4355,7 @@
             <a:fld id="{EDB87B34-8F10-4D18-A87D-5F957CCA7471}" type="datetime4">
               <a:rPr lang="de-DE"/>
               <a:pPr lvl="0"/>
-              <a:t>12. Juli 2025</a:t>
+              <a:t>13. Juli 2025</a:t>
             </a:fld>
             <a:endParaRPr lang="de-DE"/>
           </a:p>
@@ -4603,7 +4603,7 @@
             <a:fld id="{40D46405-2165-412A-B5A9-A689289A2722}" type="datetime4">
               <a:rPr lang="de-DE"/>
               <a:pPr lvl="0"/>
-              <a:t>12. Juli 2025</a:t>
+              <a:t>13. Juli 2025</a:t>
             </a:fld>
             <a:endParaRPr lang="de-DE"/>
           </a:p>
@@ -4807,7 +4807,7 @@
             <a:fld id="{A96CC717-5921-48B5-9145-5DBBA813FC80}" type="datetime4">
               <a:rPr lang="de-DE"/>
               <a:pPr lvl="0"/>
-              <a:t>12. Juli 2025</a:t>
+              <a:t>13. Juli 2025</a:t>
             </a:fld>
             <a:endParaRPr lang="de-DE"/>
           </a:p>
@@ -5055,7 +5055,7 @@
             <a:fld id="{B8C4394D-1D5E-4CC1-91F0-9284DCB9DDDB}" type="datetime4">
               <a:rPr lang="de-DE"/>
               <a:pPr lvl="0"/>
-              <a:t>12. Juli 2025</a:t>
+              <a:t>13. Juli 2025</a:t>
             </a:fld>
             <a:endParaRPr lang="de-DE"/>
           </a:p>
@@ -5963,7 +5963,7 @@
             <a:fld id="{6AE3A700-2C46-46F3-8A79-E45631798C00}" type="datetime4">
               <a:rPr lang="de-DE"/>
               <a:pPr lvl="0"/>
-              <a:t>12. Juli 2025</a:t>
+              <a:t>13. Juli 2025</a:t>
             </a:fld>
             <a:endParaRPr lang="de-DE"/>
           </a:p>
@@ -6262,7 +6262,7 @@
             <a:fld id="{3F569A98-3955-400C-BF1D-D7E7E09072C5}" type="datetime4">
               <a:rPr lang="de-DE"/>
               <a:pPr lvl="0"/>
-              <a:t>12. Juli 2025</a:t>
+              <a:t>13. Juli 2025</a:t>
             </a:fld>
             <a:endParaRPr lang="de-DE"/>
           </a:p>
@@ -6733,7 +6733,7 @@
             <a:fld id="{623C9C3C-0C83-49D0-8F9C-6EF0F6F82A1A}" type="datetime4">
               <a:rPr lang="de-DE"/>
               <a:pPr lvl="0"/>
-              <a:t>12. Juli 2025</a:t>
+              <a:t>13. Juli 2025</a:t>
             </a:fld>
             <a:endParaRPr lang="de-DE"/>
           </a:p>
@@ -7207,7 +7207,7 @@
             <a:fld id="{8B57F709-8E32-405E-AD84-DC8083A5C54B}" type="datetime4">
               <a:rPr lang="de-DE"/>
               <a:pPr lvl="0"/>
-              <a:t>12. Juli 2025</a:t>
+              <a:t>13. Juli 2025</a:t>
             </a:fld>
             <a:endParaRPr lang="de-DE"/>
           </a:p>
@@ -7338,7 +7338,7 @@
             <a:fld id="{4E8381F7-B714-43B4-B365-C1A70FFB8FE3}" type="datetime4">
               <a:rPr lang="de-DE"/>
               <a:pPr lvl="0"/>
-              <a:t>12. Juli 2025</a:t>
+              <a:t>13. Juli 2025</a:t>
             </a:fld>
             <a:endParaRPr lang="de-DE"/>
           </a:p>
@@ -7522,7 +7522,7 @@
             <a:fld id="{A0297AD3-829B-4B35-AD11-107AC625D8AF}" type="datetime4">
               <a:rPr lang="de-DE"/>
               <a:pPr lvl="0"/>
-              <a:t>12. Juli 2025</a:t>
+              <a:t>13. Juli 2025</a:t>
             </a:fld>
             <a:endParaRPr lang="de-DE"/>
           </a:p>
@@ -9101,7 +9101,7 @@
             <a:fld id="{094D5377-B346-4830-A292-4BD6E375916B}" type="datetime4">
               <a:rPr lang="de-DE"/>
               <a:pPr lvl="0"/>
-              <a:t>12. Juli 2025</a:t>
+              <a:t>13. Juli 2025</a:t>
             </a:fld>
             <a:endParaRPr lang="de-DE"/>
           </a:p>
@@ -9675,7 +9675,7 @@
             <a:fld id="{5698949A-D1DF-41B2-9889-84E88E55D60F}" type="datetime4">
               <a:rPr lang="de-DE"/>
               <a:pPr lvl="0"/>
-              <a:t>12. Juli 2025</a:t>
+              <a:t>13. Juli 2025</a:t>
             </a:fld>
             <a:endParaRPr lang="de-DE"/>
           </a:p>
@@ -10068,7 +10068,7 @@
             <a:fld id="{8A5A54B7-6719-41BF-8E0A-3D4F08824594}" type="datetime4">
               <a:rPr lang="de-DE"/>
               <a:pPr lvl="0"/>
-              <a:t>12. Juli 2025</a:t>
+              <a:t>13. Juli 2025</a:t>
             </a:fld>
             <a:endParaRPr lang="de-DE"/>
           </a:p>
@@ -10237,7 +10237,7 @@
             <a:fld id="{3A7FBFFB-4C9A-40EA-8116-F21085C3E496}" type="datetime4">
               <a:rPr lang="de-DE"/>
               <a:pPr lvl="0"/>
-              <a:t>12. Juli 2025</a:t>
+              <a:t>13. Juli 2025</a:t>
             </a:fld>
             <a:endParaRPr lang="de-DE"/>
           </a:p>
@@ -10479,7 +10479,7 @@
             <a:fld id="{B3A3DFAF-AC8B-4741-BD5B-148CB659AD13}" type="datetime4">
               <a:rPr lang="de-DE"/>
               <a:pPr lvl="0"/>
-              <a:t>12. Juli 2025</a:t>
+              <a:t>13. Juli 2025</a:t>
             </a:fld>
             <a:endParaRPr lang="de-DE"/>
           </a:p>
@@ -10889,7 +10889,7 @@
             <a:fld id="{0CFB9883-08DF-4530-90E6-CB353220928E}" type="datetime4">
               <a:rPr lang="de-DE"/>
               <a:pPr lvl="0"/>
-              <a:t>12. Juli 2025</a:t>
+              <a:t>13. Juli 2025</a:t>
             </a:fld>
             <a:endParaRPr lang="de-DE"/>
           </a:p>
@@ -11257,7 +11257,7 @@
             <a:fld id="{56B080E7-B989-4EA6-BF19-37307657C6EE}" type="datetime4">
               <a:rPr lang="de-DE"/>
               <a:pPr lvl="0"/>
-              <a:t>12. Juli 2025</a:t>
+              <a:t>13. Juli 2025</a:t>
             </a:fld>
             <a:endParaRPr lang="de-DE"/>
           </a:p>
@@ -11547,7 +11547,7 @@
             <a:fld id="{63649560-F823-49FD-908E-89FF72ED5BF8}" type="datetime4">
               <a:rPr lang="de-DE"/>
               <a:pPr lvl="0"/>
-              <a:t>12. Juli 2025</a:t>
+              <a:t>13. Juli 2025</a:t>
             </a:fld>
             <a:endParaRPr lang="de-DE"/>
           </a:p>
@@ -11789,7 +11789,7 @@
             <a:fld id="{172A3027-64A8-4CCB-BE74-C74EA1F8D594}" type="datetime4">
               <a:rPr lang="de-DE"/>
               <a:pPr lvl="0"/>
-              <a:t>12. Juli 2025</a:t>
+              <a:t>13. Juli 2025</a:t>
             </a:fld>
             <a:endParaRPr lang="de-DE"/>
           </a:p>
@@ -12074,7 +12074,7 @@
             <a:fld id="{2C7F44E5-9FED-4575-9E92-AB612E5DD227}" type="datetime4">
               <a:rPr lang="de-DE"/>
               <a:pPr lvl="0"/>
-              <a:t>12. Juli 2025</a:t>
+              <a:t>13. Juli 2025</a:t>
             </a:fld>
             <a:endParaRPr lang="de-DE"/>
           </a:p>
@@ -12281,7 +12281,7 @@
             <a:fld id="{38C8D9E8-17A5-4ED3-95B7-2AAD57A82B92}" type="datetime4">
               <a:rPr lang="de-DE"/>
               <a:pPr lvl="0"/>
-              <a:t>12. Juli 2025</a:t>
+              <a:t>13. Juli 2025</a:t>
             </a:fld>
             <a:endParaRPr lang="de-DE"/>
           </a:p>
@@ -12628,7 +12628,7 @@
             <a:fld id="{E9BA7A50-0C5E-40A3-BFA8-AE3D1086347F}" type="datetime4">
               <a:rPr lang="de-DE"/>
               <a:pPr lvl="0"/>
-              <a:t>12. Juli 2025</a:t>
+              <a:t>13. Juli 2025</a:t>
             </a:fld>
             <a:endParaRPr lang="de-DE"/>
           </a:p>
@@ -12793,7 +12793,7 @@
             <a:fld id="{0D30BD99-EB4B-41D8-A0CA-98113F2286A4}" type="datetime4">
               <a:rPr lang="de-DE"/>
               <a:pPr lvl="0"/>
-              <a:t>12. Juli 2025</a:t>
+              <a:t>13. Juli 2025</a:t>
             </a:fld>
             <a:endParaRPr lang="de-DE"/>
           </a:p>
@@ -13073,7 +13073,7 @@
             <a:fld id="{5C5EBCD5-3B81-48A7-A5E0-992DC4F7F974}" type="datetime4">
               <a:rPr lang="de-DE"/>
               <a:pPr lvl="0"/>
-              <a:t>12. Juli 2025</a:t>
+              <a:t>13. Juli 2025</a:t>
             </a:fld>
             <a:endParaRPr lang="de-DE"/>
           </a:p>
@@ -13318,7 +13318,7 @@
             <a:fld id="{F15A6E41-D07D-48C2-AC8B-114638175B01}" type="datetime4">
               <a:rPr lang="de-DE"/>
               <a:pPr lvl="0"/>
-              <a:t>12. Juli 2025</a:t>
+              <a:t>13. Juli 2025</a:t>
             </a:fld>
             <a:endParaRPr lang="de-DE"/>
           </a:p>
@@ -13520,7 +13520,7 @@
             <a:fld id="{459F87E8-4CC1-4E4C-ACB4-CECDA872E2F8}" type="datetime4">
               <a:rPr lang="de-DE"/>
               <a:pPr lvl="0"/>
-              <a:t>12. Juli 2025</a:t>
+              <a:t>13. Juli 2025</a:t>
             </a:fld>
             <a:endParaRPr lang="de-DE"/>
           </a:p>
@@ -13765,7 +13765,7 @@
             <a:fld id="{6CCC58C2-ED5A-48D3-BD08-D9CB24906B4B}" type="datetime4">
               <a:rPr lang="de-DE"/>
               <a:pPr lvl="0"/>
-              <a:t>12. Juli 2025</a:t>
+              <a:t>13. Juli 2025</a:t>
             </a:fld>
             <a:endParaRPr lang="de-DE"/>
           </a:p>
@@ -14007,7 +14007,7 @@
             <a:fld id="{73A1FB07-68FB-467D-87F4-06351E49F6B3}" type="datetime4">
               <a:rPr lang="de-DE"/>
               <a:pPr lvl="0"/>
-              <a:t>12. Juli 2025</a:t>
+              <a:t>13. Juli 2025</a:t>
             </a:fld>
             <a:endParaRPr lang="de-DE"/>
           </a:p>
@@ -14288,7 +14288,7 @@
             <a:fld id="{7C8A22F7-493D-4E6D-9018-EFF9AAD139FD}" type="datetime4">
               <a:rPr lang="de-DE"/>
               <a:pPr lvl="0"/>
-              <a:t>12. Juli 2025</a:t>
+              <a:t>13. Juli 2025</a:t>
             </a:fld>
             <a:endParaRPr lang="de-DE"/>
           </a:p>
@@ -14754,7 +14754,7 @@
             <a:fld id="{E035DBEF-51DF-4AD4-8A4F-EFCF07BE0766}" type="datetime4">
               <a:rPr lang="de-DE"/>
               <a:pPr lvl="0"/>
-              <a:t>12. Juli 2025</a:t>
+              <a:t>13. Juli 2025</a:t>
             </a:fld>
             <a:endParaRPr lang="de-DE"/>
           </a:p>
@@ -15221,7 +15221,7 @@
             <a:fld id="{659A9430-FDB3-4899-8A5C-A44797862664}" type="datetime4">
               <a:rPr lang="de-DE"/>
               <a:pPr lvl="0"/>
-              <a:t>12. Juli 2025</a:t>
+              <a:t>13. Juli 2025</a:t>
             </a:fld>
             <a:endParaRPr lang="de-DE"/>
           </a:p>
@@ -15352,7 +15352,7 @@
             <a:fld id="{F87F329E-B2CA-437C-8477-D94886C5C7B3}" type="datetime4">
               <a:rPr lang="de-DE"/>
               <a:pPr lvl="0"/>
-              <a:t>12. Juli 2025</a:t>
+              <a:t>13. Juli 2025</a:t>
             </a:fld>
             <a:endParaRPr lang="de-DE"/>
           </a:p>
@@ -15661,7 +15661,7 @@
             <a:fld id="{57EFC22C-0657-494B-91B8-172AC9DCB06C}" type="datetime4">
               <a:rPr lang="de-DE"/>
               <a:pPr lvl="0"/>
-              <a:t>12. Juli 2025</a:t>
+              <a:t>13. Juli 2025</a:t>
             </a:fld>
             <a:endParaRPr lang="de-DE"/>
           </a:p>
@@ -15840,7 +15840,7 @@
             <a:fld id="{D4A3CB55-43DA-4FC3-87E9-4F87D89EB1EC}" type="datetime4">
               <a:rPr lang="de-DE"/>
               <a:pPr lvl="0"/>
-              <a:t>12. Juli 2025</a:t>
+              <a:t>13. Juli 2025</a:t>
             </a:fld>
             <a:endParaRPr lang="de-DE"/>
           </a:p>
@@ -16332,7 +16332,7 @@
             <a:fld id="{EFAD4C63-C4A8-4426-8B37-6947F614C924}" type="datetime4">
               <a:rPr lang="de-DE"/>
               <a:pPr lvl="0"/>
-              <a:t>12. Juli 2025</a:t>
+              <a:t>13. Juli 2025</a:t>
             </a:fld>
             <a:endParaRPr lang="de-DE"/>
           </a:p>
@@ -16576,7 +16576,7 @@
             <a:fld id="{19B3ED3E-F133-48A9-9F5A-8597003BD4D5}" type="datetime4">
               <a:rPr lang="de-DE"/>
               <a:pPr lvl="0"/>
-              <a:t>12. Juli 2025</a:t>
+              <a:t>13. Juli 2025</a:t>
             </a:fld>
             <a:endParaRPr lang="de-DE"/>
           </a:p>
@@ -16742,7 +16742,7 @@
             <a:fld id="{32E18DED-A704-450B-B8FC-04A924E29780}" type="datetime4">
               <a:rPr lang="de-DE"/>
               <a:pPr lvl="0"/>
-              <a:t>12. Juli 2025</a:t>
+              <a:t>13. Juli 2025</a:t>
             </a:fld>
             <a:endParaRPr lang="de-DE"/>
           </a:p>
@@ -17156,7 +17156,7 @@
             <a:fld id="{D1B03F6D-9048-4D17-B1F3-FC18BB8186E2}" type="datetime4">
               <a:rPr lang="de-DE"/>
               <a:pPr lvl="0"/>
-              <a:t>12. Juli 2025</a:t>
+              <a:t>13. Juli 2025</a:t>
             </a:fld>
             <a:endParaRPr lang="de-DE"/>
           </a:p>
@@ -17632,7 +17632,7 @@
             <a:fld id="{7A0A60FC-1CB8-4631-859C-7C1BE8C674D5}" type="datetime4">
               <a:rPr lang="de-DE"/>
               <a:pPr lvl="0"/>
-              <a:t>12. Juli 2025</a:t>
+              <a:t>13. Juli 2025</a:t>
             </a:fld>
             <a:endParaRPr lang="de-DE"/>
           </a:p>
@@ -18392,7 +18392,7 @@
             <a:fld id="{D0ECAB24-BD29-4ADE-B273-4175E305A902}" type="datetime4">
               <a:rPr lang="de-DE"/>
               <a:pPr lvl="0"/>
-              <a:t>12. Juli 2025</a:t>
+              <a:t>13. Juli 2025</a:t>
             </a:fld>
             <a:endParaRPr lang="de-DE"/>
           </a:p>
@@ -19411,7 +19411,7 @@
                   <a:uFillTx/>
                 </a:defRPr>
               </a:pPr>
-              <a:t>12. Juli 2025</a:t>
+              <a:t>13. Juli 2025</a:t>
             </a:fld>
             <a:endParaRPr lang="de-DE" sz="900" b="0" i="0" u="none" strike="noStrike" kern="1200" cap="none" spc="0" baseline="0">
               <a:solidFill>
@@ -21364,7 +21364,7 @@
                   <a:uFillTx/>
                 </a:defRPr>
               </a:pPr>
-              <a:t>12. Juli 2025</a:t>
+              <a:t>13. Juli 2025</a:t>
             </a:fld>
             <a:endParaRPr lang="de-DE" sz="900" b="0" i="0" u="none" strike="noStrike" kern="1200" cap="none" spc="0" baseline="0">
               <a:solidFill>
@@ -22274,7 +22274,7 @@
                   <a:uFillTx/>
                 </a:defRPr>
               </a:pPr>
-              <a:t>12. Juli 2025</a:t>
+              <a:t>13. Juli 2025</a:t>
             </a:fld>
             <a:endParaRPr lang="de-DE" sz="900" b="0" i="0" u="none" strike="noStrike" kern="1200" cap="none" spc="0" baseline="0">
               <a:solidFill>
@@ -22447,7 +22447,31 @@
               <a:rPr lang="en-US" b="1" dirty="0">
                 <a:latin typeface="Calibri"/>
               </a:rPr>
-              <a:t>Expand to other versions of </a:t>
+              <a:t>Improve Memory View:</a:t>
+            </a:r>
+          </a:p>
+          <a:p>
+            <a:pPr lvl="1"/>
+            <a:r>
+              <a:rPr lang="en-US">
+                <a:latin typeface="Calibri"/>
+              </a:rPr>
+              <a:t>Using “watch expression” is cumbersome</a:t>
+            </a:r>
+          </a:p>
+          <a:p>
+            <a:pPr lvl="0"/>
+            <a:r>
+              <a:rPr lang="en-US" b="1">
+                <a:latin typeface="Calibri"/>
+              </a:rPr>
+              <a:t>Expand </a:t>
+            </a:r>
+            <a:r>
+              <a:rPr lang="en-US" b="1" dirty="0">
+                <a:latin typeface="Calibri"/>
+              </a:rPr>
+              <a:t>to other versions of </a:t>
             </a:r>
             <a:r>
               <a:rPr lang="en-US" b="1" dirty="0" err="1">
@@ -22458,24 +22482,6 @@
             <a:endParaRPr lang="en-US" b="1" dirty="0">
               <a:latin typeface="Calibri"/>
             </a:endParaRPr>
-          </a:p>
-          <a:p>
-            <a:pPr lvl="0"/>
-            <a:r>
-              <a:rPr lang="en-US" b="1" dirty="0">
-                <a:latin typeface="Calibri"/>
-              </a:rPr>
-              <a:t>Improve Memory View:</a:t>
-            </a:r>
-          </a:p>
-          <a:p>
-            <a:pPr lvl="1"/>
-            <a:r>
-              <a:rPr lang="en-US" dirty="0">
-                <a:latin typeface="Calibri"/>
-              </a:rPr>
-              <a:t>Using “watch expression” is cumbersome</a:t>
-            </a:r>
           </a:p>
           <a:p>
             <a:pPr lvl="0"/>
@@ -24457,7 +24463,7 @@
                   <a:uFillTx/>
                 </a:defRPr>
               </a:pPr>
-              <a:t>July 12, 2025</a:t>
+              <a:t>July 13, 2025</a:t>
             </a:fld>
             <a:endParaRPr lang="en-US" sz="900" b="0" i="0" u="none" strike="noStrike" kern="1200" cap="none" spc="0" baseline="0">
               <a:solidFill>
@@ -24748,7 +24754,7 @@
                   <a:uFillTx/>
                 </a:defRPr>
               </a:pPr>
-              <a:t>July 12, 2025</a:t>
+              <a:t>July 13, 2025</a:t>
             </a:fld>
             <a:endParaRPr lang="en-US" sz="900" b="0" i="0" u="none" strike="noStrike" kern="1200" cap="none" spc="0" baseline="0">
               <a:solidFill>
@@ -25358,7 +25364,7 @@
                   <a:uFillTx/>
                 </a:defRPr>
               </a:pPr>
-              <a:t>July 12, 2025</a:t>
+              <a:t>July 13, 2025</a:t>
             </a:fld>
             <a:endParaRPr lang="en-US" sz="900" b="0" i="0" u="none" strike="noStrike" kern="1200" cap="none" spc="0" baseline="0">
               <a:solidFill>
@@ -27360,7 +27366,7 @@
                   <a:uFillTx/>
                 </a:defRPr>
               </a:pPr>
-              <a:t>12. Juli 2025</a:t>
+              <a:t>13. Juli 2025</a:t>
             </a:fld>
             <a:endParaRPr lang="de-DE" sz="900" b="0" i="0" u="none" strike="noStrike" kern="1200" cap="none" spc="0" baseline="0">
               <a:solidFill>
@@ -28177,7 +28183,7 @@
                   <a:uFillTx/>
                 </a:defRPr>
               </a:pPr>
-              <a:t>12. Juli 2025</a:t>
+              <a:t>13. Juli 2025</a:t>
             </a:fld>
             <a:endParaRPr lang="de-DE" sz="900" b="0" i="0" u="none" strike="noStrike" kern="1200" cap="none" spc="0" baseline="0">
               <a:solidFill>
@@ -28739,7 +28745,7 @@
                   <a:uFillTx/>
                 </a:defRPr>
               </a:pPr>
-              <a:t>12. Juli 2025</a:t>
+              <a:t>13. Juli 2025</a:t>
             </a:fld>
             <a:endParaRPr lang="de-DE" sz="900" b="0" i="0" u="none" strike="noStrike" kern="1200" cap="none" spc="0" baseline="0">
               <a:solidFill>
@@ -29280,7 +29286,7 @@
                   <a:uFillTx/>
                 </a:defRPr>
               </a:pPr>
-              <a:t>12. Juli 2025</a:t>
+              <a:t>13. Juli 2025</a:t>
             </a:fld>
             <a:endParaRPr lang="de-DE" sz="900" b="0" i="0" u="none" strike="noStrike" kern="1200" cap="none" spc="0" baseline="0">
               <a:solidFill>

--- a/presentation/presentation.pptx
+++ b/presentation/presentation.pptx
@@ -22453,7 +22453,7 @@
           <a:p>
             <a:pPr lvl="1"/>
             <a:r>
-              <a:rPr lang="en-US">
+              <a:rPr lang="en-US" dirty="0">
                 <a:latin typeface="Calibri"/>
               </a:rPr>
               <a:t>Using “watch expression” is cumbersome</a:t>
@@ -22462,16 +22462,10 @@
           <a:p>
             <a:pPr lvl="0"/>
             <a:r>
-              <a:rPr lang="en-US" b="1">
-                <a:latin typeface="Calibri"/>
-              </a:rPr>
-              <a:t>Expand </a:t>
-            </a:r>
-            <a:r>
               <a:rPr lang="en-US" b="1" dirty="0">
                 <a:latin typeface="Calibri"/>
               </a:rPr>
-              <a:t>to other versions of </a:t>
+              <a:t>Expand to other versions of </a:t>
             </a:r>
             <a:r>
               <a:rPr lang="en-US" b="1" dirty="0" err="1">

--- a/presentation/presentation.pptx
+++ b/presentation/presentation.pptx
@@ -505,7 +505,7 @@
             <a:fld id="{99B41632-069F-48D6-8112-7097209EFB99}" type="datetime1">
               <a:rPr lang="de-DE"/>
               <a:pPr lvl="0"/>
-              <a:t>13.07.2025</a:t>
+              <a:t>16.07.2025</a:t>
             </a:fld>
             <a:endParaRPr lang="de-DE"/>
           </a:p>
@@ -2913,7 +2913,7 @@
             <a:fld id="{CD6543D6-383C-4F0E-965A-E8FC81277722}" type="datetime4">
               <a:rPr lang="de-DE"/>
               <a:pPr lvl="0"/>
-              <a:t>13. Juli 2025</a:t>
+              <a:t>16. Juli 2025</a:t>
             </a:fld>
             <a:endParaRPr lang="de-DE"/>
           </a:p>
@@ -3127,7 +3127,7 @@
             <a:fld id="{4FE2F17A-C21A-478B-88E9-0477DBEC62B8}" type="datetime4">
               <a:rPr lang="de-DE"/>
               <a:pPr lvl="0"/>
-              <a:t>13. Juli 2025</a:t>
+              <a:t>16. Juli 2025</a:t>
             </a:fld>
             <a:endParaRPr lang="de-DE"/>
           </a:p>
@@ -3371,7 +3371,7 @@
             <a:fld id="{16E27B38-1345-4CAE-9188-106B0173E1CC}" type="datetime4">
               <a:rPr lang="de-DE"/>
               <a:pPr lvl="0"/>
-              <a:t>13. Juli 2025</a:t>
+              <a:t>16. Juli 2025</a:t>
             </a:fld>
             <a:endParaRPr lang="de-DE"/>
           </a:p>
@@ -3659,7 +3659,7 @@
             <a:fld id="{FCD3004D-868A-4CBF-B97B-75BC0B8FDA1B}" type="datetime4">
               <a:rPr lang="de-DE"/>
               <a:pPr lvl="0"/>
-              <a:t>13. Juli 2025</a:t>
+              <a:t>16. Juli 2025</a:t>
             </a:fld>
             <a:endParaRPr lang="de-DE"/>
           </a:p>
@@ -3868,7 +3868,7 @@
             <a:fld id="{84601751-AA5B-49FF-AAE1-6963C5B7D9BF}" type="datetime4">
               <a:rPr lang="de-DE"/>
               <a:pPr lvl="0"/>
-              <a:t>13. Juli 2025</a:t>
+              <a:t>16. Juli 2025</a:t>
             </a:fld>
             <a:endParaRPr lang="de-DE"/>
           </a:p>
@@ -4072,7 +4072,7 @@
             <a:fld id="{E8FF77A1-B0AA-4303-BA6B-A020EBC0BF66}" type="datetime4">
               <a:rPr lang="de-DE"/>
               <a:pPr lvl="0"/>
-              <a:t>13. Juli 2025</a:t>
+              <a:t>16. Juli 2025</a:t>
             </a:fld>
             <a:endParaRPr lang="de-DE"/>
           </a:p>
@@ -4355,7 +4355,7 @@
             <a:fld id="{EDB87B34-8F10-4D18-A87D-5F957CCA7471}" type="datetime4">
               <a:rPr lang="de-DE"/>
               <a:pPr lvl="0"/>
-              <a:t>13. Juli 2025</a:t>
+              <a:t>16. Juli 2025</a:t>
             </a:fld>
             <a:endParaRPr lang="de-DE"/>
           </a:p>
@@ -4603,7 +4603,7 @@
             <a:fld id="{40D46405-2165-412A-B5A9-A689289A2722}" type="datetime4">
               <a:rPr lang="de-DE"/>
               <a:pPr lvl="0"/>
-              <a:t>13. Juli 2025</a:t>
+              <a:t>16. Juli 2025</a:t>
             </a:fld>
             <a:endParaRPr lang="de-DE"/>
           </a:p>
@@ -4807,7 +4807,7 @@
             <a:fld id="{A96CC717-5921-48B5-9145-5DBBA813FC80}" type="datetime4">
               <a:rPr lang="de-DE"/>
               <a:pPr lvl="0"/>
-              <a:t>13. Juli 2025</a:t>
+              <a:t>16. Juli 2025</a:t>
             </a:fld>
             <a:endParaRPr lang="de-DE"/>
           </a:p>
@@ -5055,7 +5055,7 @@
             <a:fld id="{B8C4394D-1D5E-4CC1-91F0-9284DCB9DDDB}" type="datetime4">
               <a:rPr lang="de-DE"/>
               <a:pPr lvl="0"/>
-              <a:t>13. Juli 2025</a:t>
+              <a:t>16. Juli 2025</a:t>
             </a:fld>
             <a:endParaRPr lang="de-DE"/>
           </a:p>
@@ -5963,7 +5963,7 @@
             <a:fld id="{6AE3A700-2C46-46F3-8A79-E45631798C00}" type="datetime4">
               <a:rPr lang="de-DE"/>
               <a:pPr lvl="0"/>
-              <a:t>13. Juli 2025</a:t>
+              <a:t>16. Juli 2025</a:t>
             </a:fld>
             <a:endParaRPr lang="de-DE"/>
           </a:p>
@@ -6262,7 +6262,7 @@
             <a:fld id="{3F569A98-3955-400C-BF1D-D7E7E09072C5}" type="datetime4">
               <a:rPr lang="de-DE"/>
               <a:pPr lvl="0"/>
-              <a:t>13. Juli 2025</a:t>
+              <a:t>16. Juli 2025</a:t>
             </a:fld>
             <a:endParaRPr lang="de-DE"/>
           </a:p>
@@ -6733,7 +6733,7 @@
             <a:fld id="{623C9C3C-0C83-49D0-8F9C-6EF0F6F82A1A}" type="datetime4">
               <a:rPr lang="de-DE"/>
               <a:pPr lvl="0"/>
-              <a:t>13. Juli 2025</a:t>
+              <a:t>16. Juli 2025</a:t>
             </a:fld>
             <a:endParaRPr lang="de-DE"/>
           </a:p>
@@ -7207,7 +7207,7 @@
             <a:fld id="{8B57F709-8E32-405E-AD84-DC8083A5C54B}" type="datetime4">
               <a:rPr lang="de-DE"/>
               <a:pPr lvl="0"/>
-              <a:t>13. Juli 2025</a:t>
+              <a:t>16. Juli 2025</a:t>
             </a:fld>
             <a:endParaRPr lang="de-DE"/>
           </a:p>
@@ -7338,7 +7338,7 @@
             <a:fld id="{4E8381F7-B714-43B4-B365-C1A70FFB8FE3}" type="datetime4">
               <a:rPr lang="de-DE"/>
               <a:pPr lvl="0"/>
-              <a:t>13. Juli 2025</a:t>
+              <a:t>16. Juli 2025</a:t>
             </a:fld>
             <a:endParaRPr lang="de-DE"/>
           </a:p>
@@ -7522,7 +7522,7 @@
             <a:fld id="{A0297AD3-829B-4B35-AD11-107AC625D8AF}" type="datetime4">
               <a:rPr lang="de-DE"/>
               <a:pPr lvl="0"/>
-              <a:t>13. Juli 2025</a:t>
+              <a:t>16. Juli 2025</a:t>
             </a:fld>
             <a:endParaRPr lang="de-DE"/>
           </a:p>
@@ -9101,7 +9101,7 @@
             <a:fld id="{094D5377-B346-4830-A292-4BD6E375916B}" type="datetime4">
               <a:rPr lang="de-DE"/>
               <a:pPr lvl="0"/>
-              <a:t>13. Juli 2025</a:t>
+              <a:t>16. Juli 2025</a:t>
             </a:fld>
             <a:endParaRPr lang="de-DE"/>
           </a:p>
@@ -9675,7 +9675,7 @@
             <a:fld id="{5698949A-D1DF-41B2-9889-84E88E55D60F}" type="datetime4">
               <a:rPr lang="de-DE"/>
               <a:pPr lvl="0"/>
-              <a:t>13. Juli 2025</a:t>
+              <a:t>16. Juli 2025</a:t>
             </a:fld>
             <a:endParaRPr lang="de-DE"/>
           </a:p>
@@ -10068,7 +10068,7 @@
             <a:fld id="{8A5A54B7-6719-41BF-8E0A-3D4F08824594}" type="datetime4">
               <a:rPr lang="de-DE"/>
               <a:pPr lvl="0"/>
-              <a:t>13. Juli 2025</a:t>
+              <a:t>16. Juli 2025</a:t>
             </a:fld>
             <a:endParaRPr lang="de-DE"/>
           </a:p>
@@ -10237,7 +10237,7 @@
             <a:fld id="{3A7FBFFB-4C9A-40EA-8116-F21085C3E496}" type="datetime4">
               <a:rPr lang="de-DE"/>
               <a:pPr lvl="0"/>
-              <a:t>13. Juli 2025</a:t>
+              <a:t>16. Juli 2025</a:t>
             </a:fld>
             <a:endParaRPr lang="de-DE"/>
           </a:p>
@@ -10479,7 +10479,7 @@
             <a:fld id="{B3A3DFAF-AC8B-4741-BD5B-148CB659AD13}" type="datetime4">
               <a:rPr lang="de-DE"/>
               <a:pPr lvl="0"/>
-              <a:t>13. Juli 2025</a:t>
+              <a:t>16. Juli 2025</a:t>
             </a:fld>
             <a:endParaRPr lang="de-DE"/>
           </a:p>
@@ -10889,7 +10889,7 @@
             <a:fld id="{0CFB9883-08DF-4530-90E6-CB353220928E}" type="datetime4">
               <a:rPr lang="de-DE"/>
               <a:pPr lvl="0"/>
-              <a:t>13. Juli 2025</a:t>
+              <a:t>16. Juli 2025</a:t>
             </a:fld>
             <a:endParaRPr lang="de-DE"/>
           </a:p>
@@ -11257,7 +11257,7 @@
             <a:fld id="{56B080E7-B989-4EA6-BF19-37307657C6EE}" type="datetime4">
               <a:rPr lang="de-DE"/>
               <a:pPr lvl="0"/>
-              <a:t>13. Juli 2025</a:t>
+              <a:t>16. Juli 2025</a:t>
             </a:fld>
             <a:endParaRPr lang="de-DE"/>
           </a:p>
@@ -11547,7 +11547,7 @@
             <a:fld id="{63649560-F823-49FD-908E-89FF72ED5BF8}" type="datetime4">
               <a:rPr lang="de-DE"/>
               <a:pPr lvl="0"/>
-              <a:t>13. Juli 2025</a:t>
+              <a:t>16. Juli 2025</a:t>
             </a:fld>
             <a:endParaRPr lang="de-DE"/>
           </a:p>
@@ -11789,7 +11789,7 @@
             <a:fld id="{172A3027-64A8-4CCB-BE74-C74EA1F8D594}" type="datetime4">
               <a:rPr lang="de-DE"/>
               <a:pPr lvl="0"/>
-              <a:t>13. Juli 2025</a:t>
+              <a:t>16. Juli 2025</a:t>
             </a:fld>
             <a:endParaRPr lang="de-DE"/>
           </a:p>
@@ -12074,7 +12074,7 @@
             <a:fld id="{2C7F44E5-9FED-4575-9E92-AB612E5DD227}" type="datetime4">
               <a:rPr lang="de-DE"/>
               <a:pPr lvl="0"/>
-              <a:t>13. Juli 2025</a:t>
+              <a:t>16. Juli 2025</a:t>
             </a:fld>
             <a:endParaRPr lang="de-DE"/>
           </a:p>
@@ -12281,7 +12281,7 @@
             <a:fld id="{38C8D9E8-17A5-4ED3-95B7-2AAD57A82B92}" type="datetime4">
               <a:rPr lang="de-DE"/>
               <a:pPr lvl="0"/>
-              <a:t>13. Juli 2025</a:t>
+              <a:t>16. Juli 2025</a:t>
             </a:fld>
             <a:endParaRPr lang="de-DE"/>
           </a:p>
@@ -12628,7 +12628,7 @@
             <a:fld id="{E9BA7A50-0C5E-40A3-BFA8-AE3D1086347F}" type="datetime4">
               <a:rPr lang="de-DE"/>
               <a:pPr lvl="0"/>
-              <a:t>13. Juli 2025</a:t>
+              <a:t>16. Juli 2025</a:t>
             </a:fld>
             <a:endParaRPr lang="de-DE"/>
           </a:p>
@@ -12793,7 +12793,7 @@
             <a:fld id="{0D30BD99-EB4B-41D8-A0CA-98113F2286A4}" type="datetime4">
               <a:rPr lang="de-DE"/>
               <a:pPr lvl="0"/>
-              <a:t>13. Juli 2025</a:t>
+              <a:t>16. Juli 2025</a:t>
             </a:fld>
             <a:endParaRPr lang="de-DE"/>
           </a:p>
@@ -13073,7 +13073,7 @@
             <a:fld id="{5C5EBCD5-3B81-48A7-A5E0-992DC4F7F974}" type="datetime4">
               <a:rPr lang="de-DE"/>
               <a:pPr lvl="0"/>
-              <a:t>13. Juli 2025</a:t>
+              <a:t>16. Juli 2025</a:t>
             </a:fld>
             <a:endParaRPr lang="de-DE"/>
           </a:p>
@@ -13318,7 +13318,7 @@
             <a:fld id="{F15A6E41-D07D-48C2-AC8B-114638175B01}" type="datetime4">
               <a:rPr lang="de-DE"/>
               <a:pPr lvl="0"/>
-              <a:t>13. Juli 2025</a:t>
+              <a:t>16. Juli 2025</a:t>
             </a:fld>
             <a:endParaRPr lang="de-DE"/>
           </a:p>
@@ -13520,7 +13520,7 @@
             <a:fld id="{459F87E8-4CC1-4E4C-ACB4-CECDA872E2F8}" type="datetime4">
               <a:rPr lang="de-DE"/>
               <a:pPr lvl="0"/>
-              <a:t>13. Juli 2025</a:t>
+              <a:t>16. Juli 2025</a:t>
             </a:fld>
             <a:endParaRPr lang="de-DE"/>
           </a:p>
@@ -13765,7 +13765,7 @@
             <a:fld id="{6CCC58C2-ED5A-48D3-BD08-D9CB24906B4B}" type="datetime4">
               <a:rPr lang="de-DE"/>
               <a:pPr lvl="0"/>
-              <a:t>13. Juli 2025</a:t>
+              <a:t>16. Juli 2025</a:t>
             </a:fld>
             <a:endParaRPr lang="de-DE"/>
           </a:p>
@@ -14007,7 +14007,7 @@
             <a:fld id="{73A1FB07-68FB-467D-87F4-06351E49F6B3}" type="datetime4">
               <a:rPr lang="de-DE"/>
               <a:pPr lvl="0"/>
-              <a:t>13. Juli 2025</a:t>
+              <a:t>16. Juli 2025</a:t>
             </a:fld>
             <a:endParaRPr lang="de-DE"/>
           </a:p>
@@ -14288,7 +14288,7 @@
             <a:fld id="{7C8A22F7-493D-4E6D-9018-EFF9AAD139FD}" type="datetime4">
               <a:rPr lang="de-DE"/>
               <a:pPr lvl="0"/>
-              <a:t>13. Juli 2025</a:t>
+              <a:t>16. Juli 2025</a:t>
             </a:fld>
             <a:endParaRPr lang="de-DE"/>
           </a:p>
@@ -14754,7 +14754,7 @@
             <a:fld id="{E035DBEF-51DF-4AD4-8A4F-EFCF07BE0766}" type="datetime4">
               <a:rPr lang="de-DE"/>
               <a:pPr lvl="0"/>
-              <a:t>13. Juli 2025</a:t>
+              <a:t>16. Juli 2025</a:t>
             </a:fld>
             <a:endParaRPr lang="de-DE"/>
           </a:p>
@@ -15221,7 +15221,7 @@
             <a:fld id="{659A9430-FDB3-4899-8A5C-A44797862664}" type="datetime4">
               <a:rPr lang="de-DE"/>
               <a:pPr lvl="0"/>
-              <a:t>13. Juli 2025</a:t>
+              <a:t>16. Juli 2025</a:t>
             </a:fld>
             <a:endParaRPr lang="de-DE"/>
           </a:p>
@@ -15352,7 +15352,7 @@
             <a:fld id="{F87F329E-B2CA-437C-8477-D94886C5C7B3}" type="datetime4">
               <a:rPr lang="de-DE"/>
               <a:pPr lvl="0"/>
-              <a:t>13. Juli 2025</a:t>
+              <a:t>16. Juli 2025</a:t>
             </a:fld>
             <a:endParaRPr lang="de-DE"/>
           </a:p>
@@ -15661,7 +15661,7 @@
             <a:fld id="{57EFC22C-0657-494B-91B8-172AC9DCB06C}" type="datetime4">
               <a:rPr lang="de-DE"/>
               <a:pPr lvl="0"/>
-              <a:t>13. Juli 2025</a:t>
+              <a:t>16. Juli 2025</a:t>
             </a:fld>
             <a:endParaRPr lang="de-DE"/>
           </a:p>
@@ -15840,7 +15840,7 @@
             <a:fld id="{D4A3CB55-43DA-4FC3-87E9-4F87D89EB1EC}" type="datetime4">
               <a:rPr lang="de-DE"/>
               <a:pPr lvl="0"/>
-              <a:t>13. Juli 2025</a:t>
+              <a:t>16. Juli 2025</a:t>
             </a:fld>
             <a:endParaRPr lang="de-DE"/>
           </a:p>
@@ -16332,7 +16332,7 @@
             <a:fld id="{EFAD4C63-C4A8-4426-8B37-6947F614C924}" type="datetime4">
               <a:rPr lang="de-DE"/>
               <a:pPr lvl="0"/>
-              <a:t>13. Juli 2025</a:t>
+              <a:t>16. Juli 2025</a:t>
             </a:fld>
             <a:endParaRPr lang="de-DE"/>
           </a:p>
@@ -16576,7 +16576,7 @@
             <a:fld id="{19B3ED3E-F133-48A9-9F5A-8597003BD4D5}" type="datetime4">
               <a:rPr lang="de-DE"/>
               <a:pPr lvl="0"/>
-              <a:t>13. Juli 2025</a:t>
+              <a:t>16. Juli 2025</a:t>
             </a:fld>
             <a:endParaRPr lang="de-DE"/>
           </a:p>
@@ -16742,7 +16742,7 @@
             <a:fld id="{32E18DED-A704-450B-B8FC-04A924E29780}" type="datetime4">
               <a:rPr lang="de-DE"/>
               <a:pPr lvl="0"/>
-              <a:t>13. Juli 2025</a:t>
+              <a:t>16. Juli 2025</a:t>
             </a:fld>
             <a:endParaRPr lang="de-DE"/>
           </a:p>
@@ -17156,7 +17156,7 @@
             <a:fld id="{D1B03F6D-9048-4D17-B1F3-FC18BB8186E2}" type="datetime4">
               <a:rPr lang="de-DE"/>
               <a:pPr lvl="0"/>
-              <a:t>13. Juli 2025</a:t>
+              <a:t>16. Juli 2025</a:t>
             </a:fld>
             <a:endParaRPr lang="de-DE"/>
           </a:p>
@@ -17632,7 +17632,7 @@
             <a:fld id="{7A0A60FC-1CB8-4631-859C-7C1BE8C674D5}" type="datetime4">
               <a:rPr lang="de-DE"/>
               <a:pPr lvl="0"/>
-              <a:t>13. Juli 2025</a:t>
+              <a:t>16. Juli 2025</a:t>
             </a:fld>
             <a:endParaRPr lang="de-DE"/>
           </a:p>
@@ -18392,7 +18392,7 @@
             <a:fld id="{D0ECAB24-BD29-4ADE-B273-4175E305A902}" type="datetime4">
               <a:rPr lang="de-DE"/>
               <a:pPr lvl="0"/>
-              <a:t>13. Juli 2025</a:t>
+              <a:t>16. Juli 2025</a:t>
             </a:fld>
             <a:endParaRPr lang="de-DE"/>
           </a:p>
@@ -19411,7 +19411,7 @@
                   <a:uFillTx/>
                 </a:defRPr>
               </a:pPr>
-              <a:t>13. Juli 2025</a:t>
+              <a:t>16. Juli 2025</a:t>
             </a:fld>
             <a:endParaRPr lang="de-DE" sz="900" b="0" i="0" u="none" strike="noStrike" kern="1200" cap="none" spc="0" baseline="0">
               <a:solidFill>
@@ -21364,7 +21364,7 @@
                   <a:uFillTx/>
                 </a:defRPr>
               </a:pPr>
-              <a:t>13. Juli 2025</a:t>
+              <a:t>16. Juli 2025</a:t>
             </a:fld>
             <a:endParaRPr lang="de-DE" sz="900" b="0" i="0" u="none" strike="noStrike" kern="1200" cap="none" spc="0" baseline="0">
               <a:solidFill>
@@ -21597,17 +21597,6 @@
                 </a:solidFill>
                 <a:latin typeface="Calibri"/>
               </a:rPr>
-              <a:t>Extension provides familiar programming workflow</a:t>
-            </a:r>
-          </a:p>
-          <a:p>
-            <a:r>
-              <a:rPr lang="en-US" dirty="0">
-                <a:solidFill>
-                  <a:schemeClr val="tx1"/>
-                </a:solidFill>
-                <a:latin typeface="Calibri"/>
-              </a:rPr>
               <a:t>Debugger and Language Server offer</a:t>
             </a:r>
           </a:p>
@@ -21676,6 +21665,32 @@
               </a:rPr>
               <a:t> State</a:t>
             </a:r>
+          </a:p>
+          <a:p>
+            <a:r>
+              <a:rPr lang="en-US" dirty="0">
+                <a:solidFill>
+                  <a:schemeClr val="tx1"/>
+                </a:solidFill>
+                <a:latin typeface="Calibri"/>
+              </a:rPr>
+              <a:t>Extension provides familiar </a:t>
+            </a:r>
+            <a:r>
+              <a:rPr lang="en-US">
+                <a:solidFill>
+                  <a:schemeClr val="tx1"/>
+                </a:solidFill>
+                <a:latin typeface="Calibri"/>
+              </a:rPr>
+              <a:t>programming workflow</a:t>
+            </a:r>
+            <a:endParaRPr lang="en-US" dirty="0">
+              <a:solidFill>
+                <a:schemeClr val="tx1"/>
+              </a:solidFill>
+              <a:latin typeface="Calibri"/>
+            </a:endParaRPr>
           </a:p>
         </p:txBody>
       </p:sp>
@@ -21972,26 +21987,39 @@
                                   </p:childTnLst>
                                 </p:cTn>
                               </p:par>
-                            </p:childTnLst>
-                          </p:cTn>
-                        </p:par>
-                      </p:childTnLst>
-                    </p:cTn>
-                  </p:par>
-                  <p:par>
-                    <p:cTn id="19" fill="hold">
-                      <p:stCondLst>
-                        <p:cond delay="indefinite"/>
-                      </p:stCondLst>
-                      <p:childTnLst>
-                        <p:par>
-                          <p:cTn id="20" fill="hold">
-                            <p:stCondLst>
-                              <p:cond delay="0"/>
-                            </p:stCondLst>
-                            <p:childTnLst>
                               <p:par>
-                                <p:cTn id="21" presetID="1" presetClass="entr" presetSubtype="0" fill="hold" grpId="0" nodeType="clickEffect">
+                                <p:cTn id="19" presetID="1" presetClass="entr" presetSubtype="0" fill="hold" grpId="0" nodeType="withEffect">
+                                  <p:stCondLst>
+                                    <p:cond delay="0"/>
+                                  </p:stCondLst>
+                                  <p:childTnLst>
+                                    <p:set>
+                                      <p:cBhvr>
+                                        <p:cTn id="20" dur="1" fill="hold">
+                                          <p:stCondLst>
+                                            <p:cond delay="0"/>
+                                          </p:stCondLst>
+                                        </p:cTn>
+                                        <p:tgtEl>
+                                          <p:spTgt spid="10">
+                                            <p:txEl>
+                                              <p:pRg st="4" end="4"/>
+                                            </p:txEl>
+                                          </p:spTgt>
+                                        </p:tgtEl>
+                                        <p:attrNameLst>
+                                          <p:attrName>style.visibility</p:attrName>
+                                        </p:attrNameLst>
+                                      </p:cBhvr>
+                                      <p:to>
+                                        <p:strVal val="visible"/>
+                                      </p:to>
+                                    </p:set>
+                                  </p:childTnLst>
+                                </p:cTn>
+                              </p:par>
+                              <p:par>
+                                <p:cTn id="21" presetID="1" presetClass="entr" presetSubtype="0" fill="hold" grpId="0" nodeType="withEffect">
                                   <p:stCondLst>
                                     <p:cond delay="0"/>
                                   </p:stCondLst>
@@ -22006,7 +22034,7 @@
                                         <p:tgtEl>
                                           <p:spTgt spid="10">
                                             <p:txEl>
-                                              <p:pRg st="4" end="4"/>
+                                              <p:pRg st="5" end="5"/>
                                             </p:txEl>
                                           </p:spTgt>
                                         </p:tgtEl>
@@ -22037,7 +22065,7 @@
                                         <p:tgtEl>
                                           <p:spTgt spid="10">
                                             <p:txEl>
-                                              <p:pRg st="5" end="5"/>
+                                              <p:pRg st="6" end="6"/>
                                             </p:txEl>
                                           </p:spTgt>
                                         </p:tgtEl>
@@ -22068,37 +22096,6 @@
                                         <p:tgtEl>
                                           <p:spTgt spid="10">
                                             <p:txEl>
-                                              <p:pRg st="6" end="6"/>
-                                            </p:txEl>
-                                          </p:spTgt>
-                                        </p:tgtEl>
-                                        <p:attrNameLst>
-                                          <p:attrName>style.visibility</p:attrName>
-                                        </p:attrNameLst>
-                                      </p:cBhvr>
-                                      <p:to>
-                                        <p:strVal val="visible"/>
-                                      </p:to>
-                                    </p:set>
-                                  </p:childTnLst>
-                                </p:cTn>
-                              </p:par>
-                              <p:par>
-                                <p:cTn id="27" presetID="1" presetClass="entr" presetSubtype="0" fill="hold" grpId="0" nodeType="withEffect">
-                                  <p:stCondLst>
-                                    <p:cond delay="0"/>
-                                  </p:stCondLst>
-                                  <p:childTnLst>
-                                    <p:set>
-                                      <p:cBhvr>
-                                        <p:cTn id="28" dur="1" fill="hold">
-                                          <p:stCondLst>
-                                            <p:cond delay="0"/>
-                                          </p:stCondLst>
-                                        </p:cTn>
-                                        <p:tgtEl>
-                                          <p:spTgt spid="10">
-                                            <p:txEl>
                                               <p:pRg st="7" end="7"/>
                                             </p:txEl>
                                           </p:spTgt>
@@ -22114,8 +22111,26 @@
                                   </p:childTnLst>
                                 </p:cTn>
                               </p:par>
+                            </p:childTnLst>
+                          </p:cTn>
+                        </p:par>
+                      </p:childTnLst>
+                    </p:cTn>
+                  </p:par>
+                  <p:par>
+                    <p:cTn id="27" fill="hold">
+                      <p:stCondLst>
+                        <p:cond delay="indefinite"/>
+                      </p:stCondLst>
+                      <p:childTnLst>
+                        <p:par>
+                          <p:cTn id="28" fill="hold">
+                            <p:stCondLst>
+                              <p:cond delay="0"/>
+                            </p:stCondLst>
+                            <p:childTnLst>
                               <p:par>
-                                <p:cTn id="29" presetID="1" presetClass="entr" presetSubtype="0" fill="hold" grpId="0" nodeType="withEffect">
+                                <p:cTn id="29" presetID="1" presetClass="entr" presetSubtype="0" fill="hold" grpId="0" nodeType="clickEffect">
                                   <p:stCondLst>
                                     <p:cond delay="0"/>
                                   </p:stCondLst>
@@ -22274,7 +22289,7 @@
                   <a:uFillTx/>
                 </a:defRPr>
               </a:pPr>
-              <a:t>13. Juli 2025</a:t>
+              <a:t>16. Juli 2025</a:t>
             </a:fld>
             <a:endParaRPr lang="de-DE" sz="900" b="0" i="0" u="none" strike="noStrike" kern="1200" cap="none" spc="0" baseline="0">
               <a:solidFill>
@@ -22984,7 +22999,7 @@
                   <a:uFillTx/>
                 </a:defRPr>
               </a:pPr>
-              <a:t>13. Juli 2025</a:t>
+              <a:t>16. Juli 2025</a:t>
             </a:fld>
             <a:endParaRPr lang="de-DE" sz="900" b="0" i="0" u="none" strike="noStrike" kern="1200" cap="none" spc="0" baseline="0">
               <a:solidFill>
@@ -23400,7 +23415,7 @@
                   <a:uFillTx/>
                 </a:defRPr>
               </a:pPr>
-              <a:t>13. Juli 2025</a:t>
+              <a:t>16. Juli 2025</a:t>
             </a:fld>
             <a:endParaRPr lang="de-DE" sz="900" b="0" i="0" u="none" strike="noStrike" kern="1200" cap="none" spc="0" baseline="0">
               <a:solidFill>
@@ -24457,7 +24472,7 @@
                   <a:uFillTx/>
                 </a:defRPr>
               </a:pPr>
-              <a:t>July 13, 2025</a:t>
+              <a:t>July 16, 2025</a:t>
             </a:fld>
             <a:endParaRPr lang="en-US" sz="900" b="0" i="0" u="none" strike="noStrike" kern="1200" cap="none" spc="0" baseline="0">
               <a:solidFill>
@@ -24748,7 +24763,7 @@
                   <a:uFillTx/>
                 </a:defRPr>
               </a:pPr>
-              <a:t>July 13, 2025</a:t>
+              <a:t>July 16, 2025</a:t>
             </a:fld>
             <a:endParaRPr lang="en-US" sz="900" b="0" i="0" u="none" strike="noStrike" kern="1200" cap="none" spc="0" baseline="0">
               <a:solidFill>
@@ -25358,7 +25373,7 @@
                   <a:uFillTx/>
                 </a:defRPr>
               </a:pPr>
-              <a:t>July 13, 2025</a:t>
+              <a:t>July 16, 2025</a:t>
             </a:fld>
             <a:endParaRPr lang="en-US" sz="900" b="0" i="0" u="none" strike="noStrike" kern="1200" cap="none" spc="0" baseline="0">
               <a:solidFill>
@@ -26025,7 +26040,7 @@
                   <a:uFillTx/>
                 </a:defRPr>
               </a:pPr>
-              <a:t>13. Juli 2025</a:t>
+              <a:t>16. Juli 2025</a:t>
             </a:fld>
             <a:endParaRPr lang="de-DE" sz="900" b="0" i="0" u="none" strike="noStrike" kern="1200" cap="none" spc="0" baseline="0">
               <a:solidFill>
@@ -26203,6 +26218,46 @@
                 </a:solidFill>
                 <a:latin typeface="Calibri"/>
               </a:rPr>
+              <a:t>Implement as VS Code Extension: </a:t>
+            </a:r>
+          </a:p>
+          <a:p>
+            <a:pPr lvl="0"/>
+            <a:r>
+              <a:rPr lang="en-US" dirty="0">
+                <a:latin typeface="Calibri"/>
+              </a:rPr>
+              <a:t>Most used IDE</a:t>
+            </a:r>
+          </a:p>
+          <a:p>
+            <a:pPr lvl="0"/>
+            <a:r>
+              <a:rPr lang="en-US" dirty="0">
+                <a:latin typeface="Calibri"/>
+              </a:rPr>
+              <a:t>Integrate Emulator, Assembler, Disassembler</a:t>
+            </a:r>
+          </a:p>
+          <a:p>
+            <a:r>
+              <a:rPr lang="en-US" dirty="0">
+                <a:latin typeface="Calibri"/>
+              </a:rPr>
+              <a:t>VS Code Extension API</a:t>
+            </a:r>
+          </a:p>
+          <a:p>
+            <a:pPr marL="0" lvl="0" indent="0">
+              <a:buNone/>
+            </a:pPr>
+            <a:r>
+              <a:rPr lang="en-US" b="1" dirty="0">
+                <a:solidFill>
+                  <a:srgbClr val="344A9A"/>
+                </a:solidFill>
+                <a:latin typeface="Calibri"/>
+              </a:rPr>
               <a:t>Quiz: </a:t>
             </a:r>
           </a:p>
@@ -26226,44 +26281,6 @@
             </a:r>
           </a:p>
           <a:p>
-            <a:pPr marL="0" lvl="0" indent="0">
-              <a:buNone/>
-            </a:pPr>
-            <a:r>
-              <a:rPr lang="en-US" b="1" dirty="0">
-                <a:solidFill>
-                  <a:srgbClr val="344A9A"/>
-                </a:solidFill>
-                <a:latin typeface="Calibri"/>
-              </a:rPr>
-              <a:t>Implement as VS Code Extension: </a:t>
-            </a:r>
-          </a:p>
-          <a:p>
-            <a:r>
-              <a:rPr lang="en-US" dirty="0">
-                <a:latin typeface="Calibri"/>
-              </a:rPr>
-              <a:t>VS Code Extension API</a:t>
-            </a:r>
-            <a:endParaRPr lang="en-US" b="1" dirty="0">
-              <a:solidFill>
-                <a:srgbClr val="344A9A"/>
-              </a:solidFill>
-              <a:latin typeface="Calibri"/>
-            </a:endParaRPr>
-          </a:p>
-          <a:p>
-            <a:pPr lvl="0"/>
-            <a:r>
-              <a:rPr lang="en-US" dirty="0">
-                <a:latin typeface="Calibri"/>
-              </a:rPr>
-              <a:t>Most used IDE</a:t>
-            </a:r>
-          </a:p>
-          <a:p>
-            <a:pPr lvl="0"/>
             <a:r>
               <a:rPr lang="en-US" dirty="0">
                 <a:latin typeface="Calibri"/>
@@ -26297,13 +26314,21 @@
             </a:r>
           </a:p>
           <a:p>
-            <a:pPr lvl="0"/>
-            <a:r>
-              <a:rPr lang="en-US" dirty="0">
-                <a:latin typeface="Calibri"/>
-              </a:rPr>
-              <a:t>Integrate Emulator, Assembler, Disassembler</a:t>
-            </a:r>
+            <a:pPr marL="0" indent="0">
+              <a:buNone/>
+            </a:pPr>
+            <a:endParaRPr lang="en-US" dirty="0">
+              <a:solidFill>
+                <a:schemeClr val="tx1"/>
+              </a:solidFill>
+              <a:latin typeface="Calibri"/>
+            </a:endParaRPr>
+          </a:p>
+          <a:p>
+            <a:pPr lvl="0"/>
+            <a:endParaRPr lang="en-US" dirty="0">
+              <a:latin typeface="Calibri"/>
+            </a:endParaRPr>
           </a:p>
         </p:txBody>
       </p:sp>
@@ -27360,7 +27385,7 @@
                   <a:uFillTx/>
                 </a:defRPr>
               </a:pPr>
-              <a:t>13. Juli 2025</a:t>
+              <a:t>16. Juli 2025</a:t>
             </a:fld>
             <a:endParaRPr lang="de-DE" sz="900" b="0" i="0" u="none" strike="noStrike" kern="1200" cap="none" spc="0" baseline="0">
               <a:solidFill>
@@ -28177,7 +28202,7 @@
                   <a:uFillTx/>
                 </a:defRPr>
               </a:pPr>
-              <a:t>13. Juli 2025</a:t>
+              <a:t>16. Juli 2025</a:t>
             </a:fld>
             <a:endParaRPr lang="de-DE" sz="900" b="0" i="0" u="none" strike="noStrike" kern="1200" cap="none" spc="0" baseline="0">
               <a:solidFill>
@@ -28739,7 +28764,7 @@
                   <a:uFillTx/>
                 </a:defRPr>
               </a:pPr>
-              <a:t>13. Juli 2025</a:t>
+              <a:t>16. Juli 2025</a:t>
             </a:fld>
             <a:endParaRPr lang="de-DE" sz="900" b="0" i="0" u="none" strike="noStrike" kern="1200" cap="none" spc="0" baseline="0">
               <a:solidFill>
@@ -29280,7 +29305,7 @@
                   <a:uFillTx/>
                 </a:defRPr>
               </a:pPr>
-              <a:t>13. Juli 2025</a:t>
+              <a:t>16. Juli 2025</a:t>
             </a:fld>
             <a:endParaRPr lang="de-DE" sz="900" b="0" i="0" u="none" strike="noStrike" kern="1200" cap="none" spc="0" baseline="0">
               <a:solidFill>
